--- a/week3.2.file_upload/file_upload.pptx
+++ b/week3.2.file_upload/file_upload.pptx
@@ -12,7 +12,21 @@
     <p:sldId id="260" r:id="rId6"/>
     <p:sldId id="261" r:id="rId7"/>
     <p:sldId id="262" r:id="rId8"/>
-    <p:sldId id="263" r:id="rId9"/>
+    <p:sldId id="264" r:id="rId9"/>
+    <p:sldId id="265" r:id="rId10"/>
+    <p:sldId id="266" r:id="rId11"/>
+    <p:sldId id="267" r:id="rId12"/>
+    <p:sldId id="268" r:id="rId13"/>
+    <p:sldId id="269" r:id="rId14"/>
+    <p:sldId id="263" r:id="rId15"/>
+    <p:sldId id="270" r:id="rId16"/>
+    <p:sldId id="271" r:id="rId17"/>
+    <p:sldId id="272" r:id="rId18"/>
+    <p:sldId id="273" r:id="rId19"/>
+    <p:sldId id="274" r:id="rId20"/>
+    <p:sldId id="275" r:id="rId21"/>
+    <p:sldId id="276" r:id="rId22"/>
+    <p:sldId id="277" r:id="rId23"/>
   </p:sldIdLst>
   <p:sldSz cx="12192000" cy="6858000"/>
   <p:notesSz cx="6858000" cy="9144000"/>
@@ -111,6 +125,11 @@
       </a:defRPr>
     </a:lvl9pPr>
   </p:defaultTextStyle>
+  <p:extLst>
+    <p:ext uri="{EFAFB233-063F-42B5-8137-9DF3F51BA10A}">
+      <p15:sldGuideLst xmlns:p15="http://schemas.microsoft.com/office/powerpoint/2012/main"/>
+    </p:ext>
+  </p:extLst>
 </p:presentation>
 </file>
 
@@ -245,7 +264,7 @@
           <a:p>
             <a:fld id="{B2ACCAD5-56B7-4C78-BE2A-F101EAB16DBD}" type="datetimeFigureOut">
               <a:rPr lang="en-US" smtClean="0"/>
-              <a:t>12/06/2025</a:t>
+              <a:t>15/06/2025</a:t>
             </a:fld>
             <a:endParaRPr lang="en-US"/>
           </a:p>
@@ -415,7 +434,7 @@
           <a:p>
             <a:fld id="{B2ACCAD5-56B7-4C78-BE2A-F101EAB16DBD}" type="datetimeFigureOut">
               <a:rPr lang="en-US" smtClean="0"/>
-              <a:t>12/06/2025</a:t>
+              <a:t>15/06/2025</a:t>
             </a:fld>
             <a:endParaRPr lang="en-US"/>
           </a:p>
@@ -595,7 +614,7 @@
           <a:p>
             <a:fld id="{B2ACCAD5-56B7-4C78-BE2A-F101EAB16DBD}" type="datetimeFigureOut">
               <a:rPr lang="en-US" smtClean="0"/>
-              <a:t>12/06/2025</a:t>
+              <a:t>15/06/2025</a:t>
             </a:fld>
             <a:endParaRPr lang="en-US"/>
           </a:p>
@@ -765,7 +784,7 @@
           <a:p>
             <a:fld id="{B2ACCAD5-56B7-4C78-BE2A-F101EAB16DBD}" type="datetimeFigureOut">
               <a:rPr lang="en-US" smtClean="0"/>
-              <a:t>12/06/2025</a:t>
+              <a:t>15/06/2025</a:t>
             </a:fld>
             <a:endParaRPr lang="en-US"/>
           </a:p>
@@ -1011,7 +1030,7 @@
           <a:p>
             <a:fld id="{B2ACCAD5-56B7-4C78-BE2A-F101EAB16DBD}" type="datetimeFigureOut">
               <a:rPr lang="en-US" smtClean="0"/>
-              <a:t>12/06/2025</a:t>
+              <a:t>15/06/2025</a:t>
             </a:fld>
             <a:endParaRPr lang="en-US"/>
           </a:p>
@@ -1243,7 +1262,7 @@
           <a:p>
             <a:fld id="{B2ACCAD5-56B7-4C78-BE2A-F101EAB16DBD}" type="datetimeFigureOut">
               <a:rPr lang="en-US" smtClean="0"/>
-              <a:t>12/06/2025</a:t>
+              <a:t>15/06/2025</a:t>
             </a:fld>
             <a:endParaRPr lang="en-US"/>
           </a:p>
@@ -1610,7 +1629,7 @@
           <a:p>
             <a:fld id="{B2ACCAD5-56B7-4C78-BE2A-F101EAB16DBD}" type="datetimeFigureOut">
               <a:rPr lang="en-US" smtClean="0"/>
-              <a:t>12/06/2025</a:t>
+              <a:t>15/06/2025</a:t>
             </a:fld>
             <a:endParaRPr lang="en-US"/>
           </a:p>
@@ -1728,7 +1747,7 @@
           <a:p>
             <a:fld id="{B2ACCAD5-56B7-4C78-BE2A-F101EAB16DBD}" type="datetimeFigureOut">
               <a:rPr lang="en-US" smtClean="0"/>
-              <a:t>12/06/2025</a:t>
+              <a:t>15/06/2025</a:t>
             </a:fld>
             <a:endParaRPr lang="en-US"/>
           </a:p>
@@ -1823,7 +1842,7 @@
           <a:p>
             <a:fld id="{B2ACCAD5-56B7-4C78-BE2A-F101EAB16DBD}" type="datetimeFigureOut">
               <a:rPr lang="en-US" smtClean="0"/>
-              <a:t>12/06/2025</a:t>
+              <a:t>15/06/2025</a:t>
             </a:fld>
             <a:endParaRPr lang="en-US"/>
           </a:p>
@@ -2100,7 +2119,7 @@
           <a:p>
             <a:fld id="{B2ACCAD5-56B7-4C78-BE2A-F101EAB16DBD}" type="datetimeFigureOut">
               <a:rPr lang="en-US" smtClean="0"/>
-              <a:t>12/06/2025</a:t>
+              <a:t>15/06/2025</a:t>
             </a:fld>
             <a:endParaRPr lang="en-US"/>
           </a:p>
@@ -2353,7 +2372,7 @@
           <a:p>
             <a:fld id="{B2ACCAD5-56B7-4C78-BE2A-F101EAB16DBD}" type="datetimeFigureOut">
               <a:rPr lang="en-US" smtClean="0"/>
-              <a:t>12/06/2025</a:t>
+              <a:t>15/06/2025</a:t>
             </a:fld>
             <a:endParaRPr lang="en-US"/>
           </a:p>
@@ -2566,7 +2585,7 @@
           <a:p>
             <a:fld id="{B2ACCAD5-56B7-4C78-BE2A-F101EAB16DBD}" type="datetimeFigureOut">
               <a:rPr lang="en-US" smtClean="0"/>
-              <a:t>12/06/2025</a:t>
+              <a:t>15/06/2025</a:t>
             </a:fld>
             <a:endParaRPr lang="en-US"/>
           </a:p>
@@ -3077,6 +3096,3804 @@
 </p:sld>
 </file>
 
+<file path=ppt/slides/slide10.xml><?xml version="1.0" encoding="utf-8"?>
+<p:sld xmlns:a="http://schemas.openxmlformats.org/drawingml/2006/main" xmlns:r="http://schemas.openxmlformats.org/officeDocument/2006/relationships" xmlns:p="http://schemas.openxmlformats.org/presentationml/2006/main">
+  <p:cSld>
+    <p:spTree>
+      <p:nvGrpSpPr>
+        <p:cNvPr id="1" name=""/>
+        <p:cNvGrpSpPr/>
+        <p:nvPr/>
+      </p:nvGrpSpPr>
+      <p:grpSpPr>
+        <a:xfrm>
+          <a:off x="0" y="0"/>
+          <a:ext cx="0" cy="0"/>
+          <a:chOff x="0" y="0"/>
+          <a:chExt cx="0" cy="0"/>
+        </a:xfrm>
+      </p:grpSpPr>
+      <p:sp>
+        <p:nvSpPr>
+          <p:cNvPr id="2" name="Title 1"/>
+          <p:cNvSpPr>
+            <a:spLocks noGrp="1"/>
+          </p:cNvSpPr>
+          <p:nvPr>
+            <p:ph type="title"/>
+          </p:nvPr>
+        </p:nvSpPr>
+        <p:spPr/>
+        <p:txBody>
+          <a:bodyPr/>
+          <a:lstStyle/>
+          <a:p>
+            <a:r>
+              <a:rPr lang="en-US" b="1" dirty="0" smtClean="0"/>
+              <a:t>4. </a:t>
+            </a:r>
+            <a:r>
+              <a:rPr lang="en-US" b="1" dirty="0" err="1" smtClean="0"/>
+              <a:t>Cơ</a:t>
+            </a:r>
+            <a:r>
+              <a:rPr lang="en-US" b="1" dirty="0" smtClean="0"/>
+              <a:t> </a:t>
+            </a:r>
+            <a:r>
+              <a:rPr lang="en-US" b="1" dirty="0" err="1" smtClean="0"/>
+              <a:t>chế</a:t>
+            </a:r>
+            <a:r>
+              <a:rPr lang="en-US" b="1" dirty="0" smtClean="0"/>
+              <a:t> </a:t>
+            </a:r>
+            <a:r>
+              <a:rPr lang="en-US" b="1" dirty="0" err="1" smtClean="0"/>
+              <a:t>bảo</a:t>
+            </a:r>
+            <a:r>
+              <a:rPr lang="en-US" b="1" dirty="0" smtClean="0"/>
+              <a:t> </a:t>
+            </a:r>
+            <a:r>
+              <a:rPr lang="en-US" b="1" dirty="0" err="1" smtClean="0"/>
+              <a:t>mật</a:t>
+            </a:r>
+            <a:r>
+              <a:rPr lang="en-US" b="1" dirty="0"/>
+              <a:t> </a:t>
+            </a:r>
+            <a:r>
+              <a:rPr lang="en-US" b="1" dirty="0" smtClean="0"/>
+              <a:t>+ </a:t>
+            </a:r>
+            <a:r>
+              <a:rPr lang="en-US" b="1" dirty="0" err="1" smtClean="0"/>
+              <a:t>Kĩ</a:t>
+            </a:r>
+            <a:r>
+              <a:rPr lang="en-US" b="1" dirty="0" smtClean="0"/>
+              <a:t> </a:t>
+            </a:r>
+            <a:r>
+              <a:rPr lang="en-US" b="1" dirty="0" err="1" smtClean="0"/>
+              <a:t>thuật</a:t>
+            </a:r>
+            <a:r>
+              <a:rPr lang="en-US" b="1" dirty="0" smtClean="0"/>
+              <a:t> bypass</a:t>
+            </a:r>
+            <a:endParaRPr lang="en-US" b="1" dirty="0"/>
+          </a:p>
+        </p:txBody>
+      </p:sp>
+      <p:sp>
+        <p:nvSpPr>
+          <p:cNvPr id="4" name="Rectangle 2"/>
+          <p:cNvSpPr>
+            <a:spLocks noGrp="1" noChangeArrowheads="1"/>
+          </p:cNvSpPr>
+          <p:nvPr>
+            <p:ph idx="1"/>
+          </p:nvPr>
+        </p:nvSpPr>
+        <p:spPr bwMode="auto">
+          <a:xfrm>
+            <a:off x="1541721" y="1623441"/>
+            <a:ext cx="8708572" cy="4565272"/>
+          </a:xfrm>
+          <a:prstGeom prst="rect">
+            <a:avLst/>
+          </a:prstGeom>
+          <a:solidFill>
+            <a:srgbClr val="F3F4F4"/>
+          </a:solidFill>
+          <a:ln>
+            <a:noFill/>
+          </a:ln>
+          <a:effectLst/>
+          <a:extLst>
+            <a:ext uri="{91240B29-F687-4F45-9708-019B960494DF}">
+              <a14:hiddenLine xmlns:a14="http://schemas.microsoft.com/office/drawing/2010/main" w="9525">
+                <a:solidFill>
+                  <a:schemeClr val="tx1"/>
+                </a:solidFill>
+                <a:miter lim="800000"/>
+                <a:headEnd/>
+                <a:tailEnd/>
+              </a14:hiddenLine>
+            </a:ext>
+            <a:ext uri="{AF507438-7753-43E0-B8FC-AC1667EBCBE1}">
+              <a14:hiddenEffects xmlns:a14="http://schemas.microsoft.com/office/drawing/2010/main">
+                <a:effectLst>
+                  <a:outerShdw dist="35921" dir="2700000" algn="ctr" rotWithShape="0">
+                    <a:schemeClr val="bg2"/>
+                  </a:outerShdw>
+                </a:effectLst>
+              </a14:hiddenEffects>
+            </a:ext>
+          </a:extLst>
+        </p:spPr>
+        <p:txBody>
+          <a:bodyPr vert="horz" wrap="square" lIns="0" tIns="126960" rIns="0" bIns="126960" numCol="1" anchor="ctr" anchorCtr="0" compatLnSpc="1">
+            <a:prstTxWarp prst="textNoShape">
+              <a:avLst/>
+            </a:prstTxWarp>
+            <a:spAutoFit/>
+          </a:bodyPr>
+          <a:lstStyle>
+            <a:lvl1pPr eaLnBrk="0" fontAlgn="base" hangingPunct="0">
+              <a:spcBef>
+                <a:spcPct val="0"/>
+              </a:spcBef>
+              <a:spcAft>
+                <a:spcPct val="0"/>
+              </a:spcAft>
+              <a:defRPr>
+                <a:solidFill>
+                  <a:schemeClr val="tx1"/>
+                </a:solidFill>
+                <a:latin typeface="Arial" panose="020B0604020202020204" pitchFamily="34" charset="0"/>
+              </a:defRPr>
+            </a:lvl1pPr>
+            <a:lvl2pPr eaLnBrk="0" fontAlgn="base" hangingPunct="0">
+              <a:spcBef>
+                <a:spcPct val="0"/>
+              </a:spcBef>
+              <a:spcAft>
+                <a:spcPct val="0"/>
+              </a:spcAft>
+              <a:defRPr>
+                <a:solidFill>
+                  <a:schemeClr val="tx1"/>
+                </a:solidFill>
+                <a:latin typeface="Arial" panose="020B0604020202020204" pitchFamily="34" charset="0"/>
+              </a:defRPr>
+            </a:lvl2pPr>
+            <a:lvl3pPr eaLnBrk="0" fontAlgn="base" hangingPunct="0">
+              <a:spcBef>
+                <a:spcPct val="0"/>
+              </a:spcBef>
+              <a:spcAft>
+                <a:spcPct val="0"/>
+              </a:spcAft>
+              <a:defRPr>
+                <a:solidFill>
+                  <a:schemeClr val="tx1"/>
+                </a:solidFill>
+                <a:latin typeface="Arial" panose="020B0604020202020204" pitchFamily="34" charset="0"/>
+              </a:defRPr>
+            </a:lvl3pPr>
+            <a:lvl4pPr eaLnBrk="0" fontAlgn="base" hangingPunct="0">
+              <a:spcBef>
+                <a:spcPct val="0"/>
+              </a:spcBef>
+              <a:spcAft>
+                <a:spcPct val="0"/>
+              </a:spcAft>
+              <a:defRPr>
+                <a:solidFill>
+                  <a:schemeClr val="tx1"/>
+                </a:solidFill>
+                <a:latin typeface="Arial" panose="020B0604020202020204" pitchFamily="34" charset="0"/>
+              </a:defRPr>
+            </a:lvl4pPr>
+            <a:lvl5pPr eaLnBrk="0" fontAlgn="base" hangingPunct="0">
+              <a:spcBef>
+                <a:spcPct val="0"/>
+              </a:spcBef>
+              <a:spcAft>
+                <a:spcPct val="0"/>
+              </a:spcAft>
+              <a:defRPr>
+                <a:solidFill>
+                  <a:schemeClr val="tx1"/>
+                </a:solidFill>
+                <a:latin typeface="Arial" panose="020B0604020202020204" pitchFamily="34" charset="0"/>
+              </a:defRPr>
+            </a:lvl5pPr>
+            <a:lvl6pPr eaLnBrk="0" fontAlgn="base" hangingPunct="0">
+              <a:spcBef>
+                <a:spcPct val="0"/>
+              </a:spcBef>
+              <a:spcAft>
+                <a:spcPct val="0"/>
+              </a:spcAft>
+              <a:defRPr>
+                <a:solidFill>
+                  <a:schemeClr val="tx1"/>
+                </a:solidFill>
+                <a:latin typeface="Arial" panose="020B0604020202020204" pitchFamily="34" charset="0"/>
+              </a:defRPr>
+            </a:lvl6pPr>
+            <a:lvl7pPr eaLnBrk="0" fontAlgn="base" hangingPunct="0">
+              <a:spcBef>
+                <a:spcPct val="0"/>
+              </a:spcBef>
+              <a:spcAft>
+                <a:spcPct val="0"/>
+              </a:spcAft>
+              <a:defRPr>
+                <a:solidFill>
+                  <a:schemeClr val="tx1"/>
+                </a:solidFill>
+                <a:latin typeface="Arial" panose="020B0604020202020204" pitchFamily="34" charset="0"/>
+              </a:defRPr>
+            </a:lvl7pPr>
+            <a:lvl8pPr eaLnBrk="0" fontAlgn="base" hangingPunct="0">
+              <a:spcBef>
+                <a:spcPct val="0"/>
+              </a:spcBef>
+              <a:spcAft>
+                <a:spcPct val="0"/>
+              </a:spcAft>
+              <a:defRPr>
+                <a:solidFill>
+                  <a:schemeClr val="tx1"/>
+                </a:solidFill>
+                <a:latin typeface="Arial" panose="020B0604020202020204" pitchFamily="34" charset="0"/>
+              </a:defRPr>
+            </a:lvl8pPr>
+            <a:lvl9pPr eaLnBrk="0" fontAlgn="base" hangingPunct="0">
+              <a:spcBef>
+                <a:spcPct val="0"/>
+              </a:spcBef>
+              <a:spcAft>
+                <a:spcPct val="0"/>
+              </a:spcAft>
+              <a:defRPr>
+                <a:solidFill>
+                  <a:schemeClr val="tx1"/>
+                </a:solidFill>
+                <a:latin typeface="Arial" panose="020B0604020202020204" pitchFamily="34" charset="0"/>
+              </a:defRPr>
+            </a:lvl9pPr>
+          </a:lstStyle>
+          <a:p>
+            <a:pPr marL="0" lvl="0" indent="0">
+              <a:lnSpc>
+                <a:spcPct val="200000"/>
+              </a:lnSpc>
+              <a:buNone/>
+            </a:pPr>
+            <a:r>
+              <a:rPr lang="en-US" altLang="en-US" sz="2000" b="1" dirty="0" smtClean="0"/>
+              <a:t>4.4. </a:t>
+            </a:r>
+            <a:r>
+              <a:rPr lang="vi-VN" altLang="en-US" sz="2000" b="1" dirty="0" smtClean="0"/>
+              <a:t>Content-Type </a:t>
+            </a:r>
+            <a:r>
+              <a:rPr lang="vi-VN" altLang="en-US" sz="2000" b="1" dirty="0"/>
+              <a:t>or Magic Bytes </a:t>
+            </a:r>
+            <a:r>
+              <a:rPr lang="vi-VN" altLang="en-US" sz="2000" b="1" dirty="0" smtClean="0"/>
+              <a:t>Bypass</a:t>
+            </a:r>
+            <a:endParaRPr lang="en-US" altLang="en-US" sz="2000" b="1" dirty="0" smtClean="0"/>
+          </a:p>
+          <a:p>
+            <a:pPr lvl="0">
+              <a:lnSpc>
+                <a:spcPct val="200000"/>
+              </a:lnSpc>
+              <a:buFontTx/>
+              <a:buChar char="-"/>
+            </a:pPr>
+            <a:r>
+              <a:rPr lang="en-US" altLang="en-US" sz="2000" dirty="0" err="1" smtClean="0"/>
+              <a:t>Cơ</a:t>
+            </a:r>
+            <a:r>
+              <a:rPr lang="en-US" altLang="en-US" sz="2000" dirty="0" smtClean="0"/>
+              <a:t> </a:t>
+            </a:r>
+            <a:r>
+              <a:rPr lang="en-US" altLang="en-US" sz="2000" dirty="0" err="1" smtClean="0"/>
+              <a:t>chế</a:t>
+            </a:r>
+            <a:r>
+              <a:rPr lang="en-US" altLang="en-US" sz="2000" dirty="0" smtClean="0"/>
+              <a:t> </a:t>
+            </a:r>
+            <a:r>
+              <a:rPr lang="en-US" altLang="en-US" sz="2000" dirty="0" err="1" smtClean="0"/>
+              <a:t>bảo</a:t>
+            </a:r>
+            <a:r>
+              <a:rPr lang="en-US" altLang="en-US" sz="2000" dirty="0" smtClean="0"/>
+              <a:t> </a:t>
+            </a:r>
+            <a:r>
+              <a:rPr lang="en-US" altLang="en-US" sz="2000" dirty="0" err="1" smtClean="0"/>
+              <a:t>mật</a:t>
+            </a:r>
+            <a:r>
+              <a:rPr lang="en-US" altLang="en-US" sz="2000" dirty="0" smtClean="0"/>
+              <a:t>: </a:t>
+            </a:r>
+            <a:r>
+              <a:rPr lang="vi-VN" altLang="en-US" sz="2000" dirty="0"/>
+              <a:t>Server chỉ kiểm tra sơ sài loại file dựa trên header hoặc magic </a:t>
+            </a:r>
+            <a:r>
+              <a:rPr lang="vi-VN" altLang="en-US" sz="2000" dirty="0" smtClean="0"/>
+              <a:t>bytes</a:t>
+            </a:r>
+            <a:endParaRPr lang="en-US" altLang="en-US" sz="2000" dirty="0" smtClean="0"/>
+          </a:p>
+          <a:p>
+            <a:pPr marL="0" lvl="0" indent="0">
+              <a:lnSpc>
+                <a:spcPct val="200000"/>
+              </a:lnSpc>
+              <a:buNone/>
+            </a:pPr>
+            <a:r>
+              <a:rPr lang="en-US" altLang="en-US" sz="2000" dirty="0" smtClean="0">
+                <a:sym typeface="Wingdings" panose="05000000000000000000" pitchFamily="2" charset="2"/>
+              </a:rPr>
+              <a:t> </a:t>
+            </a:r>
+          </a:p>
+          <a:p>
+            <a:pPr marL="0" lvl="0" indent="0">
+              <a:lnSpc>
+                <a:spcPct val="200000"/>
+              </a:lnSpc>
+              <a:buNone/>
+            </a:pPr>
+            <a:r>
+              <a:rPr lang="en-US" altLang="en-US" sz="2000" dirty="0" smtClean="0"/>
+              <a:t>+ </a:t>
+            </a:r>
+            <a:r>
+              <a:rPr lang="vi-VN" altLang="en-US" sz="2000" dirty="0" smtClean="0"/>
+              <a:t>Khai </a:t>
+            </a:r>
+            <a:r>
+              <a:rPr lang="vi-VN" altLang="en-US" sz="2000" dirty="0"/>
+              <a:t>báo `Content-Type: image/jpeg`, nhưng thực tế là file PHP.</a:t>
+            </a:r>
+          </a:p>
+          <a:p>
+            <a:pPr marL="0" lvl="0" indent="0">
+              <a:lnSpc>
+                <a:spcPct val="200000"/>
+              </a:lnSpc>
+              <a:buNone/>
+            </a:pPr>
+            <a:r>
+              <a:rPr lang="en-US" altLang="en-US" sz="2000" dirty="0" smtClean="0"/>
+              <a:t>+ </a:t>
+            </a:r>
+            <a:r>
+              <a:rPr lang="vi-VN" altLang="en-US" sz="2000" dirty="0" smtClean="0"/>
+              <a:t>Hoặc </a:t>
+            </a:r>
+            <a:r>
+              <a:rPr lang="vi-VN" altLang="en-US" sz="2000" dirty="0"/>
+              <a:t>dùng đầu file chứa magic bytes đúng của ảnh `.jpg`, phần sau là mã </a:t>
+            </a:r>
+            <a:r>
+              <a:rPr lang="vi-VN" altLang="en-US" sz="2000" dirty="0" smtClean="0"/>
+              <a:t>PHP</a:t>
+            </a:r>
+            <a:r>
+              <a:rPr lang="en-US" altLang="en-US" sz="2000" dirty="0" smtClean="0"/>
+              <a:t>.</a:t>
+            </a:r>
+            <a:endParaRPr lang="vi-VN" altLang="en-US" sz="2000" dirty="0"/>
+          </a:p>
+        </p:txBody>
+      </p:sp>
+    </p:spTree>
+    <p:extLst>
+      <p:ext uri="{BB962C8B-B14F-4D97-AF65-F5344CB8AC3E}">
+        <p14:creationId xmlns:p14="http://schemas.microsoft.com/office/powerpoint/2010/main" val="3887405557"/>
+      </p:ext>
+    </p:extLst>
+  </p:cSld>
+  <p:clrMapOvr>
+    <a:masterClrMapping/>
+  </p:clrMapOvr>
+</p:sld>
+</file>
+
+<file path=ppt/slides/slide11.xml><?xml version="1.0" encoding="utf-8"?>
+<p:sld xmlns:a="http://schemas.openxmlformats.org/drawingml/2006/main" xmlns:r="http://schemas.openxmlformats.org/officeDocument/2006/relationships" xmlns:p="http://schemas.openxmlformats.org/presentationml/2006/main">
+  <p:cSld>
+    <p:spTree>
+      <p:nvGrpSpPr>
+        <p:cNvPr id="1" name=""/>
+        <p:cNvGrpSpPr/>
+        <p:nvPr/>
+      </p:nvGrpSpPr>
+      <p:grpSpPr>
+        <a:xfrm>
+          <a:off x="0" y="0"/>
+          <a:ext cx="0" cy="0"/>
+          <a:chOff x="0" y="0"/>
+          <a:chExt cx="0" cy="0"/>
+        </a:xfrm>
+      </p:grpSpPr>
+      <p:sp>
+        <p:nvSpPr>
+          <p:cNvPr id="2" name="Title 1"/>
+          <p:cNvSpPr>
+            <a:spLocks noGrp="1"/>
+          </p:cNvSpPr>
+          <p:nvPr>
+            <p:ph type="title"/>
+          </p:nvPr>
+        </p:nvSpPr>
+        <p:spPr/>
+        <p:txBody>
+          <a:bodyPr/>
+          <a:lstStyle/>
+          <a:p>
+            <a:r>
+              <a:rPr lang="en-US" b="1" dirty="0" smtClean="0"/>
+              <a:t>4. </a:t>
+            </a:r>
+            <a:r>
+              <a:rPr lang="en-US" b="1" dirty="0" err="1" smtClean="0"/>
+              <a:t>Cơ</a:t>
+            </a:r>
+            <a:r>
+              <a:rPr lang="en-US" b="1" dirty="0" smtClean="0"/>
+              <a:t> </a:t>
+            </a:r>
+            <a:r>
+              <a:rPr lang="en-US" b="1" dirty="0" err="1" smtClean="0"/>
+              <a:t>chế</a:t>
+            </a:r>
+            <a:r>
+              <a:rPr lang="en-US" b="1" dirty="0" smtClean="0"/>
+              <a:t> </a:t>
+            </a:r>
+            <a:r>
+              <a:rPr lang="en-US" b="1" dirty="0" err="1" smtClean="0"/>
+              <a:t>bảo</a:t>
+            </a:r>
+            <a:r>
+              <a:rPr lang="en-US" b="1" dirty="0" smtClean="0"/>
+              <a:t> </a:t>
+            </a:r>
+            <a:r>
+              <a:rPr lang="en-US" b="1" dirty="0" err="1" smtClean="0"/>
+              <a:t>mật</a:t>
+            </a:r>
+            <a:r>
+              <a:rPr lang="en-US" b="1" dirty="0"/>
+              <a:t> </a:t>
+            </a:r>
+            <a:r>
+              <a:rPr lang="en-US" b="1" dirty="0" smtClean="0"/>
+              <a:t>+ </a:t>
+            </a:r>
+            <a:r>
+              <a:rPr lang="en-US" b="1" dirty="0" err="1" smtClean="0"/>
+              <a:t>Kĩ</a:t>
+            </a:r>
+            <a:r>
+              <a:rPr lang="en-US" b="1" dirty="0" smtClean="0"/>
+              <a:t> </a:t>
+            </a:r>
+            <a:r>
+              <a:rPr lang="en-US" b="1" dirty="0" err="1" smtClean="0"/>
+              <a:t>thuật</a:t>
+            </a:r>
+            <a:r>
+              <a:rPr lang="en-US" b="1" dirty="0" smtClean="0"/>
+              <a:t> bypass</a:t>
+            </a:r>
+            <a:endParaRPr lang="en-US" b="1" dirty="0"/>
+          </a:p>
+        </p:txBody>
+      </p:sp>
+      <p:sp>
+        <p:nvSpPr>
+          <p:cNvPr id="4" name="Rectangle 2"/>
+          <p:cNvSpPr>
+            <a:spLocks noGrp="1" noChangeArrowheads="1"/>
+          </p:cNvSpPr>
+          <p:nvPr>
+            <p:ph idx="1"/>
+          </p:nvPr>
+        </p:nvSpPr>
+        <p:spPr bwMode="auto">
+          <a:xfrm>
+            <a:off x="1562986" y="1877486"/>
+            <a:ext cx="8708572" cy="3334165"/>
+          </a:xfrm>
+          <a:prstGeom prst="rect">
+            <a:avLst/>
+          </a:prstGeom>
+          <a:solidFill>
+            <a:srgbClr val="F3F4F4"/>
+          </a:solidFill>
+          <a:ln>
+            <a:noFill/>
+          </a:ln>
+          <a:effectLst/>
+          <a:extLst>
+            <a:ext uri="{91240B29-F687-4F45-9708-019B960494DF}">
+              <a14:hiddenLine xmlns:a14="http://schemas.microsoft.com/office/drawing/2010/main" w="9525">
+                <a:solidFill>
+                  <a:schemeClr val="tx1"/>
+                </a:solidFill>
+                <a:miter lim="800000"/>
+                <a:headEnd/>
+                <a:tailEnd/>
+              </a14:hiddenLine>
+            </a:ext>
+            <a:ext uri="{AF507438-7753-43E0-B8FC-AC1667EBCBE1}">
+              <a14:hiddenEffects xmlns:a14="http://schemas.microsoft.com/office/drawing/2010/main">
+                <a:effectLst>
+                  <a:outerShdw dist="35921" dir="2700000" algn="ctr" rotWithShape="0">
+                    <a:schemeClr val="bg2"/>
+                  </a:outerShdw>
+                </a:effectLst>
+              </a14:hiddenEffects>
+            </a:ext>
+          </a:extLst>
+        </p:spPr>
+        <p:txBody>
+          <a:bodyPr vert="horz" wrap="square" lIns="0" tIns="126960" rIns="0" bIns="126960" numCol="1" anchor="ctr" anchorCtr="0" compatLnSpc="1">
+            <a:prstTxWarp prst="textNoShape">
+              <a:avLst/>
+            </a:prstTxWarp>
+            <a:spAutoFit/>
+          </a:bodyPr>
+          <a:lstStyle>
+            <a:lvl1pPr eaLnBrk="0" fontAlgn="base" hangingPunct="0">
+              <a:spcBef>
+                <a:spcPct val="0"/>
+              </a:spcBef>
+              <a:spcAft>
+                <a:spcPct val="0"/>
+              </a:spcAft>
+              <a:defRPr>
+                <a:solidFill>
+                  <a:schemeClr val="tx1"/>
+                </a:solidFill>
+                <a:latin typeface="Arial" panose="020B0604020202020204" pitchFamily="34" charset="0"/>
+              </a:defRPr>
+            </a:lvl1pPr>
+            <a:lvl2pPr eaLnBrk="0" fontAlgn="base" hangingPunct="0">
+              <a:spcBef>
+                <a:spcPct val="0"/>
+              </a:spcBef>
+              <a:spcAft>
+                <a:spcPct val="0"/>
+              </a:spcAft>
+              <a:defRPr>
+                <a:solidFill>
+                  <a:schemeClr val="tx1"/>
+                </a:solidFill>
+                <a:latin typeface="Arial" panose="020B0604020202020204" pitchFamily="34" charset="0"/>
+              </a:defRPr>
+            </a:lvl2pPr>
+            <a:lvl3pPr eaLnBrk="0" fontAlgn="base" hangingPunct="0">
+              <a:spcBef>
+                <a:spcPct val="0"/>
+              </a:spcBef>
+              <a:spcAft>
+                <a:spcPct val="0"/>
+              </a:spcAft>
+              <a:defRPr>
+                <a:solidFill>
+                  <a:schemeClr val="tx1"/>
+                </a:solidFill>
+                <a:latin typeface="Arial" panose="020B0604020202020204" pitchFamily="34" charset="0"/>
+              </a:defRPr>
+            </a:lvl3pPr>
+            <a:lvl4pPr eaLnBrk="0" fontAlgn="base" hangingPunct="0">
+              <a:spcBef>
+                <a:spcPct val="0"/>
+              </a:spcBef>
+              <a:spcAft>
+                <a:spcPct val="0"/>
+              </a:spcAft>
+              <a:defRPr>
+                <a:solidFill>
+                  <a:schemeClr val="tx1"/>
+                </a:solidFill>
+                <a:latin typeface="Arial" panose="020B0604020202020204" pitchFamily="34" charset="0"/>
+              </a:defRPr>
+            </a:lvl4pPr>
+            <a:lvl5pPr eaLnBrk="0" fontAlgn="base" hangingPunct="0">
+              <a:spcBef>
+                <a:spcPct val="0"/>
+              </a:spcBef>
+              <a:spcAft>
+                <a:spcPct val="0"/>
+              </a:spcAft>
+              <a:defRPr>
+                <a:solidFill>
+                  <a:schemeClr val="tx1"/>
+                </a:solidFill>
+                <a:latin typeface="Arial" panose="020B0604020202020204" pitchFamily="34" charset="0"/>
+              </a:defRPr>
+            </a:lvl5pPr>
+            <a:lvl6pPr eaLnBrk="0" fontAlgn="base" hangingPunct="0">
+              <a:spcBef>
+                <a:spcPct val="0"/>
+              </a:spcBef>
+              <a:spcAft>
+                <a:spcPct val="0"/>
+              </a:spcAft>
+              <a:defRPr>
+                <a:solidFill>
+                  <a:schemeClr val="tx1"/>
+                </a:solidFill>
+                <a:latin typeface="Arial" panose="020B0604020202020204" pitchFamily="34" charset="0"/>
+              </a:defRPr>
+            </a:lvl6pPr>
+            <a:lvl7pPr eaLnBrk="0" fontAlgn="base" hangingPunct="0">
+              <a:spcBef>
+                <a:spcPct val="0"/>
+              </a:spcBef>
+              <a:spcAft>
+                <a:spcPct val="0"/>
+              </a:spcAft>
+              <a:defRPr>
+                <a:solidFill>
+                  <a:schemeClr val="tx1"/>
+                </a:solidFill>
+                <a:latin typeface="Arial" panose="020B0604020202020204" pitchFamily="34" charset="0"/>
+              </a:defRPr>
+            </a:lvl7pPr>
+            <a:lvl8pPr eaLnBrk="0" fontAlgn="base" hangingPunct="0">
+              <a:spcBef>
+                <a:spcPct val="0"/>
+              </a:spcBef>
+              <a:spcAft>
+                <a:spcPct val="0"/>
+              </a:spcAft>
+              <a:defRPr>
+                <a:solidFill>
+                  <a:schemeClr val="tx1"/>
+                </a:solidFill>
+                <a:latin typeface="Arial" panose="020B0604020202020204" pitchFamily="34" charset="0"/>
+              </a:defRPr>
+            </a:lvl8pPr>
+            <a:lvl9pPr eaLnBrk="0" fontAlgn="base" hangingPunct="0">
+              <a:spcBef>
+                <a:spcPct val="0"/>
+              </a:spcBef>
+              <a:spcAft>
+                <a:spcPct val="0"/>
+              </a:spcAft>
+              <a:defRPr>
+                <a:solidFill>
+                  <a:schemeClr val="tx1"/>
+                </a:solidFill>
+                <a:latin typeface="Arial" panose="020B0604020202020204" pitchFamily="34" charset="0"/>
+              </a:defRPr>
+            </a:lvl9pPr>
+          </a:lstStyle>
+          <a:p>
+            <a:pPr marL="0" lvl="0" indent="0">
+              <a:lnSpc>
+                <a:spcPct val="200000"/>
+              </a:lnSpc>
+              <a:buNone/>
+            </a:pPr>
+            <a:r>
+              <a:rPr lang="en-US" altLang="en-US" sz="2000" b="1" dirty="0" smtClean="0"/>
+              <a:t>4.5. </a:t>
+            </a:r>
+            <a:r>
+              <a:rPr lang="en-US" altLang="en-US" sz="2000" b="1" dirty="0" err="1" smtClean="0"/>
+              <a:t>Ghi</a:t>
+            </a:r>
+            <a:r>
+              <a:rPr lang="en-US" altLang="en-US" sz="2000" b="1" dirty="0" smtClean="0"/>
+              <a:t> </a:t>
+            </a:r>
+            <a:r>
+              <a:rPr lang="en-US" altLang="en-US" sz="2000" b="1" dirty="0" err="1" smtClean="0"/>
+              <a:t>đè</a:t>
+            </a:r>
+            <a:r>
+              <a:rPr lang="en-US" altLang="en-US" sz="2000" b="1" dirty="0" smtClean="0"/>
+              <a:t> file </a:t>
+            </a:r>
+            <a:r>
+              <a:rPr lang="en-US" altLang="en-US" sz="2000" b="1" dirty="0" err="1" smtClean="0"/>
+              <a:t>cấu</a:t>
+            </a:r>
+            <a:r>
+              <a:rPr lang="en-US" altLang="en-US" sz="2000" b="1" dirty="0" smtClean="0"/>
+              <a:t> </a:t>
+            </a:r>
+            <a:r>
+              <a:rPr lang="en-US" altLang="en-US" sz="2000" b="1" dirty="0" err="1" smtClean="0"/>
+              <a:t>hình</a:t>
+            </a:r>
+            <a:r>
+              <a:rPr lang="en-US" altLang="en-US" sz="2000" b="1" dirty="0" smtClean="0"/>
+              <a:t> </a:t>
+            </a:r>
+            <a:r>
+              <a:rPr lang="vi-VN" altLang="en-US" sz="2000" b="1" dirty="0" smtClean="0"/>
+              <a:t>.htaccess </a:t>
+            </a:r>
+            <a:r>
+              <a:rPr lang="en-US" altLang="en-US" sz="2000" b="1" dirty="0" err="1" smtClean="0"/>
+              <a:t>của</a:t>
+            </a:r>
+            <a:r>
+              <a:rPr lang="en-US" altLang="en-US" sz="2000" b="1" dirty="0" smtClean="0"/>
+              <a:t> server apache</a:t>
+            </a:r>
+            <a:endParaRPr lang="vi-VN" altLang="en-US" sz="2000" b="1" dirty="0"/>
+          </a:p>
+          <a:p>
+            <a:pPr marL="0" lvl="0" indent="0">
+              <a:lnSpc>
+                <a:spcPct val="200000"/>
+              </a:lnSpc>
+              <a:buNone/>
+            </a:pPr>
+            <a:r>
+              <a:rPr lang="en-US" altLang="en-US" sz="2000" dirty="0" smtClean="0"/>
+              <a:t>- </a:t>
+            </a:r>
+            <a:r>
+              <a:rPr lang="en-US" altLang="en-US" sz="2000" dirty="0" err="1" smtClean="0"/>
+              <a:t>Cơ</a:t>
+            </a:r>
+            <a:r>
+              <a:rPr lang="en-US" altLang="en-US" sz="2000" dirty="0" smtClean="0"/>
+              <a:t> </a:t>
+            </a:r>
+            <a:r>
+              <a:rPr lang="en-US" altLang="en-US" sz="2000" dirty="0" err="1" smtClean="0"/>
+              <a:t>chế</a:t>
+            </a:r>
+            <a:r>
+              <a:rPr lang="en-US" altLang="en-US" sz="2000" dirty="0" smtClean="0"/>
+              <a:t> </a:t>
+            </a:r>
+            <a:r>
+              <a:rPr lang="en-US" altLang="en-US" sz="2000" dirty="0" err="1" smtClean="0"/>
+              <a:t>bảo</a:t>
+            </a:r>
+            <a:r>
+              <a:rPr lang="en-US" altLang="en-US" sz="2000" dirty="0" smtClean="0"/>
+              <a:t> </a:t>
+            </a:r>
+            <a:r>
+              <a:rPr lang="en-US" altLang="en-US" sz="2000" dirty="0" err="1" smtClean="0"/>
+              <a:t>mật</a:t>
+            </a:r>
+            <a:r>
+              <a:rPr lang="en-US" altLang="en-US" sz="2000" dirty="0" smtClean="0"/>
+              <a:t>: Server </a:t>
+            </a:r>
+            <a:r>
+              <a:rPr lang="en-US" altLang="en-US" sz="2000" dirty="0" err="1" smtClean="0"/>
+              <a:t>sử</a:t>
+            </a:r>
+            <a:r>
+              <a:rPr lang="en-US" altLang="en-US" sz="2000" dirty="0" smtClean="0"/>
+              <a:t> </a:t>
+            </a:r>
+            <a:r>
+              <a:rPr lang="en-US" altLang="en-US" sz="2000" dirty="0" err="1" smtClean="0"/>
+              <a:t>dụng</a:t>
+            </a:r>
+            <a:r>
+              <a:rPr lang="en-US" altLang="en-US" sz="2000" dirty="0"/>
+              <a:t> </a:t>
+            </a:r>
+            <a:r>
+              <a:rPr lang="en-US" altLang="en-US" sz="2000" dirty="0" smtClean="0"/>
+              <a:t>file </a:t>
+            </a:r>
+            <a:r>
+              <a:rPr lang="en-US" altLang="en-US" sz="2000" dirty="0" err="1" smtClean="0"/>
+              <a:t>cấu</a:t>
+            </a:r>
+            <a:r>
+              <a:rPr lang="en-US" altLang="en-US" sz="2000" dirty="0" smtClean="0"/>
+              <a:t> </a:t>
+            </a:r>
+            <a:r>
+              <a:rPr lang="en-US" altLang="en-US" sz="2000" dirty="0" err="1" smtClean="0"/>
+              <a:t>hình</a:t>
+            </a:r>
+            <a:r>
+              <a:rPr lang="en-US" altLang="en-US" sz="2000" dirty="0"/>
+              <a:t> </a:t>
+            </a:r>
+            <a:r>
+              <a:rPr lang="en-US" altLang="en-US" sz="2000" dirty="0" err="1" smtClean="0"/>
+              <a:t>để</a:t>
+            </a:r>
+            <a:r>
+              <a:rPr lang="en-US" altLang="en-US" sz="2000" dirty="0" smtClean="0"/>
+              <a:t> </a:t>
+            </a:r>
+            <a:r>
+              <a:rPr lang="en-US" altLang="en-US" sz="2000" dirty="0" err="1" smtClean="0"/>
+              <a:t>xử</a:t>
+            </a:r>
+            <a:r>
+              <a:rPr lang="en-US" altLang="en-US" sz="2000" dirty="0" smtClean="0"/>
+              <a:t> </a:t>
+            </a:r>
+            <a:r>
+              <a:rPr lang="en-US" altLang="en-US" sz="2000" dirty="0" err="1" smtClean="0"/>
+              <a:t>lý</a:t>
+            </a:r>
+            <a:r>
+              <a:rPr lang="en-US" altLang="en-US" sz="2000" dirty="0"/>
+              <a:t> </a:t>
+            </a:r>
+            <a:r>
+              <a:rPr lang="en-US" altLang="en-US" sz="2000" dirty="0" err="1" smtClean="0"/>
+              <a:t>các</a:t>
+            </a:r>
+            <a:r>
+              <a:rPr lang="en-US" altLang="en-US" sz="2000" dirty="0" smtClean="0"/>
+              <a:t> </a:t>
+            </a:r>
+            <a:r>
+              <a:rPr lang="en-US" altLang="en-US" sz="2000" dirty="0" err="1" smtClean="0"/>
+              <a:t>tệp</a:t>
+            </a:r>
+            <a:r>
+              <a:rPr lang="en-US" altLang="en-US" sz="2000" dirty="0" smtClean="0"/>
+              <a:t> upload </a:t>
+            </a:r>
+            <a:r>
+              <a:rPr lang="en-US" altLang="en-US" sz="2000" dirty="0" err="1" smtClean="0"/>
+              <a:t>lên</a:t>
+            </a:r>
+            <a:endParaRPr lang="vi-VN" altLang="en-US" sz="2000" dirty="0"/>
+          </a:p>
+          <a:p>
+            <a:pPr marL="0" indent="0">
+              <a:lnSpc>
+                <a:spcPct val="200000"/>
+              </a:lnSpc>
+              <a:buNone/>
+            </a:pPr>
+            <a:r>
+              <a:rPr lang="en-US" altLang="en-US" sz="2000" dirty="0" smtClean="0">
+                <a:sym typeface="Wingdings" panose="05000000000000000000" pitchFamily="2" charset="2"/>
+              </a:rPr>
+              <a:t> </a:t>
+            </a:r>
+            <a:r>
+              <a:rPr lang="vi-VN" altLang="en-US" sz="2000" dirty="0" smtClean="0"/>
+              <a:t>Upload </a:t>
+            </a:r>
+            <a:r>
+              <a:rPr lang="vi-VN" altLang="en-US" sz="2000" dirty="0"/>
+              <a:t>`.htaccess` chứa</a:t>
+            </a:r>
+            <a:r>
+              <a:rPr lang="vi-VN" altLang="en-US" sz="2000" dirty="0" smtClean="0"/>
+              <a:t>:</a:t>
+            </a:r>
+            <a:r>
+              <a:rPr lang="en-US" altLang="en-US" sz="2000" dirty="0" smtClean="0"/>
+              <a:t> </a:t>
+            </a:r>
+            <a:r>
+              <a:rPr lang="vi-VN" altLang="en-US" sz="2000" dirty="0"/>
+              <a:t>AddType application/x-httpd-php .</a:t>
+            </a:r>
+            <a:r>
+              <a:rPr lang="vi-VN" altLang="en-US" sz="2000" dirty="0" smtClean="0"/>
+              <a:t>l33t</a:t>
+            </a:r>
+            <a:endParaRPr lang="vi-VN" altLang="en-US" sz="2000" dirty="0"/>
+          </a:p>
+          <a:p>
+            <a:pPr marL="0" lvl="0" indent="0">
+              <a:lnSpc>
+                <a:spcPct val="200000"/>
+              </a:lnSpc>
+              <a:buNone/>
+            </a:pPr>
+            <a:r>
+              <a:rPr lang="vi-VN" altLang="en-US" sz="2000" dirty="0" smtClean="0"/>
+              <a:t>→ </a:t>
+            </a:r>
+            <a:r>
+              <a:rPr lang="vi-VN" altLang="en-US" sz="2000" dirty="0"/>
+              <a:t>Server sẽ xử lý `.l33t` như PHP → Upload file `exploit.l33t</a:t>
+            </a:r>
+            <a:r>
+              <a:rPr lang="vi-VN" altLang="en-US" sz="2000" dirty="0" smtClean="0"/>
+              <a:t>`</a:t>
+            </a:r>
+            <a:endParaRPr lang="vi-VN" altLang="en-US" sz="2000" dirty="0"/>
+          </a:p>
+          <a:p>
+            <a:pPr marL="0" lvl="0" indent="0">
+              <a:lnSpc>
+                <a:spcPct val="200000"/>
+              </a:lnSpc>
+              <a:buNone/>
+            </a:pPr>
+            <a:r>
+              <a:rPr lang="vi-VN" altLang="en-US" sz="2000" dirty="0"/>
+              <a:t>Apache cho phép gán MIME mới theo extension nếu `.htaccess` được phép.</a:t>
+            </a:r>
+          </a:p>
+        </p:txBody>
+      </p:sp>
+    </p:spTree>
+    <p:extLst>
+      <p:ext uri="{BB962C8B-B14F-4D97-AF65-F5344CB8AC3E}">
+        <p14:creationId xmlns:p14="http://schemas.microsoft.com/office/powerpoint/2010/main" val="1326588928"/>
+      </p:ext>
+    </p:extLst>
+  </p:cSld>
+  <p:clrMapOvr>
+    <a:masterClrMapping/>
+  </p:clrMapOvr>
+</p:sld>
+</file>
+
+<file path=ppt/slides/slide12.xml><?xml version="1.0" encoding="utf-8"?>
+<p:sld xmlns:a="http://schemas.openxmlformats.org/drawingml/2006/main" xmlns:r="http://schemas.openxmlformats.org/officeDocument/2006/relationships" xmlns:p="http://schemas.openxmlformats.org/presentationml/2006/main">
+  <p:cSld>
+    <p:spTree>
+      <p:nvGrpSpPr>
+        <p:cNvPr id="1" name=""/>
+        <p:cNvGrpSpPr/>
+        <p:nvPr/>
+      </p:nvGrpSpPr>
+      <p:grpSpPr>
+        <a:xfrm>
+          <a:off x="0" y="0"/>
+          <a:ext cx="0" cy="0"/>
+          <a:chOff x="0" y="0"/>
+          <a:chExt cx="0" cy="0"/>
+        </a:xfrm>
+      </p:grpSpPr>
+      <p:sp>
+        <p:nvSpPr>
+          <p:cNvPr id="2" name="Title 1"/>
+          <p:cNvSpPr>
+            <a:spLocks noGrp="1"/>
+          </p:cNvSpPr>
+          <p:nvPr>
+            <p:ph type="title"/>
+          </p:nvPr>
+        </p:nvSpPr>
+        <p:spPr/>
+        <p:txBody>
+          <a:bodyPr/>
+          <a:lstStyle/>
+          <a:p>
+            <a:r>
+              <a:rPr lang="en-US" b="1" dirty="0" smtClean="0"/>
+              <a:t>4. </a:t>
+            </a:r>
+            <a:r>
+              <a:rPr lang="en-US" b="1" dirty="0" err="1" smtClean="0"/>
+              <a:t>Cơ</a:t>
+            </a:r>
+            <a:r>
+              <a:rPr lang="en-US" b="1" dirty="0" smtClean="0"/>
+              <a:t> </a:t>
+            </a:r>
+            <a:r>
+              <a:rPr lang="en-US" b="1" dirty="0" err="1" smtClean="0"/>
+              <a:t>chế</a:t>
+            </a:r>
+            <a:r>
+              <a:rPr lang="en-US" b="1" dirty="0" smtClean="0"/>
+              <a:t> </a:t>
+            </a:r>
+            <a:r>
+              <a:rPr lang="en-US" b="1" dirty="0" err="1" smtClean="0"/>
+              <a:t>bảo</a:t>
+            </a:r>
+            <a:r>
+              <a:rPr lang="en-US" b="1" dirty="0" smtClean="0"/>
+              <a:t> </a:t>
+            </a:r>
+            <a:r>
+              <a:rPr lang="en-US" b="1" dirty="0" err="1" smtClean="0"/>
+              <a:t>mật</a:t>
+            </a:r>
+            <a:r>
+              <a:rPr lang="en-US" b="1" dirty="0"/>
+              <a:t> </a:t>
+            </a:r>
+            <a:r>
+              <a:rPr lang="en-US" b="1" dirty="0" smtClean="0"/>
+              <a:t>+ </a:t>
+            </a:r>
+            <a:r>
+              <a:rPr lang="en-US" b="1" dirty="0" err="1" smtClean="0"/>
+              <a:t>Kĩ</a:t>
+            </a:r>
+            <a:r>
+              <a:rPr lang="en-US" b="1" dirty="0" smtClean="0"/>
+              <a:t> </a:t>
+            </a:r>
+            <a:r>
+              <a:rPr lang="en-US" b="1" dirty="0" err="1" smtClean="0"/>
+              <a:t>thuật</a:t>
+            </a:r>
+            <a:r>
+              <a:rPr lang="en-US" b="1" dirty="0" smtClean="0"/>
+              <a:t> bypass</a:t>
+            </a:r>
+            <a:endParaRPr lang="en-US" b="1" dirty="0"/>
+          </a:p>
+        </p:txBody>
+      </p:sp>
+      <p:sp>
+        <p:nvSpPr>
+          <p:cNvPr id="4" name="Rectangle 2"/>
+          <p:cNvSpPr>
+            <a:spLocks noGrp="1" noChangeArrowheads="1"/>
+          </p:cNvSpPr>
+          <p:nvPr>
+            <p:ph idx="1"/>
+          </p:nvPr>
+        </p:nvSpPr>
+        <p:spPr bwMode="auto">
+          <a:xfrm>
+            <a:off x="1562986" y="1261932"/>
+            <a:ext cx="8708572" cy="4565272"/>
+          </a:xfrm>
+          <a:prstGeom prst="rect">
+            <a:avLst/>
+          </a:prstGeom>
+          <a:solidFill>
+            <a:srgbClr val="F3F4F4"/>
+          </a:solidFill>
+          <a:ln>
+            <a:noFill/>
+          </a:ln>
+          <a:effectLst/>
+          <a:extLst>
+            <a:ext uri="{91240B29-F687-4F45-9708-019B960494DF}">
+              <a14:hiddenLine xmlns:a14="http://schemas.microsoft.com/office/drawing/2010/main" w="9525">
+                <a:solidFill>
+                  <a:schemeClr val="tx1"/>
+                </a:solidFill>
+                <a:miter lim="800000"/>
+                <a:headEnd/>
+                <a:tailEnd/>
+              </a14:hiddenLine>
+            </a:ext>
+            <a:ext uri="{AF507438-7753-43E0-B8FC-AC1667EBCBE1}">
+              <a14:hiddenEffects xmlns:a14="http://schemas.microsoft.com/office/drawing/2010/main">
+                <a:effectLst>
+                  <a:outerShdw dist="35921" dir="2700000" algn="ctr" rotWithShape="0">
+                    <a:schemeClr val="bg2"/>
+                  </a:outerShdw>
+                </a:effectLst>
+              </a14:hiddenEffects>
+            </a:ext>
+          </a:extLst>
+        </p:spPr>
+        <p:txBody>
+          <a:bodyPr vert="horz" wrap="square" lIns="0" tIns="126960" rIns="0" bIns="126960" numCol="1" anchor="ctr" anchorCtr="0" compatLnSpc="1">
+            <a:prstTxWarp prst="textNoShape">
+              <a:avLst/>
+            </a:prstTxWarp>
+            <a:spAutoFit/>
+          </a:bodyPr>
+          <a:lstStyle>
+            <a:lvl1pPr eaLnBrk="0" fontAlgn="base" hangingPunct="0">
+              <a:spcBef>
+                <a:spcPct val="0"/>
+              </a:spcBef>
+              <a:spcAft>
+                <a:spcPct val="0"/>
+              </a:spcAft>
+              <a:defRPr>
+                <a:solidFill>
+                  <a:schemeClr val="tx1"/>
+                </a:solidFill>
+                <a:latin typeface="Arial" panose="020B0604020202020204" pitchFamily="34" charset="0"/>
+              </a:defRPr>
+            </a:lvl1pPr>
+            <a:lvl2pPr eaLnBrk="0" fontAlgn="base" hangingPunct="0">
+              <a:spcBef>
+                <a:spcPct val="0"/>
+              </a:spcBef>
+              <a:spcAft>
+                <a:spcPct val="0"/>
+              </a:spcAft>
+              <a:defRPr>
+                <a:solidFill>
+                  <a:schemeClr val="tx1"/>
+                </a:solidFill>
+                <a:latin typeface="Arial" panose="020B0604020202020204" pitchFamily="34" charset="0"/>
+              </a:defRPr>
+            </a:lvl2pPr>
+            <a:lvl3pPr eaLnBrk="0" fontAlgn="base" hangingPunct="0">
+              <a:spcBef>
+                <a:spcPct val="0"/>
+              </a:spcBef>
+              <a:spcAft>
+                <a:spcPct val="0"/>
+              </a:spcAft>
+              <a:defRPr>
+                <a:solidFill>
+                  <a:schemeClr val="tx1"/>
+                </a:solidFill>
+                <a:latin typeface="Arial" panose="020B0604020202020204" pitchFamily="34" charset="0"/>
+              </a:defRPr>
+            </a:lvl3pPr>
+            <a:lvl4pPr eaLnBrk="0" fontAlgn="base" hangingPunct="0">
+              <a:spcBef>
+                <a:spcPct val="0"/>
+              </a:spcBef>
+              <a:spcAft>
+                <a:spcPct val="0"/>
+              </a:spcAft>
+              <a:defRPr>
+                <a:solidFill>
+                  <a:schemeClr val="tx1"/>
+                </a:solidFill>
+                <a:latin typeface="Arial" panose="020B0604020202020204" pitchFamily="34" charset="0"/>
+              </a:defRPr>
+            </a:lvl4pPr>
+            <a:lvl5pPr eaLnBrk="0" fontAlgn="base" hangingPunct="0">
+              <a:spcBef>
+                <a:spcPct val="0"/>
+              </a:spcBef>
+              <a:spcAft>
+                <a:spcPct val="0"/>
+              </a:spcAft>
+              <a:defRPr>
+                <a:solidFill>
+                  <a:schemeClr val="tx1"/>
+                </a:solidFill>
+                <a:latin typeface="Arial" panose="020B0604020202020204" pitchFamily="34" charset="0"/>
+              </a:defRPr>
+            </a:lvl5pPr>
+            <a:lvl6pPr eaLnBrk="0" fontAlgn="base" hangingPunct="0">
+              <a:spcBef>
+                <a:spcPct val="0"/>
+              </a:spcBef>
+              <a:spcAft>
+                <a:spcPct val="0"/>
+              </a:spcAft>
+              <a:defRPr>
+                <a:solidFill>
+                  <a:schemeClr val="tx1"/>
+                </a:solidFill>
+                <a:latin typeface="Arial" panose="020B0604020202020204" pitchFamily="34" charset="0"/>
+              </a:defRPr>
+            </a:lvl6pPr>
+            <a:lvl7pPr eaLnBrk="0" fontAlgn="base" hangingPunct="0">
+              <a:spcBef>
+                <a:spcPct val="0"/>
+              </a:spcBef>
+              <a:spcAft>
+                <a:spcPct val="0"/>
+              </a:spcAft>
+              <a:defRPr>
+                <a:solidFill>
+                  <a:schemeClr val="tx1"/>
+                </a:solidFill>
+                <a:latin typeface="Arial" panose="020B0604020202020204" pitchFamily="34" charset="0"/>
+              </a:defRPr>
+            </a:lvl7pPr>
+            <a:lvl8pPr eaLnBrk="0" fontAlgn="base" hangingPunct="0">
+              <a:spcBef>
+                <a:spcPct val="0"/>
+              </a:spcBef>
+              <a:spcAft>
+                <a:spcPct val="0"/>
+              </a:spcAft>
+              <a:defRPr>
+                <a:solidFill>
+                  <a:schemeClr val="tx1"/>
+                </a:solidFill>
+                <a:latin typeface="Arial" panose="020B0604020202020204" pitchFamily="34" charset="0"/>
+              </a:defRPr>
+            </a:lvl8pPr>
+            <a:lvl9pPr eaLnBrk="0" fontAlgn="base" hangingPunct="0">
+              <a:spcBef>
+                <a:spcPct val="0"/>
+              </a:spcBef>
+              <a:spcAft>
+                <a:spcPct val="0"/>
+              </a:spcAft>
+              <a:defRPr>
+                <a:solidFill>
+                  <a:schemeClr val="tx1"/>
+                </a:solidFill>
+                <a:latin typeface="Arial" panose="020B0604020202020204" pitchFamily="34" charset="0"/>
+              </a:defRPr>
+            </a:lvl9pPr>
+          </a:lstStyle>
+          <a:p>
+            <a:pPr marL="0" lvl="0" indent="0">
+              <a:lnSpc>
+                <a:spcPct val="200000"/>
+              </a:lnSpc>
+              <a:buNone/>
+            </a:pPr>
+            <a:r>
+              <a:rPr lang="en-US" altLang="en-US" sz="2000" b="1" dirty="0" smtClean="0"/>
+              <a:t>4.6. </a:t>
+            </a:r>
+            <a:r>
+              <a:rPr lang="vi-VN" altLang="en-US" sz="2000" b="1" dirty="0" smtClean="0"/>
+              <a:t>Polyglot file</a:t>
+            </a:r>
+            <a:endParaRPr lang="vi-VN" altLang="en-US" sz="2000" b="1" dirty="0"/>
+          </a:p>
+          <a:p>
+            <a:pPr marL="0" lvl="0" indent="0">
+              <a:lnSpc>
+                <a:spcPct val="200000"/>
+              </a:lnSpc>
+              <a:buNone/>
+            </a:pPr>
+            <a:r>
+              <a:rPr lang="en-US" altLang="en-US" sz="2000" dirty="0" smtClean="0"/>
+              <a:t>- </a:t>
+            </a:r>
+            <a:r>
+              <a:rPr lang="en-US" altLang="en-US" sz="2000" dirty="0" err="1" smtClean="0"/>
+              <a:t>Cơ</a:t>
+            </a:r>
+            <a:r>
+              <a:rPr lang="en-US" altLang="en-US" sz="2000" dirty="0" smtClean="0"/>
+              <a:t> </a:t>
+            </a:r>
+            <a:r>
+              <a:rPr lang="en-US" altLang="en-US" sz="2000" dirty="0" err="1" smtClean="0"/>
+              <a:t>chế</a:t>
+            </a:r>
+            <a:r>
+              <a:rPr lang="en-US" altLang="en-US" sz="2000" dirty="0"/>
+              <a:t> </a:t>
+            </a:r>
+            <a:r>
+              <a:rPr lang="en-US" altLang="en-US" sz="2000" dirty="0" err="1" smtClean="0"/>
+              <a:t>bảo</a:t>
+            </a:r>
+            <a:r>
+              <a:rPr lang="en-US" altLang="en-US" sz="2000" dirty="0" smtClean="0"/>
+              <a:t> </a:t>
+            </a:r>
+            <a:r>
+              <a:rPr lang="en-US" altLang="en-US" sz="2000" dirty="0" err="1" smtClean="0"/>
+              <a:t>mật</a:t>
+            </a:r>
+            <a:r>
+              <a:rPr lang="en-US" altLang="en-US" sz="2000" dirty="0" smtClean="0"/>
+              <a:t>: Server </a:t>
+            </a:r>
+            <a:r>
+              <a:rPr lang="en-US" altLang="en-US" sz="2000" dirty="0" err="1" smtClean="0"/>
+              <a:t>kiểm</a:t>
+            </a:r>
+            <a:r>
+              <a:rPr lang="en-US" altLang="en-US" sz="2000" dirty="0" smtClean="0"/>
+              <a:t> </a:t>
+            </a:r>
+            <a:r>
+              <a:rPr lang="en-US" altLang="en-US" sz="2000" dirty="0" err="1" smtClean="0"/>
+              <a:t>tra</a:t>
+            </a:r>
+            <a:r>
+              <a:rPr lang="en-US" altLang="en-US" sz="2000" dirty="0" smtClean="0"/>
+              <a:t> </a:t>
+            </a:r>
+            <a:r>
+              <a:rPr lang="en-US" altLang="en-US" sz="2000" dirty="0" err="1" smtClean="0"/>
+              <a:t>các</a:t>
+            </a:r>
+            <a:r>
+              <a:rPr lang="en-US" altLang="en-US" sz="2000" dirty="0" smtClean="0"/>
+              <a:t> </a:t>
+            </a:r>
+            <a:r>
+              <a:rPr lang="en-US" altLang="en-US" sz="2000" dirty="0" err="1" smtClean="0"/>
+              <a:t>dấu</a:t>
+            </a:r>
+            <a:r>
+              <a:rPr lang="en-US" altLang="en-US" sz="2000" dirty="0" smtClean="0"/>
+              <a:t> </a:t>
+            </a:r>
+            <a:r>
+              <a:rPr lang="en-US" altLang="en-US" sz="2000" dirty="0" err="1" smtClean="0"/>
+              <a:t>hiệu</a:t>
+            </a:r>
+            <a:r>
+              <a:rPr lang="en-US" altLang="en-US" sz="2000" dirty="0" smtClean="0"/>
+              <a:t> </a:t>
+            </a:r>
+            <a:r>
+              <a:rPr lang="en-US" altLang="en-US" sz="2000" dirty="0" err="1" smtClean="0"/>
+              <a:t>của</a:t>
+            </a:r>
+            <a:r>
+              <a:rPr lang="en-US" altLang="en-US" sz="2000" dirty="0" smtClean="0"/>
+              <a:t> file </a:t>
+            </a:r>
+            <a:r>
+              <a:rPr lang="en-US" altLang="en-US" sz="2000" dirty="0" err="1" smtClean="0"/>
+              <a:t>ảnh</a:t>
+            </a:r>
+            <a:r>
+              <a:rPr lang="en-US" altLang="en-US" sz="2000" dirty="0" smtClean="0"/>
+              <a:t> </a:t>
+            </a:r>
+            <a:r>
+              <a:rPr lang="en-US" altLang="en-US" sz="2000" dirty="0" err="1" smtClean="0"/>
+              <a:t>kỹ</a:t>
+            </a:r>
+            <a:r>
+              <a:rPr lang="en-US" altLang="en-US" sz="2000" dirty="0" smtClean="0"/>
+              <a:t> </a:t>
+            </a:r>
+            <a:r>
+              <a:rPr lang="en-US" altLang="en-US" sz="2000" dirty="0" err="1" smtClean="0"/>
+              <a:t>hơn</a:t>
+            </a:r>
+            <a:r>
+              <a:rPr lang="en-US" altLang="en-US" sz="2000" dirty="0"/>
+              <a:t> </a:t>
+            </a:r>
+            <a:r>
+              <a:rPr lang="en-US" altLang="en-US" sz="2000" dirty="0" smtClean="0"/>
+              <a:t>(check magic byte)</a:t>
+            </a:r>
+            <a:endParaRPr lang="vi-VN" altLang="en-US" sz="2000" dirty="0"/>
+          </a:p>
+          <a:p>
+            <a:pPr marL="0" lvl="0" indent="0">
+              <a:lnSpc>
+                <a:spcPct val="200000"/>
+              </a:lnSpc>
+              <a:buNone/>
+            </a:pPr>
+            <a:r>
+              <a:rPr lang="en-US" altLang="en-US" sz="2000" dirty="0" smtClean="0">
+                <a:sym typeface="Wingdings" panose="05000000000000000000" pitchFamily="2" charset="2"/>
+              </a:rPr>
+              <a:t> </a:t>
+            </a:r>
+            <a:r>
+              <a:rPr lang="vi-VN" altLang="en-US" sz="2000" dirty="0" smtClean="0"/>
+              <a:t>Dùng </a:t>
+            </a:r>
+            <a:r>
+              <a:rPr lang="vi-VN" altLang="en-US" sz="2000" dirty="0"/>
+              <a:t>`ExifTool` chèn mã PHP vào ảnh thật:</a:t>
+            </a:r>
+          </a:p>
+          <a:p>
+            <a:pPr marL="0" lvl="0" indent="0">
+              <a:lnSpc>
+                <a:spcPct val="200000"/>
+              </a:lnSpc>
+              <a:buNone/>
+            </a:pPr>
+            <a:r>
+              <a:rPr lang="vi-VN" altLang="en-US" sz="2000" b="1" i="1" dirty="0" smtClean="0"/>
+              <a:t>exiftool </a:t>
+            </a:r>
+            <a:r>
+              <a:rPr lang="vi-VN" altLang="en-US" sz="2000" b="1" i="1" dirty="0"/>
+              <a:t>-Comment="&lt;?php ... ?&gt;" photo.jpg -o </a:t>
+            </a:r>
+            <a:r>
+              <a:rPr lang="vi-VN" altLang="en-US" sz="2000" b="1" i="1" dirty="0" smtClean="0"/>
+              <a:t>shell.php</a:t>
+            </a:r>
+            <a:endParaRPr lang="vi-VN" altLang="en-US" sz="2000" b="1" i="1" dirty="0"/>
+          </a:p>
+          <a:p>
+            <a:pPr marL="0" lvl="0" indent="0">
+              <a:lnSpc>
+                <a:spcPct val="200000"/>
+              </a:lnSpc>
+              <a:buNone/>
+            </a:pPr>
+            <a:r>
+              <a:rPr lang="vi-VN" altLang="en-US" sz="2000" dirty="0"/>
+              <a:t>→ Server thấy là ảnh, nhưng khi truy cập shell.php thì mã PHP được thực thi.</a:t>
+            </a:r>
+          </a:p>
+        </p:txBody>
+      </p:sp>
+    </p:spTree>
+    <p:extLst>
+      <p:ext uri="{BB962C8B-B14F-4D97-AF65-F5344CB8AC3E}">
+        <p14:creationId xmlns:p14="http://schemas.microsoft.com/office/powerpoint/2010/main" val="3093775312"/>
+      </p:ext>
+    </p:extLst>
+  </p:cSld>
+  <p:clrMapOvr>
+    <a:masterClrMapping/>
+  </p:clrMapOvr>
+</p:sld>
+</file>
+
+<file path=ppt/slides/slide13.xml><?xml version="1.0" encoding="utf-8"?>
+<p:sld xmlns:a="http://schemas.openxmlformats.org/drawingml/2006/main" xmlns:r="http://schemas.openxmlformats.org/officeDocument/2006/relationships" xmlns:p="http://schemas.openxmlformats.org/presentationml/2006/main">
+  <p:cSld>
+    <p:spTree>
+      <p:nvGrpSpPr>
+        <p:cNvPr id="1" name=""/>
+        <p:cNvGrpSpPr/>
+        <p:nvPr/>
+      </p:nvGrpSpPr>
+      <p:grpSpPr>
+        <a:xfrm>
+          <a:off x="0" y="0"/>
+          <a:ext cx="0" cy="0"/>
+          <a:chOff x="0" y="0"/>
+          <a:chExt cx="0" cy="0"/>
+        </a:xfrm>
+      </p:grpSpPr>
+      <p:sp>
+        <p:nvSpPr>
+          <p:cNvPr id="2" name="Title 1"/>
+          <p:cNvSpPr>
+            <a:spLocks noGrp="1"/>
+          </p:cNvSpPr>
+          <p:nvPr>
+            <p:ph type="title"/>
+          </p:nvPr>
+        </p:nvSpPr>
+        <p:spPr/>
+        <p:txBody>
+          <a:bodyPr/>
+          <a:lstStyle/>
+          <a:p>
+            <a:r>
+              <a:rPr lang="en-US" b="1" dirty="0" smtClean="0"/>
+              <a:t>4. </a:t>
+            </a:r>
+            <a:r>
+              <a:rPr lang="en-US" b="1" dirty="0" err="1" smtClean="0"/>
+              <a:t>Cơ</a:t>
+            </a:r>
+            <a:r>
+              <a:rPr lang="en-US" b="1" dirty="0" smtClean="0"/>
+              <a:t> </a:t>
+            </a:r>
+            <a:r>
+              <a:rPr lang="en-US" b="1" dirty="0" err="1" smtClean="0"/>
+              <a:t>chế</a:t>
+            </a:r>
+            <a:r>
+              <a:rPr lang="en-US" b="1" dirty="0" smtClean="0"/>
+              <a:t> </a:t>
+            </a:r>
+            <a:r>
+              <a:rPr lang="en-US" b="1" dirty="0" err="1" smtClean="0"/>
+              <a:t>bảo</a:t>
+            </a:r>
+            <a:r>
+              <a:rPr lang="en-US" b="1" dirty="0" smtClean="0"/>
+              <a:t> </a:t>
+            </a:r>
+            <a:r>
+              <a:rPr lang="en-US" b="1" dirty="0" err="1" smtClean="0"/>
+              <a:t>mật</a:t>
+            </a:r>
+            <a:r>
+              <a:rPr lang="en-US" b="1" dirty="0"/>
+              <a:t> </a:t>
+            </a:r>
+            <a:r>
+              <a:rPr lang="en-US" b="1" dirty="0" smtClean="0"/>
+              <a:t>+ </a:t>
+            </a:r>
+            <a:r>
+              <a:rPr lang="en-US" b="1" dirty="0" err="1" smtClean="0"/>
+              <a:t>Kĩ</a:t>
+            </a:r>
+            <a:r>
+              <a:rPr lang="en-US" b="1" dirty="0" smtClean="0"/>
+              <a:t> </a:t>
+            </a:r>
+            <a:r>
+              <a:rPr lang="en-US" b="1" dirty="0" err="1" smtClean="0"/>
+              <a:t>thuật</a:t>
+            </a:r>
+            <a:r>
+              <a:rPr lang="en-US" b="1" dirty="0" smtClean="0"/>
+              <a:t> bypass</a:t>
+            </a:r>
+            <a:endParaRPr lang="en-US" b="1" dirty="0"/>
+          </a:p>
+        </p:txBody>
+      </p:sp>
+      <p:sp>
+        <p:nvSpPr>
+          <p:cNvPr id="4" name="Rectangle 2"/>
+          <p:cNvSpPr>
+            <a:spLocks noGrp="1" noChangeArrowheads="1"/>
+          </p:cNvSpPr>
+          <p:nvPr>
+            <p:ph idx="1"/>
+          </p:nvPr>
+        </p:nvSpPr>
+        <p:spPr bwMode="auto">
+          <a:xfrm>
+            <a:off x="1562986" y="1261932"/>
+            <a:ext cx="8708572" cy="4565272"/>
+          </a:xfrm>
+          <a:prstGeom prst="rect">
+            <a:avLst/>
+          </a:prstGeom>
+          <a:solidFill>
+            <a:srgbClr val="F3F4F4"/>
+          </a:solidFill>
+          <a:ln>
+            <a:noFill/>
+          </a:ln>
+          <a:effectLst/>
+          <a:extLst>
+            <a:ext uri="{91240B29-F687-4F45-9708-019B960494DF}">
+              <a14:hiddenLine xmlns:a14="http://schemas.microsoft.com/office/drawing/2010/main" w="9525">
+                <a:solidFill>
+                  <a:schemeClr val="tx1"/>
+                </a:solidFill>
+                <a:miter lim="800000"/>
+                <a:headEnd/>
+                <a:tailEnd/>
+              </a14:hiddenLine>
+            </a:ext>
+            <a:ext uri="{AF507438-7753-43E0-B8FC-AC1667EBCBE1}">
+              <a14:hiddenEffects xmlns:a14="http://schemas.microsoft.com/office/drawing/2010/main">
+                <a:effectLst>
+                  <a:outerShdw dist="35921" dir="2700000" algn="ctr" rotWithShape="0">
+                    <a:schemeClr val="bg2"/>
+                  </a:outerShdw>
+                </a:effectLst>
+              </a14:hiddenEffects>
+            </a:ext>
+          </a:extLst>
+        </p:spPr>
+        <p:txBody>
+          <a:bodyPr vert="horz" wrap="square" lIns="0" tIns="126960" rIns="0" bIns="126960" numCol="1" anchor="ctr" anchorCtr="0" compatLnSpc="1">
+            <a:prstTxWarp prst="textNoShape">
+              <a:avLst/>
+            </a:prstTxWarp>
+            <a:spAutoFit/>
+          </a:bodyPr>
+          <a:lstStyle>
+            <a:lvl1pPr eaLnBrk="0" fontAlgn="base" hangingPunct="0">
+              <a:spcBef>
+                <a:spcPct val="0"/>
+              </a:spcBef>
+              <a:spcAft>
+                <a:spcPct val="0"/>
+              </a:spcAft>
+              <a:defRPr>
+                <a:solidFill>
+                  <a:schemeClr val="tx1"/>
+                </a:solidFill>
+                <a:latin typeface="Arial" panose="020B0604020202020204" pitchFamily="34" charset="0"/>
+              </a:defRPr>
+            </a:lvl1pPr>
+            <a:lvl2pPr eaLnBrk="0" fontAlgn="base" hangingPunct="0">
+              <a:spcBef>
+                <a:spcPct val="0"/>
+              </a:spcBef>
+              <a:spcAft>
+                <a:spcPct val="0"/>
+              </a:spcAft>
+              <a:defRPr>
+                <a:solidFill>
+                  <a:schemeClr val="tx1"/>
+                </a:solidFill>
+                <a:latin typeface="Arial" panose="020B0604020202020204" pitchFamily="34" charset="0"/>
+              </a:defRPr>
+            </a:lvl2pPr>
+            <a:lvl3pPr eaLnBrk="0" fontAlgn="base" hangingPunct="0">
+              <a:spcBef>
+                <a:spcPct val="0"/>
+              </a:spcBef>
+              <a:spcAft>
+                <a:spcPct val="0"/>
+              </a:spcAft>
+              <a:defRPr>
+                <a:solidFill>
+                  <a:schemeClr val="tx1"/>
+                </a:solidFill>
+                <a:latin typeface="Arial" panose="020B0604020202020204" pitchFamily="34" charset="0"/>
+              </a:defRPr>
+            </a:lvl3pPr>
+            <a:lvl4pPr eaLnBrk="0" fontAlgn="base" hangingPunct="0">
+              <a:spcBef>
+                <a:spcPct val="0"/>
+              </a:spcBef>
+              <a:spcAft>
+                <a:spcPct val="0"/>
+              </a:spcAft>
+              <a:defRPr>
+                <a:solidFill>
+                  <a:schemeClr val="tx1"/>
+                </a:solidFill>
+                <a:latin typeface="Arial" panose="020B0604020202020204" pitchFamily="34" charset="0"/>
+              </a:defRPr>
+            </a:lvl4pPr>
+            <a:lvl5pPr eaLnBrk="0" fontAlgn="base" hangingPunct="0">
+              <a:spcBef>
+                <a:spcPct val="0"/>
+              </a:spcBef>
+              <a:spcAft>
+                <a:spcPct val="0"/>
+              </a:spcAft>
+              <a:defRPr>
+                <a:solidFill>
+                  <a:schemeClr val="tx1"/>
+                </a:solidFill>
+                <a:latin typeface="Arial" panose="020B0604020202020204" pitchFamily="34" charset="0"/>
+              </a:defRPr>
+            </a:lvl5pPr>
+            <a:lvl6pPr eaLnBrk="0" fontAlgn="base" hangingPunct="0">
+              <a:spcBef>
+                <a:spcPct val="0"/>
+              </a:spcBef>
+              <a:spcAft>
+                <a:spcPct val="0"/>
+              </a:spcAft>
+              <a:defRPr>
+                <a:solidFill>
+                  <a:schemeClr val="tx1"/>
+                </a:solidFill>
+                <a:latin typeface="Arial" panose="020B0604020202020204" pitchFamily="34" charset="0"/>
+              </a:defRPr>
+            </a:lvl6pPr>
+            <a:lvl7pPr eaLnBrk="0" fontAlgn="base" hangingPunct="0">
+              <a:spcBef>
+                <a:spcPct val="0"/>
+              </a:spcBef>
+              <a:spcAft>
+                <a:spcPct val="0"/>
+              </a:spcAft>
+              <a:defRPr>
+                <a:solidFill>
+                  <a:schemeClr val="tx1"/>
+                </a:solidFill>
+                <a:latin typeface="Arial" panose="020B0604020202020204" pitchFamily="34" charset="0"/>
+              </a:defRPr>
+            </a:lvl7pPr>
+            <a:lvl8pPr eaLnBrk="0" fontAlgn="base" hangingPunct="0">
+              <a:spcBef>
+                <a:spcPct val="0"/>
+              </a:spcBef>
+              <a:spcAft>
+                <a:spcPct val="0"/>
+              </a:spcAft>
+              <a:defRPr>
+                <a:solidFill>
+                  <a:schemeClr val="tx1"/>
+                </a:solidFill>
+                <a:latin typeface="Arial" panose="020B0604020202020204" pitchFamily="34" charset="0"/>
+              </a:defRPr>
+            </a:lvl8pPr>
+            <a:lvl9pPr eaLnBrk="0" fontAlgn="base" hangingPunct="0">
+              <a:spcBef>
+                <a:spcPct val="0"/>
+              </a:spcBef>
+              <a:spcAft>
+                <a:spcPct val="0"/>
+              </a:spcAft>
+              <a:defRPr>
+                <a:solidFill>
+                  <a:schemeClr val="tx1"/>
+                </a:solidFill>
+                <a:latin typeface="Arial" panose="020B0604020202020204" pitchFamily="34" charset="0"/>
+              </a:defRPr>
+            </a:lvl9pPr>
+          </a:lstStyle>
+          <a:p>
+            <a:pPr marL="0" lvl="0" indent="0">
+              <a:lnSpc>
+                <a:spcPct val="200000"/>
+              </a:lnSpc>
+              <a:buNone/>
+            </a:pPr>
+            <a:r>
+              <a:rPr lang="en-US" altLang="en-US" sz="2000" b="1" dirty="0" smtClean="0"/>
+              <a:t>4.7</a:t>
+            </a:r>
+            <a:r>
+              <a:rPr lang="vi-VN" altLang="en-US" sz="2000" dirty="0" smtClean="0"/>
+              <a:t>.</a:t>
+            </a:r>
+            <a:r>
+              <a:rPr lang="en-US" altLang="en-US" sz="2000" dirty="0" smtClean="0"/>
+              <a:t> </a:t>
+            </a:r>
+            <a:r>
+              <a:rPr lang="en-US" altLang="en-US" sz="2000" b="1" dirty="0" smtClean="0"/>
+              <a:t>Path Traversal </a:t>
+            </a:r>
+          </a:p>
+          <a:p>
+            <a:pPr marL="0" lvl="0" indent="0">
+              <a:lnSpc>
+                <a:spcPct val="200000"/>
+              </a:lnSpc>
+              <a:buNone/>
+            </a:pPr>
+            <a:r>
+              <a:rPr lang="en-US" altLang="en-US" sz="2000" dirty="0" smtClean="0"/>
+              <a:t>- </a:t>
+            </a:r>
+            <a:r>
+              <a:rPr lang="en-US" altLang="en-US" sz="2000" dirty="0" err="1" smtClean="0"/>
+              <a:t>Cơ</a:t>
+            </a:r>
+            <a:r>
+              <a:rPr lang="en-US" altLang="en-US" sz="2000" dirty="0" smtClean="0"/>
+              <a:t> </a:t>
+            </a:r>
+            <a:r>
+              <a:rPr lang="en-US" altLang="en-US" sz="2000" dirty="0" err="1" smtClean="0"/>
+              <a:t>chế</a:t>
+            </a:r>
+            <a:r>
+              <a:rPr lang="en-US" altLang="en-US" sz="2000" dirty="0" smtClean="0"/>
+              <a:t> </a:t>
+            </a:r>
+            <a:r>
+              <a:rPr lang="en-US" altLang="en-US" sz="2000" dirty="0" err="1" smtClean="0"/>
+              <a:t>bảo</a:t>
+            </a:r>
+            <a:r>
+              <a:rPr lang="en-US" altLang="en-US" sz="2000" dirty="0" smtClean="0"/>
+              <a:t> </a:t>
+            </a:r>
+            <a:r>
+              <a:rPr lang="en-US" altLang="en-US" sz="2000" dirty="0" err="1" smtClean="0"/>
+              <a:t>mật</a:t>
+            </a:r>
+            <a:r>
+              <a:rPr lang="en-US" altLang="en-US" sz="2000" dirty="0" smtClean="0"/>
+              <a:t>: server </a:t>
+            </a:r>
+            <a:r>
+              <a:rPr lang="en-US" altLang="en-US" sz="2000" dirty="0" err="1" smtClean="0"/>
+              <a:t>không</a:t>
+            </a:r>
+            <a:r>
+              <a:rPr lang="en-US" altLang="en-US" sz="2000" dirty="0" smtClean="0"/>
+              <a:t> </a:t>
+            </a:r>
+            <a:r>
+              <a:rPr lang="en-US" altLang="en-US" sz="2000" dirty="0" err="1" smtClean="0"/>
+              <a:t>cho</a:t>
+            </a:r>
+            <a:r>
+              <a:rPr lang="en-US" altLang="en-US" sz="2000" dirty="0" smtClean="0"/>
+              <a:t> </a:t>
+            </a:r>
+            <a:r>
+              <a:rPr lang="en-US" altLang="en-US" sz="2000" dirty="0" err="1" smtClean="0"/>
+              <a:t>phép</a:t>
+            </a:r>
+            <a:r>
+              <a:rPr lang="en-US" altLang="en-US" sz="2000" dirty="0" smtClean="0"/>
+              <a:t> </a:t>
+            </a:r>
+            <a:r>
+              <a:rPr lang="en-US" altLang="en-US" sz="2000" dirty="0" err="1" smtClean="0"/>
+              <a:t>thực</a:t>
+            </a:r>
+            <a:r>
+              <a:rPr lang="en-US" altLang="en-US" sz="2000" dirty="0" smtClean="0"/>
+              <a:t> </a:t>
+            </a:r>
+            <a:r>
+              <a:rPr lang="en-US" altLang="en-US" sz="2000" dirty="0" err="1" smtClean="0"/>
+              <a:t>thi</a:t>
+            </a:r>
+            <a:r>
+              <a:rPr lang="en-US" altLang="en-US" sz="2000" dirty="0" smtClean="0"/>
+              <a:t> script </a:t>
+            </a:r>
+            <a:r>
+              <a:rPr lang="en-US" altLang="en-US" sz="2000" dirty="0" err="1" smtClean="0"/>
+              <a:t>tại</a:t>
+            </a:r>
+            <a:r>
+              <a:rPr lang="en-US" altLang="en-US" sz="2000" dirty="0" smtClean="0"/>
+              <a:t> folder upload file </a:t>
+            </a:r>
+            <a:r>
+              <a:rPr lang="en-US" altLang="en-US" sz="2000" dirty="0" err="1" smtClean="0"/>
+              <a:t>của</a:t>
+            </a:r>
+            <a:r>
+              <a:rPr lang="en-US" altLang="en-US" sz="2000" dirty="0" smtClean="0"/>
+              <a:t> </a:t>
+            </a:r>
+            <a:r>
+              <a:rPr lang="en-US" altLang="en-US" sz="2000" dirty="0" err="1" smtClean="0"/>
+              <a:t>người</a:t>
+            </a:r>
+            <a:r>
+              <a:rPr lang="en-US" altLang="en-US" sz="2000" dirty="0" smtClean="0"/>
+              <a:t> </a:t>
+            </a:r>
+            <a:r>
+              <a:rPr lang="en-US" altLang="en-US" sz="2000" dirty="0" err="1" smtClean="0"/>
+              <a:t>dùng</a:t>
+            </a:r>
+            <a:r>
+              <a:rPr lang="en-US" altLang="en-US" sz="2000" dirty="0" smtClean="0"/>
+              <a:t>.</a:t>
+            </a:r>
+          </a:p>
+          <a:p>
+            <a:pPr marL="0" lvl="0" indent="0">
+              <a:lnSpc>
+                <a:spcPct val="200000"/>
+              </a:lnSpc>
+              <a:buNone/>
+            </a:pPr>
+            <a:r>
+              <a:rPr lang="en-US" altLang="en-US" sz="2000" dirty="0" smtClean="0">
+                <a:sym typeface="Wingdings" panose="05000000000000000000" pitchFamily="2" charset="2"/>
+              </a:rPr>
+              <a:t> </a:t>
+            </a:r>
+            <a:r>
+              <a:rPr lang="vi-VN" altLang="en-US" sz="2000" dirty="0" smtClean="0"/>
+              <a:t>Đổi </a:t>
+            </a:r>
+            <a:r>
+              <a:rPr lang="vi-VN" altLang="en-US" sz="2000" dirty="0"/>
+              <a:t>tên file thành</a:t>
+            </a:r>
+            <a:r>
+              <a:rPr lang="vi-VN" altLang="en-US" sz="2000" dirty="0" smtClean="0"/>
+              <a:t>:</a:t>
+            </a:r>
+            <a:endParaRPr lang="vi-VN" altLang="en-US" sz="2000" dirty="0"/>
+          </a:p>
+          <a:p>
+            <a:pPr marL="0" lvl="0" indent="0">
+              <a:lnSpc>
+                <a:spcPct val="200000"/>
+              </a:lnSpc>
+              <a:buNone/>
+            </a:pPr>
+            <a:r>
+              <a:rPr lang="vi-VN" altLang="en-US" sz="2000" dirty="0"/>
+              <a:t>filename="../</a:t>
+            </a:r>
+            <a:r>
+              <a:rPr lang="vi-VN" altLang="en-US" sz="2000" dirty="0" smtClean="0"/>
+              <a:t>shell.php</a:t>
+            </a:r>
+            <a:r>
+              <a:rPr lang="en-US" altLang="en-US" sz="2000" dirty="0" smtClean="0"/>
+              <a:t>”</a:t>
+            </a:r>
+            <a:endParaRPr lang="vi-VN" altLang="en-US" sz="2000" dirty="0"/>
+          </a:p>
+          <a:p>
+            <a:pPr marL="0" lvl="0" indent="0">
+              <a:lnSpc>
+                <a:spcPct val="200000"/>
+              </a:lnSpc>
+              <a:buNone/>
+            </a:pPr>
+            <a:r>
+              <a:rPr lang="vi-VN" altLang="en-US" sz="2000" dirty="0"/>
+              <a:t>→ File ghi ra thư mục cha (`/files/`), nơi có thể truy cập được từ URL</a:t>
+            </a:r>
+            <a:r>
+              <a:rPr lang="vi-VN" altLang="en-US" sz="2000" dirty="0" smtClean="0"/>
+              <a:t>.</a:t>
+            </a:r>
+            <a:endParaRPr lang="vi-VN" altLang="en-US" sz="2000" dirty="0"/>
+          </a:p>
+          <a:p>
+            <a:pPr marL="0" lvl="0" indent="0">
+              <a:lnSpc>
+                <a:spcPct val="200000"/>
+              </a:lnSpc>
+              <a:buNone/>
+            </a:pPr>
+            <a:r>
+              <a:rPr lang="vi-VN" altLang="en-US" sz="2000" dirty="0"/>
+              <a:t>Nếu server không kiểm tra và lọc `../`, attacker có thể điều khiển vị trí lưu file.</a:t>
+            </a:r>
+          </a:p>
+        </p:txBody>
+      </p:sp>
+    </p:spTree>
+    <p:extLst>
+      <p:ext uri="{BB962C8B-B14F-4D97-AF65-F5344CB8AC3E}">
+        <p14:creationId xmlns:p14="http://schemas.microsoft.com/office/powerpoint/2010/main" val="2982712150"/>
+      </p:ext>
+    </p:extLst>
+  </p:cSld>
+  <p:clrMapOvr>
+    <a:masterClrMapping/>
+  </p:clrMapOvr>
+</p:sld>
+</file>
+
+<file path=ppt/slides/slide14.xml><?xml version="1.0" encoding="utf-8"?>
+<p:sld xmlns:a="http://schemas.openxmlformats.org/drawingml/2006/main" xmlns:r="http://schemas.openxmlformats.org/officeDocument/2006/relationships" xmlns:p="http://schemas.openxmlformats.org/presentationml/2006/main">
+  <p:cSld>
+    <p:spTree>
+      <p:nvGrpSpPr>
+        <p:cNvPr id="1" name=""/>
+        <p:cNvGrpSpPr/>
+        <p:nvPr/>
+      </p:nvGrpSpPr>
+      <p:grpSpPr>
+        <a:xfrm>
+          <a:off x="0" y="0"/>
+          <a:ext cx="0" cy="0"/>
+          <a:chOff x="0" y="0"/>
+          <a:chExt cx="0" cy="0"/>
+        </a:xfrm>
+      </p:grpSpPr>
+      <p:sp>
+        <p:nvSpPr>
+          <p:cNvPr id="2" name="Title 1"/>
+          <p:cNvSpPr>
+            <a:spLocks noGrp="1"/>
+          </p:cNvSpPr>
+          <p:nvPr>
+            <p:ph type="title"/>
+          </p:nvPr>
+        </p:nvSpPr>
+        <p:spPr/>
+        <p:txBody>
+          <a:bodyPr/>
+          <a:lstStyle/>
+          <a:p>
+            <a:r>
+              <a:rPr lang="en-US" b="1" dirty="0" smtClean="0"/>
+              <a:t>5. </a:t>
+            </a:r>
+            <a:r>
+              <a:rPr lang="en-US" b="1" dirty="0" err="1" smtClean="0"/>
+              <a:t>Phòng</a:t>
+            </a:r>
+            <a:r>
+              <a:rPr lang="en-US" b="1" dirty="0" smtClean="0"/>
+              <a:t> </a:t>
+            </a:r>
+            <a:r>
+              <a:rPr lang="en-US" b="1" dirty="0" err="1" smtClean="0"/>
+              <a:t>tránh</a:t>
+            </a:r>
+            <a:endParaRPr lang="en-US" b="1" dirty="0"/>
+          </a:p>
+        </p:txBody>
+      </p:sp>
+      <p:sp>
+        <p:nvSpPr>
+          <p:cNvPr id="3" name="Content Placeholder 2"/>
+          <p:cNvSpPr>
+            <a:spLocks noGrp="1"/>
+          </p:cNvSpPr>
+          <p:nvPr>
+            <p:ph idx="1"/>
+          </p:nvPr>
+        </p:nvSpPr>
+        <p:spPr/>
+        <p:txBody>
+          <a:bodyPr/>
+          <a:lstStyle/>
+          <a:p>
+            <a:r>
+              <a:rPr lang="vi-VN" dirty="0" smtClean="0"/>
+              <a:t>Whitelist </a:t>
+            </a:r>
+            <a:r>
+              <a:rPr lang="vi-VN" dirty="0"/>
+              <a:t>đuôi file an toàn (chỉ cho phép `.jpg`, `.png`, v.v.).</a:t>
+            </a:r>
+          </a:p>
+          <a:p>
+            <a:r>
+              <a:rPr lang="vi-VN" dirty="0" smtClean="0"/>
+              <a:t>Kiểm </a:t>
+            </a:r>
+            <a:r>
+              <a:rPr lang="vi-VN" dirty="0"/>
+              <a:t>tra nội dung file thực sự (magic bytes), không chỉ MIME hay đuôi.</a:t>
+            </a:r>
+          </a:p>
+          <a:p>
+            <a:r>
+              <a:rPr lang="vi-VN" dirty="0" smtClean="0"/>
+              <a:t>Đổi </a:t>
+            </a:r>
+            <a:r>
+              <a:rPr lang="vi-VN" dirty="0"/>
+              <a:t>tên file thành ngẫu nhiên, không dùng tên người dùng upload.</a:t>
+            </a:r>
+          </a:p>
+          <a:p>
+            <a:r>
+              <a:rPr lang="vi-VN" dirty="0" smtClean="0"/>
+              <a:t>Lưu </a:t>
+            </a:r>
+            <a:r>
+              <a:rPr lang="vi-VN" dirty="0"/>
+              <a:t>file vào thư mục không thực thi được (no-execute).</a:t>
+            </a:r>
+          </a:p>
+          <a:p>
+            <a:r>
+              <a:rPr lang="vi-VN" dirty="0" smtClean="0"/>
+              <a:t>Cấm </a:t>
+            </a:r>
+            <a:r>
+              <a:rPr lang="vi-VN" dirty="0"/>
+              <a:t>.htaccess hoặc vô hiệu hóa override trong cấu hình Apache.</a:t>
+            </a:r>
+          </a:p>
+          <a:p>
+            <a:r>
+              <a:rPr lang="vi-VN" dirty="0" smtClean="0"/>
+              <a:t>Giới </a:t>
+            </a:r>
+            <a:r>
+              <a:rPr lang="vi-VN" dirty="0"/>
+              <a:t>hạn kích thước file, loại bỏ metadata độc hại.</a:t>
+            </a:r>
+            <a:endParaRPr lang="en-US" dirty="0"/>
+          </a:p>
+        </p:txBody>
+      </p:sp>
+    </p:spTree>
+    <p:extLst>
+      <p:ext uri="{BB962C8B-B14F-4D97-AF65-F5344CB8AC3E}">
+        <p14:creationId xmlns:p14="http://schemas.microsoft.com/office/powerpoint/2010/main" val="1675279065"/>
+      </p:ext>
+    </p:extLst>
+  </p:cSld>
+  <p:clrMapOvr>
+    <a:masterClrMapping/>
+  </p:clrMapOvr>
+</p:sld>
+</file>
+
+<file path=ppt/slides/slide15.xml><?xml version="1.0" encoding="utf-8"?>
+<p:sld xmlns:a="http://schemas.openxmlformats.org/drawingml/2006/main" xmlns:r="http://schemas.openxmlformats.org/officeDocument/2006/relationships" xmlns:p="http://schemas.openxmlformats.org/presentationml/2006/main">
+  <p:cSld>
+    <p:spTree>
+      <p:nvGrpSpPr>
+        <p:cNvPr id="1" name=""/>
+        <p:cNvGrpSpPr/>
+        <p:nvPr/>
+      </p:nvGrpSpPr>
+      <p:grpSpPr>
+        <a:xfrm>
+          <a:off x="0" y="0"/>
+          <a:ext cx="0" cy="0"/>
+          <a:chOff x="0" y="0"/>
+          <a:chExt cx="0" cy="0"/>
+        </a:xfrm>
+      </p:grpSpPr>
+      <p:sp>
+        <p:nvSpPr>
+          <p:cNvPr id="2" name="Title 1"/>
+          <p:cNvSpPr>
+            <a:spLocks noGrp="1"/>
+          </p:cNvSpPr>
+          <p:nvPr>
+            <p:ph type="title"/>
+          </p:nvPr>
+        </p:nvSpPr>
+        <p:spPr/>
+        <p:txBody>
+          <a:bodyPr/>
+          <a:lstStyle/>
+          <a:p>
+            <a:r>
+              <a:rPr lang="en-US" b="1" dirty="0" smtClean="0"/>
+              <a:t>6. Lab solution</a:t>
+            </a:r>
+            <a:endParaRPr lang="en-US" b="1" dirty="0"/>
+          </a:p>
+        </p:txBody>
+      </p:sp>
+      <p:sp>
+        <p:nvSpPr>
+          <p:cNvPr id="3" name="Content Placeholder 2"/>
+          <p:cNvSpPr>
+            <a:spLocks noGrp="1"/>
+          </p:cNvSpPr>
+          <p:nvPr>
+            <p:ph idx="1"/>
+          </p:nvPr>
+        </p:nvSpPr>
+        <p:spPr/>
+        <p:txBody>
+          <a:bodyPr/>
+          <a:lstStyle/>
+          <a:p>
+            <a:pPr marL="0" indent="0">
+              <a:buNone/>
+            </a:pPr>
+            <a:r>
+              <a:rPr lang="en-US" b="1" dirty="0" smtClean="0"/>
+              <a:t>6.1. Lab: Remote </a:t>
+            </a:r>
+            <a:r>
+              <a:rPr lang="en-US" b="1" dirty="0"/>
+              <a:t>code execution via polyglot web shell </a:t>
+            </a:r>
+            <a:r>
+              <a:rPr lang="en-US" b="1" dirty="0" smtClean="0"/>
+              <a:t>upload</a:t>
+            </a:r>
+            <a:endParaRPr lang="en-US" b="1" dirty="0"/>
+          </a:p>
+          <a:p>
+            <a:pPr>
+              <a:buFontTx/>
+              <a:buChar char="-"/>
+            </a:pPr>
+            <a:r>
+              <a:rPr lang="en-US" dirty="0" err="1" smtClean="0"/>
+              <a:t>Mô</a:t>
+            </a:r>
+            <a:r>
+              <a:rPr lang="en-US" dirty="0" smtClean="0"/>
+              <a:t> </a:t>
+            </a:r>
+            <a:r>
+              <a:rPr lang="en-US" dirty="0" err="1" smtClean="0"/>
+              <a:t>tả</a:t>
+            </a:r>
+            <a:r>
+              <a:rPr lang="en-US" dirty="0" smtClean="0"/>
+              <a:t> lab</a:t>
+            </a:r>
+            <a:r>
+              <a:rPr lang="en-US" dirty="0"/>
+              <a:t>: </a:t>
+            </a:r>
+            <a:r>
+              <a:rPr lang="en-US" dirty="0" err="1"/>
+              <a:t>Ứng</a:t>
+            </a:r>
+            <a:r>
+              <a:rPr lang="en-US" dirty="0"/>
+              <a:t> </a:t>
+            </a:r>
+            <a:r>
+              <a:rPr lang="en-US" dirty="0" err="1"/>
+              <a:t>dụng</a:t>
+            </a:r>
+            <a:r>
+              <a:rPr lang="en-US" dirty="0"/>
+              <a:t> web </a:t>
+            </a:r>
+            <a:r>
+              <a:rPr lang="en-US" dirty="0" err="1"/>
+              <a:t>có</a:t>
+            </a:r>
+            <a:r>
+              <a:rPr lang="en-US" dirty="0"/>
+              <a:t> </a:t>
+            </a:r>
+            <a:r>
+              <a:rPr lang="en-US" dirty="0" err="1"/>
+              <a:t>chức</a:t>
+            </a:r>
+            <a:r>
+              <a:rPr lang="en-US" dirty="0"/>
+              <a:t> năng </a:t>
+            </a:r>
+            <a:r>
+              <a:rPr lang="en-US" dirty="0" err="1"/>
+              <a:t>tải</a:t>
+            </a:r>
+            <a:r>
+              <a:rPr lang="en-US" dirty="0"/>
+              <a:t> </a:t>
+            </a:r>
+            <a:r>
+              <a:rPr lang="en-US" dirty="0" err="1"/>
+              <a:t>ảnh</a:t>
+            </a:r>
+            <a:r>
+              <a:rPr lang="en-US" dirty="0"/>
+              <a:t> </a:t>
+            </a:r>
+            <a:r>
+              <a:rPr lang="en-US" dirty="0" err="1"/>
+              <a:t>đại</a:t>
+            </a:r>
+            <a:r>
+              <a:rPr lang="en-US" dirty="0"/>
+              <a:t> </a:t>
+            </a:r>
+            <a:r>
+              <a:rPr lang="en-US" dirty="0" err="1"/>
+              <a:t>diện</a:t>
+            </a:r>
+            <a:r>
+              <a:rPr lang="en-US" dirty="0"/>
+              <a:t> (avatar), </a:t>
+            </a:r>
+            <a:r>
+              <a:rPr lang="en-US" dirty="0" err="1"/>
+              <a:t>và</a:t>
+            </a:r>
+            <a:r>
+              <a:rPr lang="en-US" dirty="0"/>
+              <a:t> </a:t>
+            </a:r>
+            <a:r>
+              <a:rPr lang="en-US" dirty="0" err="1" smtClean="0"/>
+              <a:t>có</a:t>
+            </a:r>
+            <a:r>
+              <a:rPr lang="en-US" dirty="0" smtClean="0"/>
+              <a:t> </a:t>
+            </a:r>
+            <a:r>
+              <a:rPr lang="en-US" dirty="0" err="1" smtClean="0"/>
+              <a:t>kiểm</a:t>
+            </a:r>
+            <a:r>
+              <a:rPr lang="en-US" dirty="0" smtClean="0"/>
+              <a:t> </a:t>
+            </a:r>
+            <a:r>
+              <a:rPr lang="en-US" dirty="0" err="1"/>
+              <a:t>tra</a:t>
+            </a:r>
+            <a:r>
+              <a:rPr lang="en-US" dirty="0"/>
+              <a:t> </a:t>
+            </a:r>
+            <a:r>
+              <a:rPr lang="en-US" dirty="0" err="1"/>
+              <a:t>nội</a:t>
+            </a:r>
+            <a:r>
+              <a:rPr lang="en-US" dirty="0"/>
+              <a:t> dung </a:t>
+            </a:r>
+            <a:r>
+              <a:rPr lang="en-US" dirty="0" err="1" smtClean="0"/>
+              <a:t>tệp</a:t>
+            </a:r>
+            <a:r>
+              <a:rPr lang="en-US" dirty="0" smtClean="0"/>
+              <a:t> </a:t>
+            </a:r>
+            <a:r>
+              <a:rPr lang="en-US" dirty="0" err="1"/>
+              <a:t>để</a:t>
+            </a:r>
+            <a:r>
+              <a:rPr lang="en-US" dirty="0"/>
+              <a:t> </a:t>
+            </a:r>
+            <a:r>
+              <a:rPr lang="en-US" dirty="0" err="1"/>
+              <a:t>xác</a:t>
+            </a:r>
+            <a:r>
+              <a:rPr lang="en-US" dirty="0"/>
+              <a:t> </a:t>
+            </a:r>
+            <a:r>
+              <a:rPr lang="en-US" dirty="0" err="1"/>
+              <a:t>định</a:t>
+            </a:r>
+            <a:r>
+              <a:rPr lang="en-US" dirty="0"/>
+              <a:t> </a:t>
+            </a:r>
+            <a:r>
+              <a:rPr lang="en-US" dirty="0" err="1"/>
+              <a:t>có</a:t>
+            </a:r>
+            <a:r>
+              <a:rPr lang="en-US" dirty="0"/>
+              <a:t> </a:t>
+            </a:r>
+            <a:r>
+              <a:rPr lang="en-US" dirty="0" err="1"/>
+              <a:t>phải</a:t>
+            </a:r>
+            <a:r>
+              <a:rPr lang="en-US" dirty="0"/>
+              <a:t> </a:t>
+            </a:r>
+            <a:r>
+              <a:rPr lang="en-US" dirty="0" err="1"/>
+              <a:t>ảnh</a:t>
+            </a:r>
+            <a:r>
+              <a:rPr lang="en-US" dirty="0"/>
+              <a:t> </a:t>
+            </a:r>
+            <a:r>
+              <a:rPr lang="en-US" dirty="0" err="1"/>
+              <a:t>thật</a:t>
+            </a:r>
+            <a:r>
+              <a:rPr lang="en-US" dirty="0"/>
+              <a:t> </a:t>
+            </a:r>
+            <a:r>
+              <a:rPr lang="en-US" dirty="0" err="1"/>
+              <a:t>không</a:t>
+            </a:r>
+            <a:r>
+              <a:rPr lang="en-US" dirty="0"/>
+              <a:t> (</a:t>
+            </a:r>
+            <a:r>
+              <a:rPr lang="en-US" dirty="0" err="1"/>
+              <a:t>dựa</a:t>
+            </a:r>
+            <a:r>
+              <a:rPr lang="en-US" dirty="0"/>
+              <a:t> </a:t>
+            </a:r>
+            <a:r>
+              <a:rPr lang="en-US" dirty="0" err="1"/>
+              <a:t>trên</a:t>
+            </a:r>
+            <a:r>
+              <a:rPr lang="en-US" dirty="0"/>
+              <a:t> </a:t>
+            </a:r>
+            <a:r>
+              <a:rPr lang="en-US" dirty="0" err="1"/>
+              <a:t>định</a:t>
+            </a:r>
+            <a:r>
+              <a:rPr lang="en-US" dirty="0"/>
+              <a:t> </a:t>
+            </a:r>
+            <a:r>
+              <a:rPr lang="en-US" dirty="0" err="1"/>
+              <a:t>dạng</a:t>
+            </a:r>
+            <a:r>
+              <a:rPr lang="en-US" dirty="0"/>
+              <a:t> </a:t>
+            </a:r>
+            <a:r>
+              <a:rPr lang="en-US" dirty="0" err="1"/>
+              <a:t>và</a:t>
+            </a:r>
+            <a:r>
+              <a:rPr lang="en-US" dirty="0"/>
+              <a:t> metadata</a:t>
+            </a:r>
+            <a:r>
+              <a:rPr lang="en-US" dirty="0" smtClean="0"/>
+              <a:t>).</a:t>
+            </a:r>
+          </a:p>
+          <a:p>
+            <a:pPr>
+              <a:buFontTx/>
+              <a:buChar char="-"/>
+            </a:pPr>
+            <a:r>
+              <a:rPr lang="en-US" dirty="0" smtClean="0"/>
+              <a:t>Upload file </a:t>
+            </a:r>
+            <a:r>
+              <a:rPr lang="en-US" dirty="0" err="1" smtClean="0"/>
+              <a:t>exploit.php</a:t>
+            </a:r>
+            <a:r>
+              <a:rPr lang="en-US" dirty="0"/>
+              <a:t> </a:t>
+            </a:r>
+            <a:r>
+              <a:rPr lang="en-US" dirty="0" err="1" smtClean="0"/>
+              <a:t>và</a:t>
+            </a:r>
+            <a:r>
+              <a:rPr lang="en-US" dirty="0" smtClean="0"/>
+              <a:t> </a:t>
+            </a:r>
+            <a:r>
+              <a:rPr lang="en-US" dirty="0" err="1" smtClean="0"/>
+              <a:t>xem</a:t>
+            </a:r>
+            <a:r>
+              <a:rPr lang="en-US" dirty="0" smtClean="0"/>
+              <a:t> </a:t>
+            </a:r>
+            <a:r>
+              <a:rPr lang="en-US" dirty="0" err="1" smtClean="0"/>
+              <a:t>kết</a:t>
+            </a:r>
+            <a:r>
+              <a:rPr lang="en-US" dirty="0" smtClean="0"/>
+              <a:t> </a:t>
+            </a:r>
+            <a:r>
+              <a:rPr lang="en-US" dirty="0" err="1" smtClean="0"/>
+              <a:t>quả</a:t>
+            </a:r>
+            <a:r>
+              <a:rPr lang="en-US" dirty="0" smtClean="0"/>
+              <a:t>: </a:t>
+            </a:r>
+          </a:p>
+          <a:p>
+            <a:pPr marL="0" indent="0">
+              <a:buNone/>
+            </a:pPr>
+            <a:endParaRPr lang="en-US" dirty="0"/>
+          </a:p>
+        </p:txBody>
+      </p:sp>
+      <p:pic>
+        <p:nvPicPr>
+          <p:cNvPr id="4" name="Picture 3"/>
+          <p:cNvPicPr>
+            <a:picLocks noChangeAspect="1"/>
+          </p:cNvPicPr>
+          <p:nvPr/>
+        </p:nvPicPr>
+        <p:blipFill>
+          <a:blip r:embed="rId2"/>
+          <a:stretch>
+            <a:fillRect/>
+          </a:stretch>
+        </p:blipFill>
+        <p:spPr>
+          <a:xfrm>
+            <a:off x="1336014" y="4138964"/>
+            <a:ext cx="9519971" cy="2037999"/>
+          </a:xfrm>
+          <a:prstGeom prst="rect">
+            <a:avLst/>
+          </a:prstGeom>
+          <a:ln w="38100" cap="sq">
+            <a:solidFill>
+              <a:srgbClr val="000000"/>
+            </a:solidFill>
+            <a:prstDash val="solid"/>
+            <a:miter lim="800000"/>
+          </a:ln>
+          <a:effectLst>
+            <a:outerShdw blurRad="50800" dist="38100" dir="2700000" algn="tl" rotWithShape="0">
+              <a:srgbClr val="000000">
+                <a:alpha val="43000"/>
+              </a:srgbClr>
+            </a:outerShdw>
+          </a:effectLst>
+        </p:spPr>
+      </p:pic>
+    </p:spTree>
+    <p:extLst>
+      <p:ext uri="{BB962C8B-B14F-4D97-AF65-F5344CB8AC3E}">
+        <p14:creationId xmlns:p14="http://schemas.microsoft.com/office/powerpoint/2010/main" val="2315233816"/>
+      </p:ext>
+    </p:extLst>
+  </p:cSld>
+  <p:clrMapOvr>
+    <a:masterClrMapping/>
+  </p:clrMapOvr>
+</p:sld>
+</file>
+
+<file path=ppt/slides/slide16.xml><?xml version="1.0" encoding="utf-8"?>
+<p:sld xmlns:a="http://schemas.openxmlformats.org/drawingml/2006/main" xmlns:r="http://schemas.openxmlformats.org/officeDocument/2006/relationships" xmlns:p="http://schemas.openxmlformats.org/presentationml/2006/main">
+  <p:cSld>
+    <p:spTree>
+      <p:nvGrpSpPr>
+        <p:cNvPr id="1" name=""/>
+        <p:cNvGrpSpPr/>
+        <p:nvPr/>
+      </p:nvGrpSpPr>
+      <p:grpSpPr>
+        <a:xfrm>
+          <a:off x="0" y="0"/>
+          <a:ext cx="0" cy="0"/>
+          <a:chOff x="0" y="0"/>
+          <a:chExt cx="0" cy="0"/>
+        </a:xfrm>
+      </p:grpSpPr>
+      <p:sp>
+        <p:nvSpPr>
+          <p:cNvPr id="2" name="Title 1"/>
+          <p:cNvSpPr>
+            <a:spLocks noGrp="1"/>
+          </p:cNvSpPr>
+          <p:nvPr>
+            <p:ph type="title"/>
+          </p:nvPr>
+        </p:nvSpPr>
+        <p:spPr/>
+        <p:txBody>
+          <a:bodyPr/>
+          <a:lstStyle/>
+          <a:p>
+            <a:r>
+              <a:rPr lang="en-US" b="1" dirty="0" smtClean="0"/>
+              <a:t>6. Lab solution</a:t>
+            </a:r>
+            <a:endParaRPr lang="en-US" b="1" dirty="0"/>
+          </a:p>
+        </p:txBody>
+      </p:sp>
+      <p:sp>
+        <p:nvSpPr>
+          <p:cNvPr id="3" name="Content Placeholder 2"/>
+          <p:cNvSpPr>
+            <a:spLocks noGrp="1"/>
+          </p:cNvSpPr>
+          <p:nvPr>
+            <p:ph idx="1"/>
+          </p:nvPr>
+        </p:nvSpPr>
+        <p:spPr/>
+        <p:txBody>
+          <a:bodyPr/>
+          <a:lstStyle/>
+          <a:p>
+            <a:pPr marL="0" indent="0">
+              <a:buNone/>
+            </a:pPr>
+            <a:r>
+              <a:rPr lang="en-US" b="1" dirty="0" smtClean="0"/>
+              <a:t>6.1. Lab: Remote </a:t>
+            </a:r>
+            <a:r>
+              <a:rPr lang="en-US" b="1" dirty="0"/>
+              <a:t>code execution via polyglot web shell </a:t>
+            </a:r>
+            <a:r>
+              <a:rPr lang="en-US" b="1" dirty="0" smtClean="0"/>
+              <a:t>upload</a:t>
+            </a:r>
+            <a:endParaRPr lang="en-US" b="1" dirty="0"/>
+          </a:p>
+        </p:txBody>
+      </p:sp>
+      <p:sp>
+        <p:nvSpPr>
+          <p:cNvPr id="5" name="TextBox 4"/>
+          <p:cNvSpPr txBox="1"/>
+          <p:nvPr/>
+        </p:nvSpPr>
+        <p:spPr>
+          <a:xfrm>
+            <a:off x="935665" y="2541181"/>
+            <a:ext cx="7836195" cy="3257174"/>
+          </a:xfrm>
+          <a:prstGeom prst="rect">
+            <a:avLst/>
+          </a:prstGeom>
+          <a:noFill/>
+        </p:spPr>
+        <p:txBody>
+          <a:bodyPr wrap="square" rtlCol="0">
+            <a:spAutoFit/>
+          </a:bodyPr>
+          <a:lstStyle/>
+          <a:p>
+            <a:pPr>
+              <a:lnSpc>
+                <a:spcPct val="150000"/>
+              </a:lnSpc>
+            </a:pPr>
+            <a:r>
+              <a:rPr lang="en-US" sz="2800" dirty="0" smtClean="0"/>
+              <a:t>Ý </a:t>
+            </a:r>
+            <a:r>
+              <a:rPr lang="en-US" sz="2800" dirty="0" err="1" smtClean="0"/>
+              <a:t>tưởng</a:t>
+            </a:r>
+            <a:r>
+              <a:rPr lang="en-US" sz="2800" dirty="0" smtClean="0"/>
+              <a:t> </a:t>
+            </a:r>
+            <a:r>
+              <a:rPr lang="en-US" sz="2800" dirty="0" err="1" smtClean="0"/>
+              <a:t>giải</a:t>
+            </a:r>
+            <a:r>
+              <a:rPr lang="en-US" sz="2800" dirty="0" smtClean="0"/>
+              <a:t> </a:t>
+            </a:r>
+            <a:r>
+              <a:rPr lang="en-US" sz="2800" dirty="0" err="1" smtClean="0"/>
+              <a:t>bài</a:t>
+            </a:r>
+            <a:r>
+              <a:rPr lang="en-US" sz="2800" dirty="0" smtClean="0"/>
+              <a:t> lab: </a:t>
+            </a:r>
+          </a:p>
+          <a:p>
+            <a:pPr marL="285750" indent="-285750">
+              <a:lnSpc>
+                <a:spcPct val="150000"/>
+              </a:lnSpc>
+              <a:buFontTx/>
+              <a:buChar char="-"/>
+            </a:pPr>
+            <a:r>
+              <a:rPr lang="en-US" sz="2800" dirty="0" smtClean="0"/>
+              <a:t>Upload 1 file polyglot </a:t>
+            </a:r>
+          </a:p>
+          <a:p>
+            <a:pPr marL="742950" lvl="1" indent="-285750">
+              <a:lnSpc>
+                <a:spcPct val="150000"/>
+              </a:lnSpc>
+              <a:buFont typeface="Wingdings" panose="05000000000000000000" pitchFamily="2" charset="2"/>
+              <a:buChar char="§"/>
+            </a:pPr>
+            <a:r>
+              <a:rPr lang="en-US" sz="2800" dirty="0" err="1" smtClean="0"/>
+              <a:t>Định</a:t>
+            </a:r>
+            <a:r>
+              <a:rPr lang="en-US" sz="2800" dirty="0" smtClean="0"/>
+              <a:t> </a:t>
+            </a:r>
+            <a:r>
+              <a:rPr lang="en-US" sz="2800" dirty="0" err="1" smtClean="0"/>
+              <a:t>dạng</a:t>
+            </a:r>
+            <a:r>
+              <a:rPr lang="en-US" sz="2800" dirty="0" smtClean="0"/>
+              <a:t> image </a:t>
+            </a:r>
+            <a:r>
+              <a:rPr lang="en-US" sz="2800" dirty="0" smtClean="0">
+                <a:sym typeface="Wingdings" panose="05000000000000000000" pitchFamily="2" charset="2"/>
+              </a:rPr>
+              <a:t> bypass check </a:t>
+            </a:r>
+            <a:r>
+              <a:rPr lang="en-US" sz="2800" dirty="0" err="1" smtClean="0">
+                <a:sym typeface="Wingdings" panose="05000000000000000000" pitchFamily="2" charset="2"/>
+              </a:rPr>
+              <a:t>của</a:t>
+            </a:r>
+            <a:r>
+              <a:rPr lang="en-US" sz="2800" dirty="0" smtClean="0">
+                <a:sym typeface="Wingdings" panose="05000000000000000000" pitchFamily="2" charset="2"/>
+              </a:rPr>
+              <a:t> server</a:t>
+            </a:r>
+          </a:p>
+          <a:p>
+            <a:pPr marL="742950" lvl="1" indent="-285750">
+              <a:lnSpc>
+                <a:spcPct val="150000"/>
+              </a:lnSpc>
+              <a:buFont typeface="Wingdings" panose="05000000000000000000" pitchFamily="2" charset="2"/>
+              <a:buChar char="§"/>
+            </a:pPr>
+            <a:r>
+              <a:rPr lang="en-US" sz="2800" dirty="0" err="1" smtClean="0">
+                <a:sym typeface="Wingdings" panose="05000000000000000000" pitchFamily="2" charset="2"/>
+              </a:rPr>
+              <a:t>Khi</a:t>
+            </a:r>
+            <a:r>
+              <a:rPr lang="en-US" sz="2800" dirty="0" smtClean="0">
+                <a:sym typeface="Wingdings" panose="05000000000000000000" pitchFamily="2" charset="2"/>
+              </a:rPr>
+              <a:t> upload </a:t>
+            </a:r>
+            <a:r>
+              <a:rPr lang="en-US" sz="2800" dirty="0" err="1" smtClean="0">
+                <a:sym typeface="Wingdings" panose="05000000000000000000" pitchFamily="2" charset="2"/>
+              </a:rPr>
+              <a:t>lên</a:t>
+            </a:r>
+            <a:r>
+              <a:rPr lang="en-US" sz="2800" dirty="0" smtClean="0">
+                <a:sym typeface="Wingdings" panose="05000000000000000000" pitchFamily="2" charset="2"/>
+              </a:rPr>
+              <a:t> server, </a:t>
+            </a:r>
+            <a:r>
+              <a:rPr lang="en-US" sz="2800" dirty="0" err="1" smtClean="0">
+                <a:sym typeface="Wingdings" panose="05000000000000000000" pitchFamily="2" charset="2"/>
+              </a:rPr>
+              <a:t>nội</a:t>
+            </a:r>
+            <a:r>
+              <a:rPr lang="en-US" sz="2800" dirty="0" smtClean="0">
+                <a:sym typeface="Wingdings" panose="05000000000000000000" pitchFamily="2" charset="2"/>
+              </a:rPr>
+              <a:t> dung file </a:t>
+            </a:r>
+            <a:r>
+              <a:rPr lang="en-US" sz="2800" dirty="0" err="1" smtClean="0">
+                <a:sym typeface="Wingdings" panose="05000000000000000000" pitchFamily="2" charset="2"/>
+              </a:rPr>
+              <a:t>chứa</a:t>
+            </a:r>
+            <a:r>
+              <a:rPr lang="en-US" sz="2800" dirty="0" smtClean="0">
+                <a:sym typeface="Wingdings" panose="05000000000000000000" pitchFamily="2" charset="2"/>
+              </a:rPr>
+              <a:t> script </a:t>
+            </a:r>
+            <a:r>
+              <a:rPr lang="en-US" sz="2800" dirty="0" err="1" smtClean="0">
+                <a:sym typeface="Wingdings" panose="05000000000000000000" pitchFamily="2" charset="2"/>
+              </a:rPr>
+              <a:t>có</a:t>
+            </a:r>
+            <a:r>
+              <a:rPr lang="en-US" sz="2800" dirty="0" smtClean="0">
+                <a:sym typeface="Wingdings" panose="05000000000000000000" pitchFamily="2" charset="2"/>
+              </a:rPr>
+              <a:t> </a:t>
+            </a:r>
+            <a:r>
+              <a:rPr lang="en-US" sz="2800" dirty="0" err="1" smtClean="0">
+                <a:sym typeface="Wingdings" panose="05000000000000000000" pitchFamily="2" charset="2"/>
+              </a:rPr>
+              <a:t>thể</a:t>
+            </a:r>
+            <a:r>
+              <a:rPr lang="en-US" sz="2800" dirty="0" smtClean="0">
+                <a:sym typeface="Wingdings" panose="05000000000000000000" pitchFamily="2" charset="2"/>
+              </a:rPr>
+              <a:t> </a:t>
+            </a:r>
+            <a:r>
+              <a:rPr lang="en-US" sz="2800" dirty="0" err="1" smtClean="0">
+                <a:sym typeface="Wingdings" panose="05000000000000000000" pitchFamily="2" charset="2"/>
+              </a:rPr>
+              <a:t>thực</a:t>
+            </a:r>
+            <a:r>
+              <a:rPr lang="en-US" sz="2800" dirty="0" smtClean="0">
+                <a:sym typeface="Wingdings" panose="05000000000000000000" pitchFamily="2" charset="2"/>
+              </a:rPr>
+              <a:t> </a:t>
+            </a:r>
+            <a:r>
+              <a:rPr lang="en-US" sz="2800" dirty="0" err="1" smtClean="0">
+                <a:sym typeface="Wingdings" panose="05000000000000000000" pitchFamily="2" charset="2"/>
+              </a:rPr>
+              <a:t>thi</a:t>
+            </a:r>
+            <a:r>
+              <a:rPr lang="en-US" sz="2800" dirty="0" smtClean="0">
+                <a:sym typeface="Wingdings" panose="05000000000000000000" pitchFamily="2" charset="2"/>
+              </a:rPr>
+              <a:t> </a:t>
+            </a:r>
+            <a:r>
+              <a:rPr lang="en-US" sz="2800" dirty="0" err="1" smtClean="0">
+                <a:sym typeface="Wingdings" panose="05000000000000000000" pitchFamily="2" charset="2"/>
+              </a:rPr>
+              <a:t>và</a:t>
+            </a:r>
+            <a:r>
+              <a:rPr lang="en-US" sz="2800" dirty="0" smtClean="0">
+                <a:sym typeface="Wingdings" panose="05000000000000000000" pitchFamily="2" charset="2"/>
+              </a:rPr>
+              <a:t> </a:t>
+            </a:r>
+            <a:r>
+              <a:rPr lang="en-US" sz="2800" dirty="0" err="1" smtClean="0">
+                <a:sym typeface="Wingdings" panose="05000000000000000000" pitchFamily="2" charset="2"/>
+              </a:rPr>
+              <a:t>lấy</a:t>
+            </a:r>
+            <a:r>
+              <a:rPr lang="en-US" sz="2800" dirty="0" smtClean="0">
+                <a:sym typeface="Wingdings" panose="05000000000000000000" pitchFamily="2" charset="2"/>
+              </a:rPr>
+              <a:t> </a:t>
+            </a:r>
+            <a:r>
+              <a:rPr lang="en-US" sz="2800" dirty="0" err="1" smtClean="0">
+                <a:sym typeface="Wingdings" panose="05000000000000000000" pitchFamily="2" charset="2"/>
+              </a:rPr>
+              <a:t>nội</a:t>
+            </a:r>
+            <a:r>
+              <a:rPr lang="en-US" sz="2800" dirty="0" smtClean="0">
+                <a:sym typeface="Wingdings" panose="05000000000000000000" pitchFamily="2" charset="2"/>
+              </a:rPr>
+              <a:t> dung secret.</a:t>
+            </a:r>
+            <a:endParaRPr lang="en-US" sz="2800" dirty="0"/>
+          </a:p>
+        </p:txBody>
+      </p:sp>
+    </p:spTree>
+    <p:extLst>
+      <p:ext uri="{BB962C8B-B14F-4D97-AF65-F5344CB8AC3E}">
+        <p14:creationId xmlns:p14="http://schemas.microsoft.com/office/powerpoint/2010/main" val="793558044"/>
+      </p:ext>
+    </p:extLst>
+  </p:cSld>
+  <p:clrMapOvr>
+    <a:masterClrMapping/>
+  </p:clrMapOvr>
+</p:sld>
+</file>
+
+<file path=ppt/slides/slide17.xml><?xml version="1.0" encoding="utf-8"?>
+<p:sld xmlns:a="http://schemas.openxmlformats.org/drawingml/2006/main" xmlns:r="http://schemas.openxmlformats.org/officeDocument/2006/relationships" xmlns:p="http://schemas.openxmlformats.org/presentationml/2006/main">
+  <p:cSld>
+    <p:spTree>
+      <p:nvGrpSpPr>
+        <p:cNvPr id="1" name=""/>
+        <p:cNvGrpSpPr/>
+        <p:nvPr/>
+      </p:nvGrpSpPr>
+      <p:grpSpPr>
+        <a:xfrm>
+          <a:off x="0" y="0"/>
+          <a:ext cx="0" cy="0"/>
+          <a:chOff x="0" y="0"/>
+          <a:chExt cx="0" cy="0"/>
+        </a:xfrm>
+      </p:grpSpPr>
+      <p:sp>
+        <p:nvSpPr>
+          <p:cNvPr id="2" name="Title 1"/>
+          <p:cNvSpPr>
+            <a:spLocks noGrp="1"/>
+          </p:cNvSpPr>
+          <p:nvPr>
+            <p:ph type="title"/>
+          </p:nvPr>
+        </p:nvSpPr>
+        <p:spPr>
+          <a:xfrm>
+            <a:off x="838200" y="0"/>
+            <a:ext cx="10515600" cy="861237"/>
+          </a:xfrm>
+        </p:spPr>
+        <p:txBody>
+          <a:bodyPr/>
+          <a:lstStyle/>
+          <a:p>
+            <a:r>
+              <a:rPr lang="en-US" b="1" dirty="0" smtClean="0"/>
+              <a:t>6. Lab solution</a:t>
+            </a:r>
+            <a:endParaRPr lang="en-US" b="1" dirty="0"/>
+          </a:p>
+        </p:txBody>
+      </p:sp>
+      <p:sp>
+        <p:nvSpPr>
+          <p:cNvPr id="3" name="Content Placeholder 2"/>
+          <p:cNvSpPr>
+            <a:spLocks noGrp="1"/>
+          </p:cNvSpPr>
+          <p:nvPr>
+            <p:ph idx="1"/>
+          </p:nvPr>
+        </p:nvSpPr>
+        <p:spPr>
+          <a:xfrm>
+            <a:off x="838200" y="879763"/>
+            <a:ext cx="10515600" cy="4351338"/>
+          </a:xfrm>
+        </p:spPr>
+        <p:txBody>
+          <a:bodyPr/>
+          <a:lstStyle/>
+          <a:p>
+            <a:pPr marL="0" indent="0">
+              <a:buNone/>
+            </a:pPr>
+            <a:r>
+              <a:rPr lang="en-US" b="1" dirty="0" smtClean="0"/>
+              <a:t>6.1. Lab: Remote </a:t>
+            </a:r>
+            <a:r>
+              <a:rPr lang="en-US" b="1" dirty="0"/>
+              <a:t>code execution via polyglot web shell </a:t>
+            </a:r>
+            <a:r>
+              <a:rPr lang="en-US" b="1" dirty="0" smtClean="0"/>
+              <a:t>upload</a:t>
+            </a:r>
+            <a:endParaRPr lang="en-US" b="1" dirty="0"/>
+          </a:p>
+        </p:txBody>
+      </p:sp>
+      <p:sp>
+        <p:nvSpPr>
+          <p:cNvPr id="5" name="TextBox 4"/>
+          <p:cNvSpPr txBox="1"/>
+          <p:nvPr/>
+        </p:nvSpPr>
+        <p:spPr>
+          <a:xfrm>
+            <a:off x="838200" y="1236256"/>
+            <a:ext cx="10515600" cy="2677656"/>
+          </a:xfrm>
+          <a:prstGeom prst="rect">
+            <a:avLst/>
+          </a:prstGeom>
+          <a:noFill/>
+        </p:spPr>
+        <p:txBody>
+          <a:bodyPr wrap="square" rtlCol="0">
+            <a:spAutoFit/>
+          </a:bodyPr>
+          <a:lstStyle/>
+          <a:p>
+            <a:pPr>
+              <a:lnSpc>
+                <a:spcPct val="150000"/>
+              </a:lnSpc>
+            </a:pPr>
+            <a:r>
+              <a:rPr lang="en-US" sz="2800" dirty="0" smtClean="0"/>
+              <a:t>Ý </a:t>
+            </a:r>
+            <a:r>
+              <a:rPr lang="en-US" sz="2800" dirty="0" err="1" smtClean="0"/>
+              <a:t>tưởng</a:t>
+            </a:r>
+            <a:r>
+              <a:rPr lang="en-US" sz="2800" dirty="0" smtClean="0"/>
+              <a:t> </a:t>
+            </a:r>
+            <a:r>
+              <a:rPr lang="en-US" sz="2800" dirty="0" err="1" smtClean="0"/>
+              <a:t>giải</a:t>
+            </a:r>
+            <a:r>
+              <a:rPr lang="en-US" sz="2800" dirty="0" smtClean="0"/>
+              <a:t> </a:t>
+            </a:r>
+            <a:r>
+              <a:rPr lang="en-US" sz="2800" dirty="0" err="1" smtClean="0"/>
+              <a:t>bài</a:t>
+            </a:r>
+            <a:r>
+              <a:rPr lang="en-US" sz="2800" dirty="0" smtClean="0"/>
+              <a:t> lab: </a:t>
+            </a:r>
+          </a:p>
+          <a:p>
+            <a:pPr marL="285750" indent="-285750">
+              <a:lnSpc>
+                <a:spcPct val="150000"/>
+              </a:lnSpc>
+              <a:buFontTx/>
+              <a:buChar char="-"/>
+            </a:pPr>
+            <a:r>
+              <a:rPr lang="en-US" sz="2800" dirty="0" err="1" smtClean="0"/>
+              <a:t>Tạo</a:t>
+            </a:r>
+            <a:r>
+              <a:rPr lang="en-US" sz="2800" dirty="0" smtClean="0"/>
+              <a:t> file polyglot: </a:t>
+            </a:r>
+            <a:r>
+              <a:rPr lang="en-US" sz="2800" dirty="0" err="1" smtClean="0"/>
+              <a:t>bằng</a:t>
+            </a:r>
+            <a:r>
+              <a:rPr lang="en-US" sz="2800" dirty="0" smtClean="0"/>
+              <a:t> </a:t>
+            </a:r>
+            <a:r>
+              <a:rPr lang="en-US" sz="2800" dirty="0" err="1" smtClean="0"/>
+              <a:t>exiftool</a:t>
+            </a:r>
+            <a:endParaRPr lang="en-US" sz="2800" dirty="0" smtClean="0"/>
+          </a:p>
+          <a:p>
+            <a:pPr marL="285750" indent="-285750">
+              <a:lnSpc>
+                <a:spcPct val="150000"/>
+              </a:lnSpc>
+              <a:buFontTx/>
+              <a:buChar char="-"/>
+            </a:pPr>
+            <a:r>
+              <a:rPr lang="en-US" sz="2800" dirty="0" err="1" smtClean="0"/>
+              <a:t>Ngoài</a:t>
+            </a:r>
+            <a:r>
+              <a:rPr lang="en-US" sz="2800" dirty="0" smtClean="0"/>
+              <a:t> </a:t>
+            </a:r>
+            <a:r>
+              <a:rPr lang="en-US" sz="2800" dirty="0" err="1" smtClean="0"/>
+              <a:t>Commnet</a:t>
+            </a:r>
+            <a:r>
+              <a:rPr lang="en-US" sz="2800" dirty="0" smtClean="0"/>
+              <a:t> field, </a:t>
+            </a:r>
+            <a:r>
+              <a:rPr lang="en-US" sz="2800" dirty="0" err="1" smtClean="0"/>
+              <a:t>còn</a:t>
+            </a:r>
+            <a:r>
+              <a:rPr lang="en-US" sz="2800" dirty="0" smtClean="0"/>
+              <a:t> </a:t>
+            </a:r>
+            <a:r>
+              <a:rPr lang="en-US" sz="2800" dirty="0" err="1" smtClean="0"/>
+              <a:t>có</a:t>
+            </a:r>
+            <a:r>
+              <a:rPr lang="en-US" sz="2800" dirty="0" smtClean="0"/>
+              <a:t> </a:t>
+            </a:r>
+            <a:r>
+              <a:rPr lang="en-US" sz="2800" dirty="0" err="1" smtClean="0"/>
+              <a:t>các</a:t>
+            </a:r>
+            <a:r>
+              <a:rPr lang="en-US" sz="2800" dirty="0" smtClean="0"/>
+              <a:t> </a:t>
+            </a:r>
+            <a:r>
+              <a:rPr lang="en-US" sz="2800" dirty="0" err="1" smtClean="0"/>
+              <a:t>trường</a:t>
+            </a:r>
+            <a:r>
+              <a:rPr lang="en-US" sz="2800" dirty="0" smtClean="0"/>
+              <a:t> </a:t>
+            </a:r>
+            <a:r>
+              <a:rPr lang="en-US" sz="2800" dirty="0" err="1" smtClean="0"/>
+              <a:t>khác</a:t>
+            </a:r>
+            <a:r>
+              <a:rPr lang="en-US" sz="2800" dirty="0" smtClean="0"/>
+              <a:t> </a:t>
+            </a:r>
+            <a:r>
+              <a:rPr lang="en-US" sz="2800" dirty="0" err="1" smtClean="0"/>
+              <a:t>để</a:t>
+            </a:r>
+            <a:r>
+              <a:rPr lang="en-US" sz="2800" dirty="0" smtClean="0"/>
+              <a:t> </a:t>
+            </a:r>
+            <a:r>
+              <a:rPr lang="en-US" sz="2800" dirty="0" err="1" smtClean="0"/>
+              <a:t>giấu</a:t>
+            </a:r>
+            <a:r>
+              <a:rPr lang="en-US" sz="2800" dirty="0" smtClean="0"/>
+              <a:t> script: </a:t>
+            </a:r>
+            <a:r>
+              <a:rPr lang="en-US" sz="2800" dirty="0" err="1" smtClean="0"/>
+              <a:t>Documentname</a:t>
+            </a:r>
+            <a:r>
+              <a:rPr lang="en-US" sz="2800" dirty="0" smtClean="0"/>
+              <a:t>, copyright,…</a:t>
+            </a:r>
+            <a:endParaRPr lang="en-US" sz="2800" dirty="0"/>
+          </a:p>
+        </p:txBody>
+      </p:sp>
+      <p:pic>
+        <p:nvPicPr>
+          <p:cNvPr id="4" name="Picture 3"/>
+          <p:cNvPicPr>
+            <a:picLocks noChangeAspect="1"/>
+          </p:cNvPicPr>
+          <p:nvPr/>
+        </p:nvPicPr>
+        <p:blipFill>
+          <a:blip r:embed="rId2">
+            <a:extLst>
+              <a:ext uri="{28A0092B-C50C-407E-A947-70E740481C1C}">
+                <a14:useLocalDpi xmlns:a14="http://schemas.microsoft.com/office/drawing/2010/main" val="0"/>
+              </a:ext>
+            </a:extLst>
+          </a:blip>
+          <a:stretch>
+            <a:fillRect/>
+          </a:stretch>
+        </p:blipFill>
+        <p:spPr>
+          <a:xfrm>
+            <a:off x="838200" y="3944702"/>
+            <a:ext cx="10420350" cy="2609850"/>
+          </a:xfrm>
+          <a:prstGeom prst="rect">
+            <a:avLst/>
+          </a:prstGeom>
+        </p:spPr>
+      </p:pic>
+    </p:spTree>
+    <p:extLst>
+      <p:ext uri="{BB962C8B-B14F-4D97-AF65-F5344CB8AC3E}">
+        <p14:creationId xmlns:p14="http://schemas.microsoft.com/office/powerpoint/2010/main" val="2091568242"/>
+      </p:ext>
+    </p:extLst>
+  </p:cSld>
+  <p:clrMapOvr>
+    <a:masterClrMapping/>
+  </p:clrMapOvr>
+</p:sld>
+</file>
+
+<file path=ppt/slides/slide18.xml><?xml version="1.0" encoding="utf-8"?>
+<p:sld xmlns:a="http://schemas.openxmlformats.org/drawingml/2006/main" xmlns:r="http://schemas.openxmlformats.org/officeDocument/2006/relationships" xmlns:p="http://schemas.openxmlformats.org/presentationml/2006/main">
+  <p:cSld>
+    <p:spTree>
+      <p:nvGrpSpPr>
+        <p:cNvPr id="1" name=""/>
+        <p:cNvGrpSpPr/>
+        <p:nvPr/>
+      </p:nvGrpSpPr>
+      <p:grpSpPr>
+        <a:xfrm>
+          <a:off x="0" y="0"/>
+          <a:ext cx="0" cy="0"/>
+          <a:chOff x="0" y="0"/>
+          <a:chExt cx="0" cy="0"/>
+        </a:xfrm>
+      </p:grpSpPr>
+      <p:sp>
+        <p:nvSpPr>
+          <p:cNvPr id="2" name="Title 1"/>
+          <p:cNvSpPr>
+            <a:spLocks noGrp="1"/>
+          </p:cNvSpPr>
+          <p:nvPr>
+            <p:ph type="title"/>
+          </p:nvPr>
+        </p:nvSpPr>
+        <p:spPr/>
+        <p:txBody>
+          <a:bodyPr/>
+          <a:lstStyle/>
+          <a:p>
+            <a:r>
+              <a:rPr lang="en-US" b="1" dirty="0" smtClean="0"/>
+              <a:t>6. Lab solution</a:t>
+            </a:r>
+            <a:endParaRPr lang="en-US" b="1" dirty="0"/>
+          </a:p>
+        </p:txBody>
+      </p:sp>
+      <p:sp>
+        <p:nvSpPr>
+          <p:cNvPr id="3" name="Content Placeholder 2"/>
+          <p:cNvSpPr>
+            <a:spLocks noGrp="1"/>
+          </p:cNvSpPr>
+          <p:nvPr>
+            <p:ph idx="1"/>
+          </p:nvPr>
+        </p:nvSpPr>
+        <p:spPr/>
+        <p:txBody>
+          <a:bodyPr/>
+          <a:lstStyle/>
+          <a:p>
+            <a:pPr marL="0" indent="0">
+              <a:buNone/>
+            </a:pPr>
+            <a:r>
+              <a:rPr lang="en-US" b="1" dirty="0" smtClean="0"/>
+              <a:t>6.1. Lab: Remote </a:t>
+            </a:r>
+            <a:r>
+              <a:rPr lang="en-US" b="1" dirty="0"/>
+              <a:t>code execution via polyglot web shell </a:t>
+            </a:r>
+            <a:r>
+              <a:rPr lang="en-US" b="1" dirty="0" smtClean="0"/>
+              <a:t>upload</a:t>
+            </a:r>
+            <a:endParaRPr lang="en-US" b="1" dirty="0"/>
+          </a:p>
+        </p:txBody>
+      </p:sp>
+      <p:sp>
+        <p:nvSpPr>
+          <p:cNvPr id="5" name="TextBox 4"/>
+          <p:cNvSpPr txBox="1"/>
+          <p:nvPr/>
+        </p:nvSpPr>
+        <p:spPr>
+          <a:xfrm>
+            <a:off x="935665" y="2541181"/>
+            <a:ext cx="7836195" cy="1384995"/>
+          </a:xfrm>
+          <a:prstGeom prst="rect">
+            <a:avLst/>
+          </a:prstGeom>
+          <a:noFill/>
+        </p:spPr>
+        <p:txBody>
+          <a:bodyPr wrap="square" rtlCol="0">
+            <a:spAutoFit/>
+          </a:bodyPr>
+          <a:lstStyle/>
+          <a:p>
+            <a:pPr>
+              <a:lnSpc>
+                <a:spcPct val="150000"/>
+              </a:lnSpc>
+            </a:pPr>
+            <a:r>
+              <a:rPr lang="en-US" sz="2800" dirty="0" smtClean="0"/>
+              <a:t>Ý </a:t>
+            </a:r>
+            <a:r>
+              <a:rPr lang="en-US" sz="2800" dirty="0" err="1" smtClean="0"/>
+              <a:t>tưởng</a:t>
+            </a:r>
+            <a:r>
+              <a:rPr lang="en-US" sz="2800" dirty="0" smtClean="0"/>
+              <a:t> </a:t>
+            </a:r>
+            <a:r>
+              <a:rPr lang="en-US" sz="2800" dirty="0" err="1" smtClean="0"/>
+              <a:t>giải</a:t>
+            </a:r>
+            <a:r>
+              <a:rPr lang="en-US" sz="2800" dirty="0" smtClean="0"/>
+              <a:t> </a:t>
+            </a:r>
+            <a:r>
+              <a:rPr lang="en-US" sz="2800" dirty="0" err="1" smtClean="0"/>
+              <a:t>bài</a:t>
+            </a:r>
+            <a:r>
+              <a:rPr lang="en-US" sz="2800" dirty="0" smtClean="0"/>
+              <a:t> lab: </a:t>
+            </a:r>
+          </a:p>
+          <a:p>
+            <a:pPr marL="285750" indent="-285750">
+              <a:lnSpc>
+                <a:spcPct val="150000"/>
+              </a:lnSpc>
+              <a:buFontTx/>
+              <a:buChar char="-"/>
+            </a:pPr>
+            <a:r>
+              <a:rPr lang="en-US" sz="2800" dirty="0" err="1" smtClean="0"/>
+              <a:t>Tạo</a:t>
+            </a:r>
+            <a:r>
+              <a:rPr lang="en-US" sz="2800" dirty="0" smtClean="0"/>
+              <a:t> file polyglot: </a:t>
+            </a:r>
+            <a:r>
+              <a:rPr lang="en-US" sz="2800" dirty="0" err="1" smtClean="0"/>
+              <a:t>bằng</a:t>
+            </a:r>
+            <a:r>
+              <a:rPr lang="en-US" sz="2800" dirty="0" smtClean="0"/>
+              <a:t> </a:t>
+            </a:r>
+            <a:r>
+              <a:rPr lang="en-US" sz="2800" dirty="0" err="1" smtClean="0"/>
+              <a:t>exiftool</a:t>
+            </a:r>
+            <a:r>
+              <a:rPr lang="en-US" sz="2800" dirty="0"/>
+              <a:t> </a:t>
+            </a:r>
+          </a:p>
+        </p:txBody>
+      </p:sp>
+      <p:pic>
+        <p:nvPicPr>
+          <p:cNvPr id="6" name="Picture 5"/>
+          <p:cNvPicPr>
+            <a:picLocks noChangeAspect="1"/>
+          </p:cNvPicPr>
+          <p:nvPr/>
+        </p:nvPicPr>
+        <p:blipFill>
+          <a:blip r:embed="rId2">
+            <a:extLst>
+              <a:ext uri="{28A0092B-C50C-407E-A947-70E740481C1C}">
+                <a14:useLocalDpi xmlns:a14="http://schemas.microsoft.com/office/drawing/2010/main" val="0"/>
+              </a:ext>
+            </a:extLst>
+          </a:blip>
+          <a:stretch>
+            <a:fillRect/>
+          </a:stretch>
+        </p:blipFill>
+        <p:spPr>
+          <a:xfrm>
+            <a:off x="1158395" y="3979744"/>
+            <a:ext cx="10353802" cy="2197219"/>
+          </a:xfrm>
+          <a:prstGeom prst="rect">
+            <a:avLst/>
+          </a:prstGeom>
+        </p:spPr>
+      </p:pic>
+    </p:spTree>
+    <p:extLst>
+      <p:ext uri="{BB962C8B-B14F-4D97-AF65-F5344CB8AC3E}">
+        <p14:creationId xmlns:p14="http://schemas.microsoft.com/office/powerpoint/2010/main" val="146908183"/>
+      </p:ext>
+    </p:extLst>
+  </p:cSld>
+  <p:clrMapOvr>
+    <a:masterClrMapping/>
+  </p:clrMapOvr>
+</p:sld>
+</file>
+
+<file path=ppt/slides/slide19.xml><?xml version="1.0" encoding="utf-8"?>
+<p:sld xmlns:a="http://schemas.openxmlformats.org/drawingml/2006/main" xmlns:r="http://schemas.openxmlformats.org/officeDocument/2006/relationships" xmlns:p="http://schemas.openxmlformats.org/presentationml/2006/main">
+  <p:cSld>
+    <p:spTree>
+      <p:nvGrpSpPr>
+        <p:cNvPr id="1" name=""/>
+        <p:cNvGrpSpPr/>
+        <p:nvPr/>
+      </p:nvGrpSpPr>
+      <p:grpSpPr>
+        <a:xfrm>
+          <a:off x="0" y="0"/>
+          <a:ext cx="0" cy="0"/>
+          <a:chOff x="0" y="0"/>
+          <a:chExt cx="0" cy="0"/>
+        </a:xfrm>
+      </p:grpSpPr>
+      <p:sp>
+        <p:nvSpPr>
+          <p:cNvPr id="2" name="Title 1"/>
+          <p:cNvSpPr>
+            <a:spLocks noGrp="1"/>
+          </p:cNvSpPr>
+          <p:nvPr>
+            <p:ph type="title"/>
+          </p:nvPr>
+        </p:nvSpPr>
+        <p:spPr>
+          <a:xfrm>
+            <a:off x="838200" y="141843"/>
+            <a:ext cx="9634870" cy="676866"/>
+          </a:xfrm>
+        </p:spPr>
+        <p:txBody>
+          <a:bodyPr>
+            <a:normAutofit fontScale="90000"/>
+          </a:bodyPr>
+          <a:lstStyle/>
+          <a:p>
+            <a:r>
+              <a:rPr lang="en-US" b="1" dirty="0" smtClean="0"/>
+              <a:t>6. Lab solution</a:t>
+            </a:r>
+            <a:endParaRPr lang="en-US" b="1" dirty="0"/>
+          </a:p>
+        </p:txBody>
+      </p:sp>
+      <p:sp>
+        <p:nvSpPr>
+          <p:cNvPr id="3" name="Content Placeholder 2"/>
+          <p:cNvSpPr>
+            <a:spLocks noGrp="1"/>
+          </p:cNvSpPr>
+          <p:nvPr>
+            <p:ph idx="1"/>
+          </p:nvPr>
+        </p:nvSpPr>
+        <p:spPr>
+          <a:xfrm>
+            <a:off x="838200" y="818709"/>
+            <a:ext cx="10515600" cy="4351338"/>
+          </a:xfrm>
+        </p:spPr>
+        <p:txBody>
+          <a:bodyPr/>
+          <a:lstStyle/>
+          <a:p>
+            <a:pPr marL="0" indent="0">
+              <a:buNone/>
+            </a:pPr>
+            <a:r>
+              <a:rPr lang="en-US" b="1" dirty="0" smtClean="0"/>
+              <a:t>6.1. Lab: Remote </a:t>
+            </a:r>
+            <a:r>
+              <a:rPr lang="en-US" b="1" dirty="0"/>
+              <a:t>code execution via polyglot web shell </a:t>
+            </a:r>
+            <a:r>
+              <a:rPr lang="en-US" b="1" dirty="0" smtClean="0"/>
+              <a:t>upload</a:t>
+            </a:r>
+            <a:endParaRPr lang="en-US" b="1" dirty="0"/>
+          </a:p>
+        </p:txBody>
+      </p:sp>
+      <p:sp>
+        <p:nvSpPr>
+          <p:cNvPr id="5" name="TextBox 4"/>
+          <p:cNvSpPr txBox="1"/>
+          <p:nvPr/>
+        </p:nvSpPr>
+        <p:spPr>
+          <a:xfrm>
+            <a:off x="838200" y="1360967"/>
+            <a:ext cx="11197856" cy="3323987"/>
+          </a:xfrm>
+          <a:prstGeom prst="rect">
+            <a:avLst/>
+          </a:prstGeom>
+          <a:noFill/>
+        </p:spPr>
+        <p:txBody>
+          <a:bodyPr wrap="square" rtlCol="0">
+            <a:spAutoFit/>
+          </a:bodyPr>
+          <a:lstStyle/>
+          <a:p>
+            <a:pPr>
+              <a:lnSpc>
+                <a:spcPct val="150000"/>
+              </a:lnSpc>
+            </a:pPr>
+            <a:r>
+              <a:rPr lang="en-US" sz="2800" dirty="0" err="1" smtClean="0"/>
+              <a:t>Tiến</a:t>
+            </a:r>
+            <a:r>
+              <a:rPr lang="en-US" sz="2800" dirty="0" smtClean="0"/>
+              <a:t> </a:t>
+            </a:r>
+            <a:r>
+              <a:rPr lang="en-US" sz="2800" dirty="0" err="1" smtClean="0"/>
+              <a:t>hành</a:t>
+            </a:r>
+            <a:r>
+              <a:rPr lang="en-US" sz="2800" dirty="0" smtClean="0"/>
+              <a:t>: upload file polyglot </a:t>
+            </a:r>
+            <a:r>
+              <a:rPr lang="en-US" sz="2800" dirty="0" err="1" smtClean="0"/>
+              <a:t>lên</a:t>
+            </a:r>
+            <a:r>
+              <a:rPr lang="en-US" sz="2800" dirty="0" smtClean="0"/>
+              <a:t> server, server </a:t>
+            </a:r>
+            <a:r>
+              <a:rPr lang="en-US" sz="2800" dirty="0" err="1" smtClean="0"/>
+              <a:t>chỉ</a:t>
+            </a:r>
+            <a:r>
+              <a:rPr lang="en-US" sz="2800" dirty="0" smtClean="0"/>
+              <a:t> filter file </a:t>
+            </a:r>
+            <a:r>
+              <a:rPr lang="en-US" sz="2800" dirty="0" err="1" smtClean="0"/>
+              <a:t>dựa</a:t>
+            </a:r>
+            <a:r>
+              <a:rPr lang="en-US" sz="2800" dirty="0" smtClean="0"/>
+              <a:t> </a:t>
+            </a:r>
+            <a:r>
+              <a:rPr lang="en-US" sz="2800" dirty="0" err="1" smtClean="0"/>
+              <a:t>trên</a:t>
+            </a:r>
+            <a:r>
+              <a:rPr lang="en-US" sz="2800" dirty="0" smtClean="0"/>
+              <a:t> magic byte, </a:t>
+            </a:r>
+            <a:r>
+              <a:rPr lang="en-US" sz="2800" dirty="0" err="1" smtClean="0"/>
+              <a:t>nhưng</a:t>
+            </a:r>
+            <a:r>
+              <a:rPr lang="en-US" sz="2800" dirty="0" smtClean="0"/>
+              <a:t> </a:t>
+            </a:r>
+            <a:r>
+              <a:rPr lang="en-US" sz="2800" dirty="0" err="1" smtClean="0"/>
+              <a:t>không</a:t>
+            </a:r>
+            <a:r>
+              <a:rPr lang="en-US" sz="2800" dirty="0" smtClean="0"/>
+              <a:t> </a:t>
+            </a:r>
+            <a:r>
+              <a:rPr lang="en-US" sz="2800" dirty="0" err="1" smtClean="0"/>
+              <a:t>chặn</a:t>
+            </a:r>
+            <a:r>
+              <a:rPr lang="en-US" sz="2800" dirty="0" smtClean="0"/>
+              <a:t> </a:t>
+            </a:r>
+            <a:r>
+              <a:rPr lang="en-US" sz="2800" dirty="0" err="1" smtClean="0"/>
+              <a:t>thực</a:t>
+            </a:r>
+            <a:r>
+              <a:rPr lang="en-US" sz="2800" dirty="0" smtClean="0"/>
+              <a:t> </a:t>
+            </a:r>
+            <a:r>
+              <a:rPr lang="en-US" sz="2800" dirty="0" err="1" smtClean="0"/>
+              <a:t>thi</a:t>
+            </a:r>
+            <a:r>
+              <a:rPr lang="en-US" sz="2800" dirty="0" smtClean="0"/>
+              <a:t> script, request GET /files/avatars/</a:t>
+            </a:r>
+            <a:r>
+              <a:rPr lang="en-US" sz="2800" dirty="0" err="1" smtClean="0"/>
+              <a:t>polyglot.php</a:t>
+            </a:r>
+            <a:r>
+              <a:rPr lang="en-US" sz="2800" dirty="0"/>
+              <a:t> </a:t>
+            </a:r>
+            <a:r>
+              <a:rPr lang="en-US" sz="2800" dirty="0" err="1" smtClean="0"/>
+              <a:t>lấy</a:t>
+            </a:r>
+            <a:r>
+              <a:rPr lang="en-US" sz="2800" dirty="0" smtClean="0"/>
+              <a:t> </a:t>
+            </a:r>
+            <a:r>
+              <a:rPr lang="en-US" sz="2800" dirty="0" err="1" smtClean="0"/>
+              <a:t>nội</a:t>
+            </a:r>
+            <a:r>
+              <a:rPr lang="en-US" sz="2800" dirty="0" smtClean="0"/>
+              <a:t> dung file </a:t>
+            </a:r>
+            <a:r>
+              <a:rPr lang="en-US" sz="2800" dirty="0" err="1" smtClean="0"/>
+              <a:t>được</a:t>
+            </a:r>
+            <a:r>
+              <a:rPr lang="en-US" sz="2800" dirty="0" smtClean="0"/>
+              <a:t> up </a:t>
+            </a:r>
+            <a:r>
+              <a:rPr lang="en-US" sz="2800" dirty="0" err="1" smtClean="0"/>
+              <a:t>lên</a:t>
+            </a:r>
+            <a:r>
+              <a:rPr lang="en-US" sz="2800" dirty="0" smtClean="0"/>
+              <a:t>, </a:t>
+            </a:r>
+            <a:r>
+              <a:rPr lang="en-US" sz="2800" dirty="0" err="1" smtClean="0"/>
+              <a:t>trong</a:t>
+            </a:r>
+            <a:r>
+              <a:rPr lang="en-US" sz="2800" dirty="0" smtClean="0"/>
+              <a:t> </a:t>
+            </a:r>
+            <a:r>
+              <a:rPr lang="en-US" sz="2800" dirty="0" err="1" smtClean="0"/>
+              <a:t>đó</a:t>
+            </a:r>
+            <a:r>
+              <a:rPr lang="en-US" sz="2800" dirty="0" smtClean="0"/>
+              <a:t> </a:t>
+            </a:r>
+            <a:r>
+              <a:rPr lang="en-US" sz="2800" dirty="0" err="1" smtClean="0"/>
+              <a:t>phần</a:t>
+            </a:r>
+            <a:r>
+              <a:rPr lang="en-US" sz="2800" dirty="0" smtClean="0"/>
+              <a:t> comment </a:t>
+            </a:r>
+            <a:r>
+              <a:rPr lang="en-US" sz="2800" dirty="0" err="1" smtClean="0"/>
+              <a:t>có</a:t>
+            </a:r>
+            <a:r>
+              <a:rPr lang="en-US" sz="2800" dirty="0" smtClean="0"/>
+              <a:t> </a:t>
+            </a:r>
+            <a:r>
+              <a:rPr lang="en-US" sz="2800" dirty="0" err="1" smtClean="0"/>
+              <a:t>chứa</a:t>
+            </a:r>
+            <a:r>
+              <a:rPr lang="en-US" sz="2800" dirty="0" smtClean="0"/>
+              <a:t> script </a:t>
+            </a:r>
+            <a:r>
+              <a:rPr lang="en-US" sz="2800" dirty="0" err="1" smtClean="0"/>
+              <a:t>php</a:t>
+            </a:r>
+            <a:r>
+              <a:rPr lang="en-US" sz="2800" dirty="0" smtClean="0"/>
+              <a:t>, server </a:t>
+            </a:r>
+            <a:r>
+              <a:rPr lang="en-US" sz="2800" dirty="0" err="1" smtClean="0"/>
+              <a:t>vẫn</a:t>
+            </a:r>
+            <a:r>
+              <a:rPr lang="en-US" sz="2800" dirty="0" smtClean="0"/>
+              <a:t> </a:t>
+            </a:r>
+            <a:r>
+              <a:rPr lang="en-US" sz="2800" dirty="0" err="1" smtClean="0"/>
+              <a:t>thực</a:t>
+            </a:r>
+            <a:r>
+              <a:rPr lang="en-US" sz="2800" dirty="0" smtClean="0"/>
+              <a:t> </a:t>
+            </a:r>
+            <a:r>
+              <a:rPr lang="en-US" sz="2800" dirty="0" err="1" smtClean="0"/>
+              <a:t>thi</a:t>
+            </a:r>
+            <a:r>
+              <a:rPr lang="en-US" sz="2800" dirty="0" smtClean="0"/>
+              <a:t> script </a:t>
+            </a:r>
+            <a:r>
+              <a:rPr lang="en-US" sz="2800" dirty="0" err="1" smtClean="0"/>
+              <a:t>này</a:t>
+            </a:r>
+            <a:r>
+              <a:rPr lang="en-US" sz="2800" dirty="0" smtClean="0"/>
+              <a:t> </a:t>
+            </a:r>
+            <a:r>
+              <a:rPr lang="en-US" sz="2800" dirty="0" err="1" smtClean="0"/>
+              <a:t>và</a:t>
+            </a:r>
+            <a:r>
+              <a:rPr lang="en-US" sz="2800" dirty="0" smtClean="0"/>
+              <a:t> </a:t>
+            </a:r>
+            <a:r>
+              <a:rPr lang="en-US" sz="2800" dirty="0" err="1" smtClean="0"/>
+              <a:t>trả</a:t>
+            </a:r>
+            <a:r>
+              <a:rPr lang="en-US" sz="2800" dirty="0" smtClean="0"/>
+              <a:t> </a:t>
+            </a:r>
+            <a:r>
+              <a:rPr lang="en-US" sz="2800" dirty="0" err="1" smtClean="0"/>
+              <a:t>về</a:t>
+            </a:r>
+            <a:r>
+              <a:rPr lang="en-US" sz="2800" dirty="0" smtClean="0"/>
+              <a:t> </a:t>
+            </a:r>
+            <a:r>
+              <a:rPr lang="en-US" sz="2800" dirty="0" err="1" smtClean="0"/>
+              <a:t>chuỗi</a:t>
+            </a:r>
+            <a:r>
+              <a:rPr lang="en-US" sz="2800" dirty="0" smtClean="0"/>
+              <a:t> secret </a:t>
+            </a:r>
+            <a:r>
+              <a:rPr lang="en-US" sz="2800" dirty="0" err="1" smtClean="0"/>
+              <a:t>bình</a:t>
+            </a:r>
+            <a:r>
+              <a:rPr lang="en-US" sz="2800" dirty="0" smtClean="0"/>
+              <a:t> </a:t>
+            </a:r>
+            <a:r>
+              <a:rPr lang="en-US" sz="2800" dirty="0" err="1" smtClean="0"/>
+              <a:t>thường</a:t>
+            </a:r>
+            <a:r>
+              <a:rPr lang="en-US" sz="2800" dirty="0" smtClean="0"/>
+              <a:t>. </a:t>
+            </a:r>
+          </a:p>
+        </p:txBody>
+      </p:sp>
+      <p:pic>
+        <p:nvPicPr>
+          <p:cNvPr id="4" name="Picture 3"/>
+          <p:cNvPicPr>
+            <a:picLocks noChangeAspect="1"/>
+          </p:cNvPicPr>
+          <p:nvPr/>
+        </p:nvPicPr>
+        <p:blipFill>
+          <a:blip r:embed="rId2">
+            <a:extLst>
+              <a:ext uri="{28A0092B-C50C-407E-A947-70E740481C1C}">
+                <a14:useLocalDpi xmlns:a14="http://schemas.microsoft.com/office/drawing/2010/main" val="0"/>
+              </a:ext>
+            </a:extLst>
+          </a:blip>
+          <a:stretch>
+            <a:fillRect/>
+          </a:stretch>
+        </p:blipFill>
+        <p:spPr>
+          <a:xfrm>
+            <a:off x="1421023" y="4881030"/>
+            <a:ext cx="9349954" cy="1735043"/>
+          </a:xfrm>
+          <a:prstGeom prst="rect">
+            <a:avLst/>
+          </a:prstGeom>
+        </p:spPr>
+      </p:pic>
+    </p:spTree>
+    <p:extLst>
+      <p:ext uri="{BB962C8B-B14F-4D97-AF65-F5344CB8AC3E}">
+        <p14:creationId xmlns:p14="http://schemas.microsoft.com/office/powerpoint/2010/main" val="2999132389"/>
+      </p:ext>
+    </p:extLst>
+  </p:cSld>
+  <p:clrMapOvr>
+    <a:masterClrMapping/>
+  </p:clrMapOvr>
+</p:sld>
+</file>
+
 <file path=ppt/slides/slide2.xml><?xml version="1.0" encoding="utf-8"?>
 <p:sld xmlns:a="http://schemas.openxmlformats.org/drawingml/2006/main" xmlns:r="http://schemas.openxmlformats.org/officeDocument/2006/relationships" xmlns:p="http://schemas.openxmlformats.org/presentationml/2006/main">
   <p:cSld>
@@ -3418,7 +7235,7 @@
 </p:sld>
 </file>
 
-<file path=ppt/slides/slide3.xml><?xml version="1.0" encoding="utf-8"?>
+<file path=ppt/slides/slide20.xml><?xml version="1.0" encoding="utf-8"?>
 <p:sld xmlns:a="http://schemas.openxmlformats.org/drawingml/2006/main" xmlns:r="http://schemas.openxmlformats.org/officeDocument/2006/relationships" xmlns:p="http://schemas.openxmlformats.org/presentationml/2006/main">
   <p:cSld>
     <p:spTree>
@@ -3451,42 +7268,10 @@
           <a:lstStyle/>
           <a:p>
             <a:r>
-              <a:rPr lang="en-US" dirty="0" smtClean="0"/>
-              <a:t>1. </a:t>
-            </a:r>
-            <a:r>
-              <a:rPr lang="en-US" dirty="0" err="1" smtClean="0"/>
-              <a:t>Lỗ</a:t>
-            </a:r>
-            <a:r>
-              <a:rPr lang="en-US" dirty="0" smtClean="0"/>
-              <a:t> </a:t>
-            </a:r>
-            <a:r>
-              <a:rPr lang="en-US" dirty="0" err="1" smtClean="0"/>
-              <a:t>hổng</a:t>
-            </a:r>
-            <a:r>
-              <a:rPr lang="en-US" dirty="0" smtClean="0"/>
-              <a:t> file upload </a:t>
-            </a:r>
-            <a:r>
-              <a:rPr lang="en-US" dirty="0" err="1" smtClean="0"/>
-              <a:t>là</a:t>
-            </a:r>
-            <a:r>
-              <a:rPr lang="en-US" dirty="0" smtClean="0"/>
-              <a:t> </a:t>
-            </a:r>
-            <a:r>
-              <a:rPr lang="en-US" dirty="0" err="1" smtClean="0"/>
-              <a:t>gì</a:t>
-            </a:r>
-            <a:r>
-              <a:rPr lang="en-US" dirty="0" smtClean="0"/>
-              <a:t>?</a:t>
-            </a:r>
-            <a:endParaRPr lang="en-US" dirty="0"/>
+              <a:rPr lang="en-US" b="1" dirty="0" smtClean="0"/>
+              <a:t>6. Lab solution</a:t>
+            </a:r>
+            <a:endParaRPr lang="en-US" b="1" dirty="0"/>
           </a:p>
         </p:txBody>
       </p:sp>
@@ -3509,22 +7294,246 @@
               <a:buNone/>
             </a:pPr>
             <a:r>
-              <a:rPr lang="en-US" dirty="0" smtClean="0"/>
-              <a:t>1.1. </a:t>
-            </a:r>
-            <a:r>
-              <a:rPr lang="en-US" dirty="0" err="1" smtClean="0"/>
-              <a:t>Khái</a:t>
-            </a:r>
-            <a:r>
-              <a:rPr lang="en-US" dirty="0" smtClean="0"/>
-              <a:t> </a:t>
-            </a:r>
-            <a:r>
-              <a:rPr lang="en-US" dirty="0" err="1" smtClean="0"/>
-              <a:t>niệm</a:t>
-            </a:r>
-            <a:endParaRPr lang="en-US" dirty="0"/>
+              <a:rPr lang="en-US" b="1" dirty="0" smtClean="0"/>
+              <a:t>6.1. Lab: Remote </a:t>
+            </a:r>
+            <a:r>
+              <a:rPr lang="en-US" b="1" dirty="0"/>
+              <a:t>code execution via polyglot web shell </a:t>
+            </a:r>
+            <a:r>
+              <a:rPr lang="en-US" b="1" dirty="0" smtClean="0"/>
+              <a:t>upload</a:t>
+            </a:r>
+            <a:endParaRPr lang="en-US" b="1" dirty="0"/>
+          </a:p>
+        </p:txBody>
+      </p:sp>
+      <p:sp>
+        <p:nvSpPr>
+          <p:cNvPr id="5" name="TextBox 4"/>
+          <p:cNvSpPr txBox="1"/>
+          <p:nvPr/>
+        </p:nvSpPr>
+        <p:spPr>
+          <a:xfrm>
+            <a:off x="935665" y="2541181"/>
+            <a:ext cx="7836195" cy="671851"/>
+          </a:xfrm>
+          <a:prstGeom prst="rect">
+            <a:avLst/>
+          </a:prstGeom>
+          <a:noFill/>
+        </p:spPr>
+        <p:txBody>
+          <a:bodyPr wrap="square" rtlCol="0">
+            <a:spAutoFit/>
+          </a:bodyPr>
+          <a:lstStyle/>
+          <a:p>
+            <a:pPr>
+              <a:lnSpc>
+                <a:spcPct val="150000"/>
+              </a:lnSpc>
+            </a:pPr>
+            <a:r>
+              <a:rPr lang="en-US" sz="2800" dirty="0" err="1" smtClean="0"/>
+              <a:t>Kết</a:t>
+            </a:r>
+            <a:r>
+              <a:rPr lang="en-US" sz="2800" dirty="0" smtClean="0"/>
+              <a:t> </a:t>
+            </a:r>
+            <a:r>
+              <a:rPr lang="en-US" sz="2800" dirty="0" err="1" smtClean="0"/>
+              <a:t>quả</a:t>
+            </a:r>
+            <a:r>
+              <a:rPr lang="en-US" sz="2800" dirty="0" smtClean="0"/>
+              <a:t>: </a:t>
+            </a:r>
+          </a:p>
+        </p:txBody>
+      </p:sp>
+      <p:pic>
+        <p:nvPicPr>
+          <p:cNvPr id="6" name="Picture 5"/>
+          <p:cNvPicPr>
+            <a:picLocks noChangeAspect="1"/>
+          </p:cNvPicPr>
+          <p:nvPr/>
+        </p:nvPicPr>
+        <p:blipFill rotWithShape="1">
+          <a:blip r:embed="rId2">
+            <a:extLst>
+              <a:ext uri="{28A0092B-C50C-407E-A947-70E740481C1C}">
+                <a14:useLocalDpi xmlns:a14="http://schemas.microsoft.com/office/drawing/2010/main" val="0"/>
+              </a:ext>
+            </a:extLst>
+          </a:blip>
+          <a:srcRect t="59546" r="1299"/>
+          <a:stretch/>
+        </p:blipFill>
+        <p:spPr>
+          <a:xfrm>
+            <a:off x="3365662" y="3213032"/>
+            <a:ext cx="6186072" cy="3098868"/>
+          </a:xfrm>
+          <a:prstGeom prst="rect">
+            <a:avLst/>
+          </a:prstGeom>
+        </p:spPr>
+      </p:pic>
+    </p:spTree>
+    <p:extLst>
+      <p:ext uri="{BB962C8B-B14F-4D97-AF65-F5344CB8AC3E}">
+        <p14:creationId xmlns:p14="http://schemas.microsoft.com/office/powerpoint/2010/main" val="898230049"/>
+      </p:ext>
+    </p:extLst>
+  </p:cSld>
+  <p:clrMapOvr>
+    <a:masterClrMapping/>
+  </p:clrMapOvr>
+  <p:timing>
+    <p:tnLst>
+      <p:par>
+        <p:cTn id="1" dur="indefinite" restart="never" nodeType="tmRoot"/>
+      </p:par>
+    </p:tnLst>
+  </p:timing>
+</p:sld>
+</file>
+
+<file path=ppt/slides/slide21.xml><?xml version="1.0" encoding="utf-8"?>
+<p:sld xmlns:a="http://schemas.openxmlformats.org/drawingml/2006/main" xmlns:r="http://schemas.openxmlformats.org/officeDocument/2006/relationships" xmlns:p="http://schemas.openxmlformats.org/presentationml/2006/main">
+  <p:cSld>
+    <p:spTree>
+      <p:nvGrpSpPr>
+        <p:cNvPr id="1" name=""/>
+        <p:cNvGrpSpPr/>
+        <p:nvPr/>
+      </p:nvGrpSpPr>
+      <p:grpSpPr>
+        <a:xfrm>
+          <a:off x="0" y="0"/>
+          <a:ext cx="0" cy="0"/>
+          <a:chOff x="0" y="0"/>
+          <a:chExt cx="0" cy="0"/>
+        </a:xfrm>
+      </p:grpSpPr>
+      <p:sp>
+        <p:nvSpPr>
+          <p:cNvPr id="2" name="Title 1"/>
+          <p:cNvSpPr>
+            <a:spLocks noGrp="1"/>
+          </p:cNvSpPr>
+          <p:nvPr>
+            <p:ph type="title"/>
+          </p:nvPr>
+        </p:nvSpPr>
+        <p:spPr/>
+        <p:txBody>
+          <a:bodyPr/>
+          <a:lstStyle/>
+          <a:p>
+            <a:r>
+              <a:rPr lang="en-US" b="1" dirty="0" smtClean="0"/>
+              <a:t>6. Lab solution</a:t>
+            </a:r>
+            <a:endParaRPr lang="en-US" b="1" dirty="0"/>
+          </a:p>
+        </p:txBody>
+      </p:sp>
+      <p:sp>
+        <p:nvSpPr>
+          <p:cNvPr id="3" name="Content Placeholder 2"/>
+          <p:cNvSpPr>
+            <a:spLocks noGrp="1"/>
+          </p:cNvSpPr>
+          <p:nvPr>
+            <p:ph idx="1"/>
+          </p:nvPr>
+        </p:nvSpPr>
+        <p:spPr/>
+        <p:txBody>
+          <a:bodyPr/>
+          <a:lstStyle/>
+          <a:p>
+            <a:pPr marL="0" indent="0">
+              <a:buNone/>
+            </a:pPr>
+            <a:r>
+              <a:rPr lang="en-US" b="1" dirty="0" smtClean="0"/>
+              <a:t>6.2. </a:t>
+            </a:r>
+            <a:r>
+              <a:rPr lang="en-US" b="1" dirty="0" err="1" smtClean="0"/>
+              <a:t>Một</a:t>
+            </a:r>
+            <a:r>
+              <a:rPr lang="en-US" b="1" dirty="0" smtClean="0"/>
+              <a:t> </a:t>
+            </a:r>
+            <a:r>
+              <a:rPr lang="en-US" b="1" dirty="0" err="1" smtClean="0"/>
+              <a:t>số</a:t>
+            </a:r>
+            <a:r>
+              <a:rPr lang="en-US" b="1" dirty="0" smtClean="0"/>
+              <a:t> tool, payload </a:t>
+            </a:r>
+            <a:r>
+              <a:rPr lang="en-US" b="1" dirty="0" err="1" smtClean="0"/>
+              <a:t>hỗ</a:t>
+            </a:r>
+            <a:r>
+              <a:rPr lang="en-US" b="1" dirty="0" smtClean="0"/>
+              <a:t> </a:t>
+            </a:r>
+            <a:r>
+              <a:rPr lang="en-US" b="1" dirty="0" err="1" smtClean="0"/>
+              <a:t>trợ</a:t>
+            </a:r>
+            <a:r>
+              <a:rPr lang="en-US" b="1" dirty="0" smtClean="0"/>
+              <a:t> </a:t>
+            </a:r>
+            <a:r>
+              <a:rPr lang="en-US" b="1" dirty="0" err="1" smtClean="0"/>
+              <a:t>khai</a:t>
+            </a:r>
+            <a:r>
+              <a:rPr lang="en-US" b="1" dirty="0" smtClean="0"/>
+              <a:t> </a:t>
+            </a:r>
+            <a:r>
+              <a:rPr lang="en-US" b="1" dirty="0" err="1" smtClean="0"/>
+              <a:t>thác</a:t>
+            </a:r>
+            <a:r>
+              <a:rPr lang="en-US" b="1" dirty="0" smtClean="0"/>
+              <a:t> </a:t>
+            </a:r>
+            <a:r>
+              <a:rPr lang="en-US" b="1" dirty="0" err="1" smtClean="0"/>
+              <a:t>lỗ</a:t>
+            </a:r>
+            <a:r>
+              <a:rPr lang="en-US" b="1" dirty="0" smtClean="0"/>
+              <a:t> </a:t>
+            </a:r>
+            <a:r>
+              <a:rPr lang="en-US" b="1" dirty="0" err="1" smtClean="0"/>
+              <a:t>hổng</a:t>
+            </a:r>
+            <a:r>
+              <a:rPr lang="en-US" b="1" dirty="0"/>
+              <a:t> </a:t>
+            </a:r>
+            <a:r>
+              <a:rPr lang="en-US" b="1" dirty="0" smtClean="0"/>
+              <a:t>File upload</a:t>
+            </a:r>
           </a:p>
           <a:p>
             <a:pPr>
@@ -3532,6 +7541,479 @@
               <a:buChar char="-"/>
             </a:pPr>
             <a:r>
+              <a:rPr lang="en-US" dirty="0" smtClean="0"/>
+              <a:t>Upload </a:t>
+            </a:r>
+            <a:r>
+              <a:rPr lang="en-US" dirty="0"/>
+              <a:t>Scanner (Burp Suite extension</a:t>
+            </a:r>
+            <a:r>
+              <a:rPr lang="en-US" dirty="0" smtClean="0"/>
+              <a:t>)</a:t>
+            </a:r>
+          </a:p>
+          <a:p>
+            <a:pPr>
+              <a:buFontTx/>
+              <a:buChar char="-"/>
+            </a:pPr>
+            <a:r>
+              <a:rPr lang="en-US" dirty="0" err="1"/>
+              <a:t>WFUZZ</a:t>
+            </a:r>
+            <a:r>
+              <a:rPr lang="en-US" dirty="0"/>
+              <a:t> / </a:t>
+            </a:r>
+            <a:r>
+              <a:rPr lang="en-US" dirty="0" err="1" smtClean="0"/>
+              <a:t>FFUF</a:t>
+            </a:r>
+            <a:r>
+              <a:rPr lang="en-US" dirty="0" smtClean="0"/>
+              <a:t>: </a:t>
+            </a:r>
+            <a:r>
+              <a:rPr lang="vi-VN" dirty="0" smtClean="0"/>
+              <a:t>brute-force/fuzz </a:t>
+            </a:r>
+            <a:r>
+              <a:rPr lang="vi-VN" dirty="0"/>
+              <a:t>các tham số HTTP hoặc endpoint liên quan đến </a:t>
+            </a:r>
+            <a:r>
+              <a:rPr lang="vi-VN" dirty="0" smtClean="0"/>
+              <a:t>upload</a:t>
+            </a:r>
+            <a:r>
+              <a:rPr lang="en-US" dirty="0" smtClean="0"/>
+              <a:t>, </a:t>
+            </a:r>
+            <a:r>
+              <a:rPr lang="vi-VN" dirty="0" smtClean="0"/>
+              <a:t>phát </a:t>
+            </a:r>
+            <a:r>
+              <a:rPr lang="vi-VN" dirty="0"/>
+              <a:t>hiện endpoint ẩn như /upload, /file, /media</a:t>
+            </a:r>
+            <a:r>
+              <a:rPr lang="vi-VN" dirty="0" smtClean="0"/>
+              <a:t>,...</a:t>
+            </a:r>
+            <a:endParaRPr lang="en-US" dirty="0" smtClean="0"/>
+          </a:p>
+          <a:p>
+            <a:pPr>
+              <a:buFontTx/>
+              <a:buChar char="-"/>
+            </a:pPr>
+            <a:r>
+              <a:rPr lang="en-US" dirty="0" err="1"/>
+              <a:t>Metasploit</a:t>
+            </a:r>
+            <a:r>
+              <a:rPr lang="en-US" dirty="0"/>
+              <a:t>: </a:t>
+            </a:r>
+            <a:r>
+              <a:rPr lang="en-US" dirty="0" smtClean="0"/>
+              <a:t>exploit/</a:t>
+            </a:r>
+            <a:r>
+              <a:rPr lang="en-US" dirty="0" err="1" smtClean="0"/>
+              <a:t>unix</a:t>
+            </a:r>
+            <a:r>
+              <a:rPr lang="en-US" dirty="0" smtClean="0"/>
+              <a:t>/</a:t>
+            </a:r>
+            <a:r>
+              <a:rPr lang="en-US" dirty="0" err="1" smtClean="0"/>
+              <a:t>webapp</a:t>
+            </a:r>
+            <a:r>
+              <a:rPr lang="en-US" dirty="0" smtClean="0"/>
+              <a:t>/</a:t>
+            </a:r>
+            <a:r>
+              <a:rPr lang="en-US" dirty="0" err="1" smtClean="0"/>
+              <a:t>upload_exec</a:t>
+            </a:r>
+            <a:endParaRPr lang="en-US" dirty="0" smtClean="0"/>
+          </a:p>
+          <a:p>
+            <a:pPr>
+              <a:buFontTx/>
+              <a:buChar char="-"/>
+            </a:pPr>
+            <a:r>
+              <a:rPr lang="en-US" dirty="0" err="1" smtClean="0"/>
+              <a:t>Github</a:t>
+            </a:r>
+            <a:r>
+              <a:rPr lang="en-US" dirty="0"/>
+              <a:t> </a:t>
+            </a:r>
+            <a:r>
+              <a:rPr lang="en-US" dirty="0" smtClean="0"/>
+              <a:t>repo: </a:t>
+            </a:r>
+            <a:r>
+              <a:rPr lang="en-US" dirty="0" err="1" smtClean="0">
+                <a:hlinkClick r:id="rId2"/>
+              </a:rPr>
+              <a:t>PayloadsAlltheThings</a:t>
+            </a:r>
+            <a:r>
+              <a:rPr lang="en-US" dirty="0" smtClean="0"/>
+              <a:t> </a:t>
+            </a:r>
+            <a:endParaRPr lang="en-US" dirty="0"/>
+          </a:p>
+        </p:txBody>
+      </p:sp>
+    </p:spTree>
+    <p:extLst>
+      <p:ext uri="{BB962C8B-B14F-4D97-AF65-F5344CB8AC3E}">
+        <p14:creationId xmlns:p14="http://schemas.microsoft.com/office/powerpoint/2010/main" val="2999821164"/>
+      </p:ext>
+    </p:extLst>
+  </p:cSld>
+  <p:clrMapOvr>
+    <a:masterClrMapping/>
+  </p:clrMapOvr>
+  <p:timing>
+    <p:tnLst>
+      <p:par>
+        <p:cTn id="1" dur="indefinite" restart="never" nodeType="tmRoot"/>
+      </p:par>
+    </p:tnLst>
+  </p:timing>
+</p:sld>
+</file>
+
+<file path=ppt/slides/slide22.xml><?xml version="1.0" encoding="utf-8"?>
+<p:sld xmlns:a="http://schemas.openxmlformats.org/drawingml/2006/main" xmlns:r="http://schemas.openxmlformats.org/officeDocument/2006/relationships" xmlns:p="http://schemas.openxmlformats.org/presentationml/2006/main">
+  <p:cSld>
+    <p:spTree>
+      <p:nvGrpSpPr>
+        <p:cNvPr id="1" name=""/>
+        <p:cNvGrpSpPr/>
+        <p:nvPr/>
+      </p:nvGrpSpPr>
+      <p:grpSpPr>
+        <a:xfrm>
+          <a:off x="0" y="0"/>
+          <a:ext cx="0" cy="0"/>
+          <a:chOff x="0" y="0"/>
+          <a:chExt cx="0" cy="0"/>
+        </a:xfrm>
+      </p:grpSpPr>
+      <p:sp>
+        <p:nvSpPr>
+          <p:cNvPr id="2" name="Title 1"/>
+          <p:cNvSpPr>
+            <a:spLocks noGrp="1"/>
+          </p:cNvSpPr>
+          <p:nvPr>
+            <p:ph type="title"/>
+          </p:nvPr>
+        </p:nvSpPr>
+        <p:spPr>
+          <a:xfrm>
+            <a:off x="540488" y="163106"/>
+            <a:ext cx="10515600" cy="889517"/>
+          </a:xfrm>
+        </p:spPr>
+        <p:txBody>
+          <a:bodyPr/>
+          <a:lstStyle/>
+          <a:p>
+            <a:r>
+              <a:rPr lang="en-US" b="1" dirty="0" smtClean="0"/>
+              <a:t>6. Lab solution</a:t>
+            </a:r>
+            <a:endParaRPr lang="en-US" b="1" dirty="0"/>
+          </a:p>
+        </p:txBody>
+      </p:sp>
+      <p:sp>
+        <p:nvSpPr>
+          <p:cNvPr id="3" name="Content Placeholder 2"/>
+          <p:cNvSpPr>
+            <a:spLocks noGrp="1"/>
+          </p:cNvSpPr>
+          <p:nvPr>
+            <p:ph idx="1"/>
+          </p:nvPr>
+        </p:nvSpPr>
+        <p:spPr>
+          <a:xfrm>
+            <a:off x="554664" y="1052623"/>
+            <a:ext cx="10515600" cy="4351338"/>
+          </a:xfrm>
+        </p:spPr>
+        <p:txBody>
+          <a:bodyPr/>
+          <a:lstStyle/>
+          <a:p>
+            <a:pPr marL="0" indent="0">
+              <a:buNone/>
+            </a:pPr>
+            <a:r>
+              <a:rPr lang="en-US" b="1" dirty="0" smtClean="0"/>
+              <a:t>6.2. </a:t>
+            </a:r>
+            <a:r>
+              <a:rPr lang="en-US" b="1" dirty="0" err="1" smtClean="0"/>
+              <a:t>Một</a:t>
+            </a:r>
+            <a:r>
+              <a:rPr lang="en-US" b="1" dirty="0" smtClean="0"/>
+              <a:t> </a:t>
+            </a:r>
+            <a:r>
+              <a:rPr lang="en-US" b="1" dirty="0" err="1" smtClean="0"/>
+              <a:t>số</a:t>
+            </a:r>
+            <a:r>
+              <a:rPr lang="en-US" b="1" dirty="0" smtClean="0"/>
+              <a:t> tool, payload </a:t>
+            </a:r>
+            <a:r>
+              <a:rPr lang="en-US" b="1" dirty="0" err="1" smtClean="0"/>
+              <a:t>hỗ</a:t>
+            </a:r>
+            <a:r>
+              <a:rPr lang="en-US" b="1" dirty="0" smtClean="0"/>
+              <a:t> </a:t>
+            </a:r>
+            <a:r>
+              <a:rPr lang="en-US" b="1" dirty="0" err="1" smtClean="0"/>
+              <a:t>trợ</a:t>
+            </a:r>
+            <a:r>
+              <a:rPr lang="en-US" b="1" dirty="0" smtClean="0"/>
+              <a:t> </a:t>
+            </a:r>
+            <a:r>
+              <a:rPr lang="en-US" b="1" dirty="0" err="1" smtClean="0"/>
+              <a:t>khai</a:t>
+            </a:r>
+            <a:r>
+              <a:rPr lang="en-US" b="1" dirty="0" smtClean="0"/>
+              <a:t> </a:t>
+            </a:r>
+            <a:r>
+              <a:rPr lang="en-US" b="1" dirty="0" err="1" smtClean="0"/>
+              <a:t>thác</a:t>
+            </a:r>
+            <a:r>
+              <a:rPr lang="en-US" b="1" dirty="0" smtClean="0"/>
+              <a:t> </a:t>
+            </a:r>
+            <a:r>
+              <a:rPr lang="en-US" b="1" dirty="0" err="1" smtClean="0"/>
+              <a:t>lỗ</a:t>
+            </a:r>
+            <a:r>
+              <a:rPr lang="en-US" b="1" dirty="0" smtClean="0"/>
+              <a:t> </a:t>
+            </a:r>
+            <a:r>
+              <a:rPr lang="en-US" b="1" dirty="0" err="1" smtClean="0"/>
+              <a:t>hổng</a:t>
+            </a:r>
+            <a:r>
+              <a:rPr lang="en-US" b="1" dirty="0"/>
+              <a:t> </a:t>
+            </a:r>
+            <a:r>
+              <a:rPr lang="en-US" b="1" dirty="0" smtClean="0"/>
+              <a:t>File upload</a:t>
+            </a:r>
+          </a:p>
+          <a:p>
+            <a:pPr>
+              <a:buFontTx/>
+              <a:buChar char="-"/>
+            </a:pPr>
+            <a:endParaRPr lang="en-US" dirty="0"/>
+          </a:p>
+        </p:txBody>
+      </p:sp>
+      <p:pic>
+        <p:nvPicPr>
+          <p:cNvPr id="4" name="Picture 3"/>
+          <p:cNvPicPr>
+            <a:picLocks noChangeAspect="1"/>
+          </p:cNvPicPr>
+          <p:nvPr/>
+        </p:nvPicPr>
+        <p:blipFill>
+          <a:blip r:embed="rId2"/>
+          <a:stretch>
+            <a:fillRect/>
+          </a:stretch>
+        </p:blipFill>
+        <p:spPr>
+          <a:xfrm>
+            <a:off x="1469626" y="1638601"/>
+            <a:ext cx="9428745" cy="5064854"/>
+          </a:xfrm>
+          <a:prstGeom prst="rect">
+            <a:avLst/>
+          </a:prstGeom>
+        </p:spPr>
+      </p:pic>
+    </p:spTree>
+    <p:extLst>
+      <p:ext uri="{BB962C8B-B14F-4D97-AF65-F5344CB8AC3E}">
+        <p14:creationId xmlns:p14="http://schemas.microsoft.com/office/powerpoint/2010/main" val="268720687"/>
+      </p:ext>
+    </p:extLst>
+  </p:cSld>
+  <p:clrMapOvr>
+    <a:masterClrMapping/>
+  </p:clrMapOvr>
+  <p:timing>
+    <p:tnLst>
+      <p:par>
+        <p:cTn id="1" dur="indefinite" restart="never" nodeType="tmRoot"/>
+      </p:par>
+    </p:tnLst>
+  </p:timing>
+</p:sld>
+</file>
+
+<file path=ppt/slides/slide3.xml><?xml version="1.0" encoding="utf-8"?>
+<p:sld xmlns:a="http://schemas.openxmlformats.org/drawingml/2006/main" xmlns:r="http://schemas.openxmlformats.org/officeDocument/2006/relationships" xmlns:p="http://schemas.openxmlformats.org/presentationml/2006/main">
+  <p:cSld>
+    <p:spTree>
+      <p:nvGrpSpPr>
+        <p:cNvPr id="1" name=""/>
+        <p:cNvGrpSpPr/>
+        <p:nvPr/>
+      </p:nvGrpSpPr>
+      <p:grpSpPr>
+        <a:xfrm>
+          <a:off x="0" y="0"/>
+          <a:ext cx="0" cy="0"/>
+          <a:chOff x="0" y="0"/>
+          <a:chExt cx="0" cy="0"/>
+        </a:xfrm>
+      </p:grpSpPr>
+      <p:sp>
+        <p:nvSpPr>
+          <p:cNvPr id="2" name="Title 1"/>
+          <p:cNvSpPr>
+            <a:spLocks noGrp="1"/>
+          </p:cNvSpPr>
+          <p:nvPr>
+            <p:ph type="title"/>
+          </p:nvPr>
+        </p:nvSpPr>
+        <p:spPr>
+          <a:xfrm>
+            <a:off x="838200" y="216269"/>
+            <a:ext cx="10515600" cy="591805"/>
+          </a:xfrm>
+        </p:spPr>
+        <p:txBody>
+          <a:bodyPr>
+            <a:normAutofit fontScale="90000"/>
+          </a:bodyPr>
+          <a:lstStyle/>
+          <a:p>
+            <a:r>
+              <a:rPr lang="en-US" sz="4000" b="1" dirty="0" smtClean="0"/>
+              <a:t>1. </a:t>
+            </a:r>
+            <a:r>
+              <a:rPr lang="en-US" sz="4000" b="1" dirty="0" err="1" smtClean="0"/>
+              <a:t>Lỗ</a:t>
+            </a:r>
+            <a:r>
+              <a:rPr lang="en-US" sz="4000" b="1" dirty="0" smtClean="0"/>
+              <a:t> </a:t>
+            </a:r>
+            <a:r>
+              <a:rPr lang="en-US" sz="4000" b="1" dirty="0" err="1" smtClean="0"/>
+              <a:t>hổng</a:t>
+            </a:r>
+            <a:r>
+              <a:rPr lang="en-US" sz="4000" b="1" dirty="0" smtClean="0"/>
+              <a:t> file upload </a:t>
+            </a:r>
+            <a:r>
+              <a:rPr lang="en-US" sz="4000" b="1" dirty="0" err="1" smtClean="0"/>
+              <a:t>là</a:t>
+            </a:r>
+            <a:r>
+              <a:rPr lang="en-US" sz="4000" b="1" dirty="0" smtClean="0"/>
+              <a:t> </a:t>
+            </a:r>
+            <a:r>
+              <a:rPr lang="en-US" sz="4000" b="1" dirty="0" err="1" smtClean="0"/>
+              <a:t>gì</a:t>
+            </a:r>
+            <a:r>
+              <a:rPr lang="en-US" sz="4000" b="1" dirty="0" smtClean="0"/>
+              <a:t>?</a:t>
+            </a:r>
+            <a:endParaRPr lang="en-US" sz="4000" b="1" dirty="0"/>
+          </a:p>
+        </p:txBody>
+      </p:sp>
+      <p:sp>
+        <p:nvSpPr>
+          <p:cNvPr id="3" name="Content Placeholder 2"/>
+          <p:cNvSpPr>
+            <a:spLocks noGrp="1"/>
+          </p:cNvSpPr>
+          <p:nvPr>
+            <p:ph idx="1"/>
+          </p:nvPr>
+        </p:nvSpPr>
+        <p:spPr>
+          <a:xfrm>
+            <a:off x="838200" y="808074"/>
+            <a:ext cx="10515600" cy="4351338"/>
+          </a:xfrm>
+        </p:spPr>
+        <p:txBody>
+          <a:bodyPr/>
+          <a:lstStyle/>
+          <a:p>
+            <a:pPr marL="0" indent="0">
+              <a:buNone/>
+            </a:pPr>
+            <a:r>
+              <a:rPr lang="en-US" dirty="0" smtClean="0"/>
+              <a:t>1.1. </a:t>
+            </a:r>
+            <a:r>
+              <a:rPr lang="en-US" dirty="0" err="1" smtClean="0"/>
+              <a:t>Khái</a:t>
+            </a:r>
+            <a:r>
+              <a:rPr lang="en-US" dirty="0" smtClean="0"/>
+              <a:t> </a:t>
+            </a:r>
+            <a:r>
+              <a:rPr lang="en-US" dirty="0" err="1" smtClean="0"/>
+              <a:t>niệm</a:t>
+            </a:r>
+            <a:endParaRPr lang="en-US" dirty="0"/>
+          </a:p>
+          <a:p>
+            <a:pPr>
+              <a:buFontTx/>
+              <a:buChar char="-"/>
+            </a:pPr>
+            <a:r>
               <a:rPr lang="en-US" dirty="0" err="1" smtClean="0"/>
               <a:t>Lỗ</a:t>
             </a:r>
@@ -3936,6 +8418,30 @@
           </a:p>
         </p:txBody>
       </p:sp>
+      <p:pic>
+        <p:nvPicPr>
+          <p:cNvPr id="4" name="Picture 3"/>
+          <p:cNvPicPr>
+            <a:picLocks noChangeAspect="1"/>
+          </p:cNvPicPr>
+          <p:nvPr/>
+        </p:nvPicPr>
+        <p:blipFill>
+          <a:blip r:embed="rId2"/>
+          <a:stretch>
+            <a:fillRect/>
+          </a:stretch>
+        </p:blipFill>
+        <p:spPr>
+          <a:xfrm>
+            <a:off x="6360849" y="2475068"/>
+            <a:ext cx="5354458" cy="3843342"/>
+          </a:xfrm>
+          <a:prstGeom prst="rect">
+            <a:avLst/>
+          </a:prstGeom>
+        </p:spPr>
+      </p:pic>
     </p:spTree>
     <p:extLst>
       <p:ext uri="{BB962C8B-B14F-4D97-AF65-F5344CB8AC3E}">
@@ -4516,6 +9022,154 @@
               <a:rPr lang="en-US" dirty="0" smtClean="0"/>
               <a:t>,… </a:t>
             </a:r>
+            <a:endParaRPr lang="en-US" dirty="0" smtClean="0"/>
+          </a:p>
+          <a:p>
+            <a:pPr>
+              <a:buFontTx/>
+              <a:buChar char="-"/>
+            </a:pPr>
+            <a:r>
+              <a:rPr lang="en-US" dirty="0" smtClean="0"/>
+              <a:t>Upload </a:t>
+            </a:r>
+            <a:r>
+              <a:rPr lang="en-US" dirty="0" err="1" smtClean="0"/>
+              <a:t>webshell</a:t>
+            </a:r>
+            <a:r>
+              <a:rPr lang="en-US" dirty="0" smtClean="0"/>
+              <a:t> </a:t>
+            </a:r>
+            <a:r>
+              <a:rPr lang="en-US" dirty="0" err="1" smtClean="0"/>
+              <a:t>thành</a:t>
+            </a:r>
+            <a:r>
+              <a:rPr lang="en-US" dirty="0" smtClean="0"/>
+              <a:t> </a:t>
+            </a:r>
+            <a:r>
+              <a:rPr lang="en-US" dirty="0" err="1" smtClean="0"/>
+              <a:t>công</a:t>
+            </a:r>
+            <a:r>
+              <a:rPr lang="en-US" dirty="0" smtClean="0"/>
+              <a:t> </a:t>
+            </a:r>
+            <a:r>
+              <a:rPr lang="en-US" dirty="0" err="1" smtClean="0"/>
+              <a:t>là</a:t>
+            </a:r>
+            <a:r>
+              <a:rPr lang="en-US" dirty="0" smtClean="0"/>
+              <a:t> </a:t>
+            </a:r>
+            <a:r>
+              <a:rPr lang="en-US" dirty="0" err="1" smtClean="0"/>
+              <a:t>một</a:t>
+            </a:r>
+            <a:r>
+              <a:rPr lang="en-US" dirty="0" smtClean="0"/>
+              <a:t> </a:t>
+            </a:r>
+            <a:r>
+              <a:rPr lang="en-US" dirty="0" err="1" smtClean="0"/>
+              <a:t>trong</a:t>
+            </a:r>
+            <a:r>
+              <a:rPr lang="en-US" dirty="0"/>
+              <a:t> </a:t>
+            </a:r>
+            <a:r>
+              <a:rPr lang="en-US" dirty="0" err="1" smtClean="0"/>
+              <a:t>những</a:t>
+            </a:r>
+            <a:r>
+              <a:rPr lang="en-US" dirty="0" smtClean="0"/>
+              <a:t> </a:t>
+            </a:r>
+            <a:r>
+              <a:rPr lang="en-US" dirty="0" err="1" smtClean="0"/>
+              <a:t>mục</a:t>
+            </a:r>
+            <a:r>
+              <a:rPr lang="en-US" dirty="0" smtClean="0"/>
+              <a:t> </a:t>
+            </a:r>
+            <a:r>
+              <a:rPr lang="en-US" dirty="0" err="1" smtClean="0"/>
+              <a:t>tiêu</a:t>
+            </a:r>
+            <a:r>
+              <a:rPr lang="en-US" dirty="0" smtClean="0"/>
+              <a:t> </a:t>
+            </a:r>
+            <a:r>
+              <a:rPr lang="en-US" dirty="0" err="1" smtClean="0"/>
+              <a:t>quan</a:t>
+            </a:r>
+            <a:r>
+              <a:rPr lang="en-US" dirty="0" smtClean="0"/>
+              <a:t> </a:t>
+            </a:r>
+            <a:r>
+              <a:rPr lang="en-US" dirty="0" err="1" smtClean="0"/>
+              <a:t>trọng</a:t>
+            </a:r>
+            <a:r>
+              <a:rPr lang="en-US" dirty="0" smtClean="0"/>
+              <a:t> </a:t>
+            </a:r>
+            <a:r>
+              <a:rPr lang="en-US" dirty="0" err="1" smtClean="0"/>
+              <a:t>của</a:t>
+            </a:r>
+            <a:r>
+              <a:rPr lang="en-US" dirty="0" smtClean="0"/>
+              <a:t> </a:t>
+            </a:r>
+            <a:r>
+              <a:rPr lang="en-US" dirty="0" err="1" smtClean="0"/>
+              <a:t>việc</a:t>
+            </a:r>
+            <a:r>
+              <a:rPr lang="en-US" dirty="0" smtClean="0"/>
+              <a:t> </a:t>
+            </a:r>
+            <a:r>
+              <a:rPr lang="en-US" dirty="0" err="1" smtClean="0"/>
+              <a:t>khai</a:t>
+            </a:r>
+            <a:r>
+              <a:rPr lang="en-US" dirty="0" smtClean="0"/>
+              <a:t> </a:t>
+            </a:r>
+            <a:r>
+              <a:rPr lang="en-US" dirty="0" err="1" smtClean="0"/>
+              <a:t>thác</a:t>
+            </a:r>
+            <a:r>
+              <a:rPr lang="en-US" dirty="0" smtClean="0"/>
+              <a:t> </a:t>
+            </a:r>
+            <a:r>
+              <a:rPr lang="en-US" dirty="0" err="1" smtClean="0"/>
+              <a:t>lỗ</a:t>
+            </a:r>
+            <a:r>
+              <a:rPr lang="en-US" dirty="0" smtClean="0"/>
+              <a:t> </a:t>
+            </a:r>
+            <a:r>
+              <a:rPr lang="en-US" dirty="0" err="1" smtClean="0"/>
+              <a:t>hổng</a:t>
+            </a:r>
+            <a:r>
+              <a:rPr lang="en-US" dirty="0" smtClean="0"/>
+              <a:t> upload file</a:t>
+            </a:r>
+            <a:endParaRPr lang="en-US" dirty="0" smtClean="0"/>
           </a:p>
         </p:txBody>
       </p:sp>
@@ -4599,7 +9253,90 @@
           <a:bodyPr/>
           <a:lstStyle/>
           <a:p>
-            <a:endParaRPr lang="en-US"/>
+            <a:pPr marL="0" indent="0">
+              <a:lnSpc>
+                <a:spcPct val="150000"/>
+              </a:lnSpc>
+              <a:buNone/>
+            </a:pPr>
+            <a:r>
+              <a:rPr lang="en-US" dirty="0" smtClean="0"/>
+              <a:t>L</a:t>
+            </a:r>
+            <a:r>
+              <a:rPr lang="vi-VN" dirty="0" smtClean="0"/>
+              <a:t>ỗ </a:t>
+            </a:r>
+            <a:r>
+              <a:rPr lang="vi-VN" dirty="0"/>
+              <a:t>hổng xảy ra khi ứng dụng cho phép người dùng tải file lên mà không kiểm soát chặt về</a:t>
+            </a:r>
+            <a:r>
+              <a:rPr lang="vi-VN" dirty="0" smtClean="0"/>
+              <a:t>:</a:t>
+            </a:r>
+            <a:endParaRPr lang="vi-VN" dirty="0"/>
+          </a:p>
+          <a:p>
+            <a:pPr lvl="1">
+              <a:lnSpc>
+                <a:spcPct val="150000"/>
+              </a:lnSpc>
+            </a:pPr>
+            <a:r>
+              <a:rPr lang="vi-VN" dirty="0" smtClean="0"/>
+              <a:t>Định </a:t>
+            </a:r>
+            <a:r>
+              <a:rPr lang="vi-VN" dirty="0"/>
+              <a:t>dạng (extension)</a:t>
+            </a:r>
+          </a:p>
+          <a:p>
+            <a:pPr lvl="1">
+              <a:lnSpc>
+                <a:spcPct val="150000"/>
+              </a:lnSpc>
+            </a:pPr>
+            <a:r>
+              <a:rPr lang="vi-VN" dirty="0" smtClean="0"/>
+              <a:t>Loại </a:t>
+            </a:r>
+            <a:r>
+              <a:rPr lang="vi-VN" dirty="0"/>
+              <a:t>nội dung (MIME type)</a:t>
+            </a:r>
+          </a:p>
+          <a:p>
+            <a:pPr lvl="1">
+              <a:lnSpc>
+                <a:spcPct val="150000"/>
+              </a:lnSpc>
+            </a:pPr>
+            <a:r>
+              <a:rPr lang="vi-VN" dirty="0" smtClean="0"/>
+              <a:t>Vị </a:t>
+            </a:r>
+            <a:r>
+              <a:rPr lang="vi-VN" dirty="0"/>
+              <a:t>trí lưu trữ file</a:t>
+            </a:r>
+          </a:p>
+          <a:p>
+            <a:pPr lvl="1">
+              <a:lnSpc>
+                <a:spcPct val="150000"/>
+              </a:lnSpc>
+            </a:pPr>
+            <a:r>
+              <a:rPr lang="vi-VN" dirty="0" smtClean="0"/>
+              <a:t>Quyền </a:t>
+            </a:r>
+            <a:r>
+              <a:rPr lang="vi-VN" dirty="0"/>
+              <a:t>thực thi của file</a:t>
+            </a:r>
+            <a:endParaRPr lang="en-US" dirty="0"/>
           </a:p>
         </p:txBody>
       </p:sp>
@@ -5350,20 +10087,1024 @@
       </p:sp>
       <p:sp>
         <p:nvSpPr>
-          <p:cNvPr id="3" name="Content Placeholder 2"/>
+          <p:cNvPr id="5" name="Rectangle 2"/>
           <p:cNvSpPr>
-            <a:spLocks noGrp="1"/>
+            <a:spLocks noGrp="1" noChangeArrowheads="1"/>
           </p:cNvSpPr>
           <p:nvPr>
             <p:ph idx="1"/>
           </p:nvPr>
         </p:nvSpPr>
-        <p:spPr/>
+        <p:spPr bwMode="auto">
+          <a:xfrm>
+            <a:off x="1295400" y="1936909"/>
+            <a:ext cx="8273902" cy="3146955"/>
+          </a:xfrm>
+          <a:prstGeom prst="rect">
+            <a:avLst/>
+          </a:prstGeom>
+          <a:solidFill>
+            <a:srgbClr val="F8F8F8"/>
+          </a:solidFill>
+          <a:ln>
+            <a:noFill/>
+          </a:ln>
+          <a:effectLst/>
+          <a:extLst>
+            <a:ext uri="{91240B29-F687-4F45-9708-019B960494DF}">
+              <a14:hiddenLine xmlns:a14="http://schemas.microsoft.com/office/drawing/2010/main" w="9525">
+                <a:solidFill>
+                  <a:schemeClr val="tx1"/>
+                </a:solidFill>
+                <a:miter lim="800000"/>
+                <a:headEnd/>
+                <a:tailEnd/>
+              </a14:hiddenLine>
+            </a:ext>
+            <a:ext uri="{AF507438-7753-43E0-B8FC-AC1667EBCBE1}">
+              <a14:hiddenEffects xmlns:a14="http://schemas.microsoft.com/office/drawing/2010/main">
+                <a:effectLst>
+                  <a:outerShdw dist="35921" dir="2700000" algn="ctr" rotWithShape="0">
+                    <a:schemeClr val="bg2"/>
+                  </a:outerShdw>
+                </a:effectLst>
+              </a14:hiddenEffects>
+            </a:ext>
+          </a:extLst>
+        </p:spPr>
         <p:txBody>
-          <a:bodyPr/>
-          <a:lstStyle/>
-          <a:p>
-            <a:endParaRPr lang="en-US" dirty="0"/>
+          <a:bodyPr vert="horz" wrap="square" lIns="0" tIns="95220" rIns="0" bIns="95220" numCol="1" anchor="ctr" anchorCtr="0" compatLnSpc="1">
+            <a:prstTxWarp prst="textNoShape">
+              <a:avLst/>
+            </a:prstTxWarp>
+            <a:spAutoFit/>
+          </a:bodyPr>
+          <a:lstStyle>
+            <a:lvl1pPr eaLnBrk="0" fontAlgn="base" hangingPunct="0">
+              <a:spcBef>
+                <a:spcPct val="0"/>
+              </a:spcBef>
+              <a:spcAft>
+                <a:spcPct val="0"/>
+              </a:spcAft>
+              <a:defRPr>
+                <a:solidFill>
+                  <a:schemeClr val="tx1"/>
+                </a:solidFill>
+                <a:latin typeface="Arial" panose="020B0604020202020204" pitchFamily="34" charset="0"/>
+              </a:defRPr>
+            </a:lvl1pPr>
+            <a:lvl2pPr eaLnBrk="0" fontAlgn="base" hangingPunct="0">
+              <a:spcBef>
+                <a:spcPct val="0"/>
+              </a:spcBef>
+              <a:spcAft>
+                <a:spcPct val="0"/>
+              </a:spcAft>
+              <a:defRPr>
+                <a:solidFill>
+                  <a:schemeClr val="tx1"/>
+                </a:solidFill>
+                <a:latin typeface="Arial" panose="020B0604020202020204" pitchFamily="34" charset="0"/>
+              </a:defRPr>
+            </a:lvl2pPr>
+            <a:lvl3pPr eaLnBrk="0" fontAlgn="base" hangingPunct="0">
+              <a:spcBef>
+                <a:spcPct val="0"/>
+              </a:spcBef>
+              <a:spcAft>
+                <a:spcPct val="0"/>
+              </a:spcAft>
+              <a:defRPr>
+                <a:solidFill>
+                  <a:schemeClr val="tx1"/>
+                </a:solidFill>
+                <a:latin typeface="Arial" panose="020B0604020202020204" pitchFamily="34" charset="0"/>
+              </a:defRPr>
+            </a:lvl3pPr>
+            <a:lvl4pPr eaLnBrk="0" fontAlgn="base" hangingPunct="0">
+              <a:spcBef>
+                <a:spcPct val="0"/>
+              </a:spcBef>
+              <a:spcAft>
+                <a:spcPct val="0"/>
+              </a:spcAft>
+              <a:defRPr>
+                <a:solidFill>
+                  <a:schemeClr val="tx1"/>
+                </a:solidFill>
+                <a:latin typeface="Arial" panose="020B0604020202020204" pitchFamily="34" charset="0"/>
+              </a:defRPr>
+            </a:lvl4pPr>
+            <a:lvl5pPr eaLnBrk="0" fontAlgn="base" hangingPunct="0">
+              <a:spcBef>
+                <a:spcPct val="0"/>
+              </a:spcBef>
+              <a:spcAft>
+                <a:spcPct val="0"/>
+              </a:spcAft>
+              <a:defRPr>
+                <a:solidFill>
+                  <a:schemeClr val="tx1"/>
+                </a:solidFill>
+                <a:latin typeface="Arial" panose="020B0604020202020204" pitchFamily="34" charset="0"/>
+              </a:defRPr>
+            </a:lvl5pPr>
+            <a:lvl6pPr eaLnBrk="0" fontAlgn="base" hangingPunct="0">
+              <a:spcBef>
+                <a:spcPct val="0"/>
+              </a:spcBef>
+              <a:spcAft>
+                <a:spcPct val="0"/>
+              </a:spcAft>
+              <a:defRPr>
+                <a:solidFill>
+                  <a:schemeClr val="tx1"/>
+                </a:solidFill>
+                <a:latin typeface="Arial" panose="020B0604020202020204" pitchFamily="34" charset="0"/>
+              </a:defRPr>
+            </a:lvl6pPr>
+            <a:lvl7pPr eaLnBrk="0" fontAlgn="base" hangingPunct="0">
+              <a:spcBef>
+                <a:spcPct val="0"/>
+              </a:spcBef>
+              <a:spcAft>
+                <a:spcPct val="0"/>
+              </a:spcAft>
+              <a:defRPr>
+                <a:solidFill>
+                  <a:schemeClr val="tx1"/>
+                </a:solidFill>
+                <a:latin typeface="Arial" panose="020B0604020202020204" pitchFamily="34" charset="0"/>
+              </a:defRPr>
+            </a:lvl7pPr>
+            <a:lvl8pPr eaLnBrk="0" fontAlgn="base" hangingPunct="0">
+              <a:spcBef>
+                <a:spcPct val="0"/>
+              </a:spcBef>
+              <a:spcAft>
+                <a:spcPct val="0"/>
+              </a:spcAft>
+              <a:defRPr>
+                <a:solidFill>
+                  <a:schemeClr val="tx1"/>
+                </a:solidFill>
+                <a:latin typeface="Arial" panose="020B0604020202020204" pitchFamily="34" charset="0"/>
+              </a:defRPr>
+            </a:lvl8pPr>
+            <a:lvl9pPr eaLnBrk="0" fontAlgn="base" hangingPunct="0">
+              <a:spcBef>
+                <a:spcPct val="0"/>
+              </a:spcBef>
+              <a:spcAft>
+                <a:spcPct val="0"/>
+              </a:spcAft>
+              <a:defRPr>
+                <a:solidFill>
+                  <a:schemeClr val="tx1"/>
+                </a:solidFill>
+                <a:latin typeface="Arial" panose="020B0604020202020204" pitchFamily="34" charset="0"/>
+              </a:defRPr>
+            </a:lvl9pPr>
+          </a:lstStyle>
+          <a:p>
+            <a:pPr marL="0" marR="0" lvl="0" indent="0" algn="l" defTabSz="914400" rtl="0" eaLnBrk="0" fontAlgn="base" latinLnBrk="0" hangingPunct="0">
+              <a:lnSpc>
+                <a:spcPct val="100000"/>
+              </a:lnSpc>
+              <a:spcBef>
+                <a:spcPct val="0"/>
+              </a:spcBef>
+              <a:spcAft>
+                <a:spcPct val="0"/>
+              </a:spcAft>
+              <a:buClrTx/>
+              <a:buSzTx/>
+              <a:buNone/>
+              <a:tabLst/>
+            </a:pPr>
+            <a:r>
+              <a:rPr kumimoji="0" lang="en-US" altLang="en-US" sz="3200" b="1" i="0" u="none" strike="noStrike" cap="none" normalizeH="0" baseline="0" dirty="0" smtClean="0">
+                <a:ln>
+                  <a:noFill/>
+                </a:ln>
+                <a:solidFill>
+                  <a:srgbClr val="333333"/>
+                </a:solidFill>
+                <a:effectLst/>
+                <a:latin typeface="Open Sans"/>
+              </a:rPr>
+              <a:t>4.1. Unrestricted File Upload</a:t>
+            </a:r>
+            <a:endParaRPr kumimoji="0" lang="en-US" altLang="en-US" sz="3200" b="0" i="0" u="none" strike="noStrike" cap="none" normalizeH="0" baseline="0" dirty="0" smtClean="0">
+              <a:ln>
+                <a:noFill/>
+              </a:ln>
+              <a:solidFill>
+                <a:srgbClr val="333333"/>
+              </a:solidFill>
+              <a:effectLst/>
+              <a:latin typeface="Open Sans"/>
+            </a:endParaRPr>
+          </a:p>
+          <a:p>
+            <a:pPr marL="0" marR="0" lvl="0" indent="0" algn="l" defTabSz="914400" rtl="0" eaLnBrk="0" fontAlgn="base" latinLnBrk="0" hangingPunct="0">
+              <a:lnSpc>
+                <a:spcPct val="100000"/>
+              </a:lnSpc>
+              <a:spcBef>
+                <a:spcPct val="0"/>
+              </a:spcBef>
+              <a:spcAft>
+                <a:spcPct val="0"/>
+              </a:spcAft>
+              <a:buClrTx/>
+              <a:buSzTx/>
+              <a:buFontTx/>
+              <a:buNone/>
+              <a:tabLst/>
+            </a:pPr>
+            <a:r>
+              <a:rPr kumimoji="0" lang="en-US" altLang="en-US" sz="3200" b="0" i="0" u="none" strike="noStrike" cap="none" normalizeH="0" baseline="0" dirty="0" smtClean="0">
+                <a:ln>
+                  <a:noFill/>
+                </a:ln>
+                <a:solidFill>
+                  <a:srgbClr val="333333"/>
+                </a:solidFill>
+                <a:effectLst/>
+                <a:latin typeface="Open Sans"/>
+              </a:rPr>
+              <a:t>- Server</a:t>
+            </a:r>
+            <a:r>
+              <a:rPr kumimoji="0" lang="en-US" altLang="en-US" sz="3200" b="0" i="0" u="none" strike="noStrike" cap="none" normalizeH="0" dirty="0" smtClean="0">
+                <a:ln>
+                  <a:noFill/>
+                </a:ln>
+                <a:solidFill>
+                  <a:srgbClr val="333333"/>
+                </a:solidFill>
+                <a:effectLst/>
+                <a:latin typeface="Open Sans"/>
+              </a:rPr>
+              <a:t> </a:t>
+            </a:r>
+            <a:r>
+              <a:rPr lang="en-US" altLang="en-US" sz="3200" dirty="0" err="1" smtClean="0">
+                <a:solidFill>
+                  <a:srgbClr val="333333"/>
+                </a:solidFill>
+                <a:latin typeface="Open Sans"/>
+              </a:rPr>
+              <a:t>c</a:t>
+            </a:r>
+            <a:r>
+              <a:rPr kumimoji="0" lang="en-US" altLang="en-US" sz="3200" b="0" i="0" u="none" strike="noStrike" cap="none" normalizeH="0" baseline="0" dirty="0" err="1" smtClean="0">
+                <a:ln>
+                  <a:noFill/>
+                </a:ln>
+                <a:solidFill>
+                  <a:srgbClr val="333333"/>
+                </a:solidFill>
+                <a:effectLst/>
+                <a:latin typeface="Open Sans"/>
+              </a:rPr>
+              <a:t>ho</a:t>
+            </a:r>
+            <a:r>
+              <a:rPr kumimoji="0" lang="en-US" altLang="en-US" sz="3200" b="0" i="0" u="none" strike="noStrike" cap="none" normalizeH="0" baseline="0" dirty="0" smtClean="0">
+                <a:ln>
+                  <a:noFill/>
+                </a:ln>
+                <a:solidFill>
+                  <a:srgbClr val="333333"/>
+                </a:solidFill>
+                <a:effectLst/>
+                <a:latin typeface="Open Sans"/>
+              </a:rPr>
+              <a:t> </a:t>
+            </a:r>
+            <a:r>
+              <a:rPr kumimoji="0" lang="en-US" altLang="en-US" sz="3200" b="0" i="0" u="none" strike="noStrike" cap="none" normalizeH="0" baseline="0" dirty="0" err="1" smtClean="0">
+                <a:ln>
+                  <a:noFill/>
+                </a:ln>
+                <a:solidFill>
+                  <a:srgbClr val="333333"/>
+                </a:solidFill>
+                <a:effectLst/>
+                <a:latin typeface="Open Sans"/>
+              </a:rPr>
+              <a:t>phép</a:t>
+            </a:r>
+            <a:r>
+              <a:rPr kumimoji="0" lang="en-US" altLang="en-US" sz="3200" b="0" i="0" u="none" strike="noStrike" cap="none" normalizeH="0" baseline="0" dirty="0" smtClean="0">
+                <a:ln>
+                  <a:noFill/>
+                </a:ln>
+                <a:solidFill>
+                  <a:srgbClr val="333333"/>
+                </a:solidFill>
+                <a:effectLst/>
+                <a:latin typeface="Open Sans"/>
+              </a:rPr>
+              <a:t> upload file </a:t>
+            </a:r>
+            <a:r>
+              <a:rPr kumimoji="0" lang="en-US" altLang="en-US" sz="3200" b="0" i="0" u="none" strike="noStrike" cap="none" normalizeH="0" baseline="0" dirty="0" smtClean="0">
+                <a:ln>
+                  <a:noFill/>
+                </a:ln>
+                <a:solidFill>
+                  <a:srgbClr val="333333"/>
+                </a:solidFill>
+                <a:effectLst/>
+                <a:latin typeface="var(--monospace)"/>
+              </a:rPr>
+              <a:t>.</a:t>
+            </a:r>
+            <a:r>
+              <a:rPr kumimoji="0" lang="en-US" altLang="en-US" sz="3200" b="0" i="0" u="none" strike="noStrike" cap="none" normalizeH="0" baseline="0" dirty="0" err="1" smtClean="0">
+                <a:ln>
+                  <a:noFill/>
+                </a:ln>
+                <a:solidFill>
+                  <a:srgbClr val="333333"/>
+                </a:solidFill>
+                <a:effectLst/>
+                <a:latin typeface="var(--monospace)"/>
+              </a:rPr>
+              <a:t>php</a:t>
+            </a:r>
+            <a:r>
+              <a:rPr kumimoji="0" lang="en-US" altLang="en-US" sz="3200" b="0" i="0" u="none" strike="noStrike" cap="none" normalizeH="0" baseline="0" dirty="0" smtClean="0">
+                <a:ln>
+                  <a:noFill/>
+                </a:ln>
+                <a:solidFill>
+                  <a:srgbClr val="333333"/>
+                </a:solidFill>
+                <a:effectLst/>
+                <a:latin typeface="Open Sans"/>
+              </a:rPr>
+              <a:t> </a:t>
+            </a:r>
+            <a:r>
+              <a:rPr kumimoji="0" lang="en-US" altLang="en-US" sz="3200" b="0" i="0" u="none" strike="noStrike" cap="none" normalizeH="0" baseline="0" dirty="0" err="1" smtClean="0">
+                <a:ln>
+                  <a:noFill/>
+                </a:ln>
+                <a:solidFill>
+                  <a:srgbClr val="333333"/>
+                </a:solidFill>
+                <a:effectLst/>
+                <a:latin typeface="Open Sans"/>
+              </a:rPr>
+              <a:t>bình</a:t>
+            </a:r>
+            <a:r>
+              <a:rPr kumimoji="0" lang="en-US" altLang="en-US" sz="3200" b="0" i="0" u="none" strike="noStrike" cap="none" normalizeH="0" baseline="0" dirty="0" smtClean="0">
+                <a:ln>
+                  <a:noFill/>
+                </a:ln>
+                <a:solidFill>
+                  <a:srgbClr val="333333"/>
+                </a:solidFill>
+                <a:effectLst/>
+                <a:latin typeface="Open Sans"/>
+              </a:rPr>
+              <a:t> </a:t>
+            </a:r>
+            <a:r>
+              <a:rPr kumimoji="0" lang="en-US" altLang="en-US" sz="3200" b="0" i="0" u="none" strike="noStrike" cap="none" normalizeH="0" baseline="0" dirty="0" err="1" smtClean="0">
+                <a:ln>
+                  <a:noFill/>
+                </a:ln>
+                <a:solidFill>
+                  <a:srgbClr val="333333"/>
+                </a:solidFill>
+                <a:effectLst/>
+                <a:latin typeface="Open Sans"/>
+              </a:rPr>
+              <a:t>thường</a:t>
+            </a:r>
+            <a:r>
+              <a:rPr lang="en-US" altLang="en-US" sz="3200" dirty="0" smtClean="0">
+                <a:solidFill>
+                  <a:srgbClr val="333333"/>
+                </a:solidFill>
+                <a:latin typeface="Open Sans"/>
+              </a:rPr>
+              <a:t> </a:t>
+            </a:r>
+            <a:r>
+              <a:rPr lang="en-US" altLang="en-US" sz="3200" dirty="0" smtClean="0">
+                <a:solidFill>
+                  <a:srgbClr val="333333"/>
+                </a:solidFill>
+                <a:latin typeface="Open Sans"/>
+                <a:sym typeface="Wingdings" panose="05000000000000000000" pitchFamily="2" charset="2"/>
+              </a:rPr>
+              <a:t> </a:t>
+            </a:r>
+            <a:r>
+              <a:rPr lang="en-US" altLang="en-US" sz="3200" dirty="0" err="1" smtClean="0">
+                <a:solidFill>
+                  <a:srgbClr val="333333"/>
+                </a:solidFill>
+                <a:latin typeface="Open Sans"/>
+                <a:sym typeface="Wingdings" panose="05000000000000000000" pitchFamily="2" charset="2"/>
+              </a:rPr>
+              <a:t>có</a:t>
+            </a:r>
+            <a:r>
+              <a:rPr lang="en-US" altLang="en-US" sz="3200" dirty="0" smtClean="0">
+                <a:solidFill>
+                  <a:srgbClr val="333333"/>
+                </a:solidFill>
+                <a:latin typeface="Open Sans"/>
+                <a:sym typeface="Wingdings" panose="05000000000000000000" pitchFamily="2" charset="2"/>
+              </a:rPr>
+              <a:t> </a:t>
+            </a:r>
+            <a:r>
+              <a:rPr lang="en-US" altLang="en-US" sz="3200" dirty="0" err="1" smtClean="0">
+                <a:solidFill>
+                  <a:srgbClr val="333333"/>
+                </a:solidFill>
+                <a:latin typeface="Open Sans"/>
+                <a:sym typeface="Wingdings" panose="05000000000000000000" pitchFamily="2" charset="2"/>
+              </a:rPr>
+              <a:t>thể</a:t>
+            </a:r>
+            <a:r>
+              <a:rPr lang="en-US" altLang="en-US" sz="3200" dirty="0" smtClean="0">
+                <a:solidFill>
+                  <a:srgbClr val="333333"/>
+                </a:solidFill>
+                <a:latin typeface="Open Sans"/>
+                <a:sym typeface="Wingdings" panose="05000000000000000000" pitchFamily="2" charset="2"/>
+              </a:rPr>
+              <a:t> </a:t>
+            </a:r>
+            <a:r>
+              <a:rPr lang="en-US" altLang="en-US" sz="3200" dirty="0" err="1" smtClean="0">
+                <a:solidFill>
+                  <a:srgbClr val="333333"/>
+                </a:solidFill>
+                <a:latin typeface="Open Sans"/>
+                <a:sym typeface="Wingdings" panose="05000000000000000000" pitchFamily="2" charset="2"/>
+              </a:rPr>
+              <a:t>khai</a:t>
+            </a:r>
+            <a:r>
+              <a:rPr lang="en-US" altLang="en-US" sz="3200" dirty="0" smtClean="0">
+                <a:solidFill>
+                  <a:srgbClr val="333333"/>
+                </a:solidFill>
+                <a:latin typeface="Open Sans"/>
+                <a:sym typeface="Wingdings" panose="05000000000000000000" pitchFamily="2" charset="2"/>
+              </a:rPr>
+              <a:t> </a:t>
+            </a:r>
+            <a:r>
+              <a:rPr lang="en-US" altLang="en-US" sz="3200" dirty="0" err="1" smtClean="0">
+                <a:solidFill>
+                  <a:srgbClr val="333333"/>
+                </a:solidFill>
+                <a:latin typeface="Open Sans"/>
+                <a:sym typeface="Wingdings" panose="05000000000000000000" pitchFamily="2" charset="2"/>
+              </a:rPr>
+              <a:t>thác</a:t>
+            </a:r>
+            <a:r>
+              <a:rPr lang="en-US" altLang="en-US" sz="3200" dirty="0" smtClean="0">
+                <a:solidFill>
+                  <a:srgbClr val="333333"/>
+                </a:solidFill>
+                <a:latin typeface="Open Sans"/>
+                <a:sym typeface="Wingdings" panose="05000000000000000000" pitchFamily="2" charset="2"/>
+              </a:rPr>
+              <a:t> </a:t>
+            </a:r>
+            <a:r>
+              <a:rPr lang="en-US" altLang="en-US" sz="3200" dirty="0" err="1" smtClean="0">
+                <a:solidFill>
+                  <a:srgbClr val="333333"/>
+                </a:solidFill>
+                <a:latin typeface="Open Sans"/>
+                <a:sym typeface="Wingdings" panose="05000000000000000000" pitchFamily="2" charset="2"/>
+              </a:rPr>
+              <a:t>bằng</a:t>
+            </a:r>
+            <a:r>
+              <a:rPr lang="en-US" altLang="en-US" sz="3200" dirty="0" smtClean="0">
+                <a:solidFill>
+                  <a:srgbClr val="333333"/>
+                </a:solidFill>
+                <a:latin typeface="Open Sans"/>
+                <a:sym typeface="Wingdings" panose="05000000000000000000" pitchFamily="2" charset="2"/>
+              </a:rPr>
+              <a:t> </a:t>
+            </a:r>
+            <a:r>
+              <a:rPr lang="en-US" altLang="en-US" sz="3200" dirty="0" err="1" smtClean="0">
+                <a:solidFill>
+                  <a:srgbClr val="333333"/>
+                </a:solidFill>
+                <a:latin typeface="Open Sans"/>
+                <a:sym typeface="Wingdings" panose="05000000000000000000" pitchFamily="2" charset="2"/>
+              </a:rPr>
+              <a:t>cách</a:t>
+            </a:r>
+            <a:r>
+              <a:rPr lang="en-US" altLang="en-US" sz="3200" dirty="0" smtClean="0">
+                <a:solidFill>
+                  <a:srgbClr val="333333"/>
+                </a:solidFill>
+                <a:latin typeface="Open Sans"/>
+                <a:sym typeface="Wingdings" panose="05000000000000000000" pitchFamily="2" charset="2"/>
+              </a:rPr>
+              <a:t> upload file</a:t>
+            </a:r>
+            <a:r>
+              <a:rPr lang="en-US" altLang="en-US" sz="3200" dirty="0">
+                <a:solidFill>
+                  <a:srgbClr val="333333"/>
+                </a:solidFill>
+                <a:latin typeface="Open Sans"/>
+                <a:sym typeface="Wingdings" panose="05000000000000000000" pitchFamily="2" charset="2"/>
+              </a:rPr>
+              <a:t> </a:t>
+            </a:r>
+            <a:r>
+              <a:rPr kumimoji="0" lang="en-US" altLang="en-US" sz="3200" b="0" i="0" u="none" strike="noStrike" cap="none" normalizeH="0" baseline="0" dirty="0" err="1" smtClean="0">
+                <a:ln>
+                  <a:noFill/>
+                </a:ln>
+                <a:solidFill>
+                  <a:srgbClr val="333333"/>
+                </a:solidFill>
+                <a:effectLst/>
+                <a:latin typeface="Open Sans"/>
+              </a:rPr>
+              <a:t>nội</a:t>
+            </a:r>
+            <a:r>
+              <a:rPr kumimoji="0" lang="en-US" altLang="en-US" sz="3200" b="0" i="0" u="none" strike="noStrike" cap="none" normalizeH="0" baseline="0" dirty="0" smtClean="0">
+                <a:ln>
+                  <a:noFill/>
+                </a:ln>
+                <a:solidFill>
+                  <a:srgbClr val="333333"/>
+                </a:solidFill>
+                <a:effectLst/>
+                <a:latin typeface="Open Sans"/>
+              </a:rPr>
+              <a:t> dung </a:t>
+            </a:r>
+            <a:r>
+              <a:rPr kumimoji="0" lang="en-US" altLang="en-US" sz="3200" b="0" i="0" u="none" strike="noStrike" cap="none" normalizeH="0" baseline="0" dirty="0" err="1" smtClean="0">
+                <a:ln>
+                  <a:noFill/>
+                </a:ln>
+                <a:solidFill>
+                  <a:srgbClr val="333333"/>
+                </a:solidFill>
+                <a:effectLst/>
+                <a:latin typeface="Open Sans"/>
+              </a:rPr>
+              <a:t>chứa</a:t>
+            </a:r>
+            <a:r>
+              <a:rPr kumimoji="0" lang="en-US" altLang="en-US" sz="3200" b="0" i="0" u="none" strike="noStrike" cap="none" normalizeH="0" baseline="0" dirty="0" smtClean="0">
+                <a:ln>
+                  <a:noFill/>
+                </a:ln>
+                <a:solidFill>
+                  <a:srgbClr val="333333"/>
+                </a:solidFill>
+                <a:effectLst/>
+                <a:latin typeface="Open Sans"/>
+              </a:rPr>
+              <a:t> shell:</a:t>
+            </a:r>
+            <a:endParaRPr kumimoji="0" lang="en-US" altLang="en-US" sz="3200" b="0" i="0" u="none" strike="noStrike" cap="none" normalizeH="0" baseline="0" dirty="0" smtClean="0">
+              <a:ln>
+                <a:noFill/>
+              </a:ln>
+              <a:solidFill>
+                <a:srgbClr val="555555"/>
+              </a:solidFill>
+              <a:effectLst/>
+              <a:latin typeface="var(--monospace)"/>
+            </a:endParaRPr>
+          </a:p>
+          <a:p>
+            <a:pPr marL="0" marR="0" lvl="0" indent="0" algn="l" defTabSz="914400" rtl="0" eaLnBrk="0" fontAlgn="base" latinLnBrk="0" hangingPunct="0">
+              <a:lnSpc>
+                <a:spcPct val="100000"/>
+              </a:lnSpc>
+              <a:spcBef>
+                <a:spcPct val="0"/>
+              </a:spcBef>
+              <a:spcAft>
+                <a:spcPct val="0"/>
+              </a:spcAft>
+              <a:buClrTx/>
+              <a:buSzTx/>
+              <a:buFontTx/>
+              <a:buNone/>
+              <a:tabLst/>
+            </a:pPr>
+            <a:r>
+              <a:rPr kumimoji="0" lang="en-US" altLang="en-US" sz="3200" b="0" i="0" u="none" strike="noStrike" cap="none" normalizeH="0" baseline="0" dirty="0" smtClean="0">
+                <a:ln>
+                  <a:noFill/>
+                </a:ln>
+                <a:solidFill>
+                  <a:srgbClr val="555555"/>
+                </a:solidFill>
+                <a:effectLst/>
+                <a:latin typeface="var(--monospace)"/>
+              </a:rPr>
+              <a:t>&lt;?</a:t>
+            </a:r>
+            <a:r>
+              <a:rPr kumimoji="0" lang="en-US" altLang="en-US" sz="3200" b="0" i="0" u="none" strike="noStrike" cap="none" normalizeH="0" baseline="0" dirty="0" err="1" smtClean="0">
+                <a:ln>
+                  <a:noFill/>
+                </a:ln>
+                <a:solidFill>
+                  <a:srgbClr val="555555"/>
+                </a:solidFill>
+                <a:effectLst/>
+                <a:latin typeface="var(--monospace)"/>
+              </a:rPr>
+              <a:t>php</a:t>
+            </a:r>
+            <a:r>
+              <a:rPr kumimoji="0" lang="en-US" altLang="en-US" sz="3200" b="0" i="0" u="none" strike="noStrike" cap="none" normalizeH="0" baseline="0" dirty="0" smtClean="0">
+                <a:ln>
+                  <a:noFill/>
+                </a:ln>
+                <a:solidFill>
+                  <a:srgbClr val="333333"/>
+                </a:solidFill>
+                <a:effectLst/>
+                <a:latin typeface="var(--monospace)"/>
+              </a:rPr>
+              <a:t> </a:t>
+            </a:r>
+            <a:r>
+              <a:rPr kumimoji="0" lang="en-US" altLang="en-US" sz="3200" b="0" i="0" u="none" strike="noStrike" cap="none" normalizeH="0" baseline="0" dirty="0" smtClean="0">
+                <a:ln>
+                  <a:noFill/>
+                </a:ln>
+                <a:solidFill>
+                  <a:srgbClr val="770088"/>
+                </a:solidFill>
+                <a:effectLst/>
+                <a:latin typeface="var(--monospace)"/>
+              </a:rPr>
+              <a:t>echo</a:t>
+            </a:r>
+            <a:r>
+              <a:rPr kumimoji="0" lang="en-US" altLang="en-US" sz="3200" b="0" i="0" u="none" strike="noStrike" cap="none" normalizeH="0" baseline="0" dirty="0" smtClean="0">
+                <a:ln>
+                  <a:noFill/>
+                </a:ln>
+                <a:solidFill>
+                  <a:srgbClr val="333333"/>
+                </a:solidFill>
+                <a:effectLst/>
+                <a:latin typeface="var(--monospace)"/>
+              </a:rPr>
+              <a:t> </a:t>
+            </a:r>
+            <a:r>
+              <a:rPr kumimoji="0" lang="en-US" altLang="en-US" sz="3200" b="0" i="0" u="none" strike="noStrike" cap="none" normalizeH="0" baseline="0" dirty="0" smtClean="0">
+                <a:ln>
+                  <a:noFill/>
+                </a:ln>
+                <a:solidFill>
+                  <a:srgbClr val="3300AA"/>
+                </a:solidFill>
+                <a:effectLst/>
+                <a:latin typeface="var(--monospace)"/>
+              </a:rPr>
+              <a:t>system</a:t>
+            </a:r>
+            <a:r>
+              <a:rPr kumimoji="0" lang="en-US" altLang="en-US" sz="3200" b="0" i="0" u="none" strike="noStrike" cap="none" normalizeH="0" baseline="0" dirty="0" smtClean="0">
+                <a:ln>
+                  <a:noFill/>
+                </a:ln>
+                <a:solidFill>
+                  <a:srgbClr val="333333"/>
+                </a:solidFill>
+                <a:effectLst/>
+                <a:latin typeface="var(--monospace)"/>
+              </a:rPr>
+              <a:t>(</a:t>
+            </a:r>
+            <a:r>
+              <a:rPr kumimoji="0" lang="en-US" altLang="en-US" sz="3200" b="0" i="0" u="none" strike="noStrike" cap="none" normalizeH="0" baseline="0" dirty="0" smtClean="0">
+                <a:ln>
+                  <a:noFill/>
+                </a:ln>
+                <a:solidFill>
+                  <a:srgbClr val="0055AA"/>
+                </a:solidFill>
+                <a:effectLst/>
+                <a:latin typeface="var(--monospace)"/>
+              </a:rPr>
+              <a:t>$_GET</a:t>
+            </a:r>
+            <a:r>
+              <a:rPr kumimoji="0" lang="en-US" altLang="en-US" sz="3200" b="0" i="0" u="none" strike="noStrike" cap="none" normalizeH="0" baseline="0" dirty="0" smtClean="0">
+                <a:ln>
+                  <a:noFill/>
+                </a:ln>
+                <a:solidFill>
+                  <a:srgbClr val="333333"/>
+                </a:solidFill>
+                <a:effectLst/>
+                <a:latin typeface="var(--monospace)"/>
+              </a:rPr>
+              <a:t>[</a:t>
+            </a:r>
+            <a:r>
+              <a:rPr kumimoji="0" lang="en-US" altLang="en-US" sz="3200" b="0" i="0" u="none" strike="noStrike" cap="none" normalizeH="0" baseline="0" dirty="0" smtClean="0">
+                <a:ln>
+                  <a:noFill/>
+                </a:ln>
+                <a:solidFill>
+                  <a:srgbClr val="AA1111"/>
+                </a:solidFill>
+                <a:effectLst/>
+                <a:latin typeface="var(--monospace)"/>
+              </a:rPr>
+              <a:t>'</a:t>
+            </a:r>
+            <a:r>
+              <a:rPr kumimoji="0" lang="en-US" altLang="en-US" sz="3200" b="0" i="0" u="none" strike="noStrike" cap="none" normalizeH="0" baseline="0" dirty="0" err="1" smtClean="0">
+                <a:ln>
+                  <a:noFill/>
+                </a:ln>
+                <a:solidFill>
+                  <a:srgbClr val="AA1111"/>
+                </a:solidFill>
+                <a:effectLst/>
+                <a:latin typeface="var(--monospace)"/>
+              </a:rPr>
+              <a:t>cmd</a:t>
+            </a:r>
+            <a:r>
+              <a:rPr kumimoji="0" lang="en-US" altLang="en-US" sz="3200" b="0" i="0" u="none" strike="noStrike" cap="none" normalizeH="0" baseline="0" dirty="0" smtClean="0">
+                <a:ln>
+                  <a:noFill/>
+                </a:ln>
+                <a:solidFill>
+                  <a:srgbClr val="AA1111"/>
+                </a:solidFill>
+                <a:effectLst/>
+                <a:latin typeface="var(--monospace)"/>
+              </a:rPr>
+              <a:t>'</a:t>
+            </a:r>
+            <a:r>
+              <a:rPr kumimoji="0" lang="en-US" altLang="en-US" sz="3200" b="0" i="0" u="none" strike="noStrike" cap="none" normalizeH="0" baseline="0" dirty="0" smtClean="0">
+                <a:ln>
+                  <a:noFill/>
+                </a:ln>
+                <a:solidFill>
+                  <a:srgbClr val="333333"/>
+                </a:solidFill>
+                <a:effectLst/>
+                <a:latin typeface="var(--monospace)"/>
+              </a:rPr>
+              <a:t>]); </a:t>
+            </a:r>
+            <a:r>
+              <a:rPr kumimoji="0" lang="en-US" altLang="en-US" sz="3200" b="0" i="0" u="none" strike="noStrike" cap="none" normalizeH="0" baseline="0" dirty="0" smtClean="0">
+                <a:ln>
+                  <a:noFill/>
+                </a:ln>
+                <a:solidFill>
+                  <a:srgbClr val="555555"/>
+                </a:solidFill>
+                <a:effectLst/>
+                <a:latin typeface="var(--monospace)"/>
+              </a:rPr>
+              <a:t>?&gt;</a:t>
+            </a:r>
+            <a:endParaRPr kumimoji="0" lang="en-US" altLang="en-US" sz="3200" b="0" i="0" u="none" strike="noStrike" cap="none" normalizeH="0" baseline="0" dirty="0" smtClean="0">
+              <a:ln>
+                <a:noFill/>
+              </a:ln>
+              <a:solidFill>
+                <a:schemeClr val="tx1"/>
+              </a:solidFill>
+              <a:effectLst/>
+            </a:endParaRPr>
+          </a:p>
+          <a:p>
+            <a:pPr marL="0" marR="0" lvl="0" indent="0" algn="l" defTabSz="914400" rtl="0" eaLnBrk="0" fontAlgn="base" latinLnBrk="0" hangingPunct="0">
+              <a:lnSpc>
+                <a:spcPct val="100000"/>
+              </a:lnSpc>
+              <a:spcBef>
+                <a:spcPct val="0"/>
+              </a:spcBef>
+              <a:spcAft>
+                <a:spcPct val="0"/>
+              </a:spcAft>
+              <a:buClrTx/>
+              <a:buSzTx/>
+              <a:buFontTx/>
+              <a:buNone/>
+              <a:tabLst/>
+            </a:pPr>
+            <a:r>
+              <a:rPr kumimoji="0" lang="en-US" altLang="en-US" sz="3200" b="0" i="0" u="none" strike="noStrike" cap="none" normalizeH="0" baseline="0" dirty="0" smtClean="0">
+                <a:ln>
+                  <a:noFill/>
+                </a:ln>
+                <a:solidFill>
+                  <a:srgbClr val="333333"/>
+                </a:solidFill>
+                <a:effectLst/>
+                <a:latin typeface="Open Sans"/>
+              </a:rPr>
+              <a:t>→ </a:t>
+            </a:r>
+            <a:r>
+              <a:rPr kumimoji="0" lang="en-US" altLang="en-US" sz="3200" b="0" i="0" u="none" strike="noStrike" cap="none" normalizeH="0" baseline="0" dirty="0" err="1" smtClean="0">
+                <a:ln>
+                  <a:noFill/>
+                </a:ln>
+                <a:solidFill>
+                  <a:srgbClr val="333333"/>
+                </a:solidFill>
+                <a:effectLst/>
+                <a:latin typeface="Open Sans"/>
+              </a:rPr>
+              <a:t>Truy</a:t>
+            </a:r>
+            <a:r>
+              <a:rPr kumimoji="0" lang="en-US" altLang="en-US" sz="3200" b="0" i="0" u="none" strike="noStrike" cap="none" normalizeH="0" baseline="0" dirty="0" smtClean="0">
+                <a:ln>
+                  <a:noFill/>
+                </a:ln>
+                <a:solidFill>
+                  <a:srgbClr val="333333"/>
+                </a:solidFill>
+                <a:effectLst/>
+                <a:latin typeface="Open Sans"/>
+              </a:rPr>
+              <a:t> </a:t>
+            </a:r>
+            <a:r>
+              <a:rPr kumimoji="0" lang="en-US" altLang="en-US" sz="3200" b="0" i="0" u="none" strike="noStrike" cap="none" normalizeH="0" baseline="0" dirty="0" err="1" smtClean="0">
+                <a:ln>
+                  <a:noFill/>
+                </a:ln>
+                <a:solidFill>
+                  <a:srgbClr val="333333"/>
+                </a:solidFill>
+                <a:effectLst/>
+                <a:latin typeface="Open Sans"/>
+              </a:rPr>
+              <a:t>cập</a:t>
+            </a:r>
+            <a:r>
+              <a:rPr kumimoji="0" lang="en-US" altLang="en-US" sz="3200" b="0" i="0" u="none" strike="noStrike" cap="none" normalizeH="0" baseline="0" dirty="0" smtClean="0">
+                <a:ln>
+                  <a:noFill/>
+                </a:ln>
+                <a:solidFill>
+                  <a:srgbClr val="333333"/>
+                </a:solidFill>
+                <a:effectLst/>
+                <a:latin typeface="Open Sans"/>
+              </a:rPr>
+              <a:t> URL file </a:t>
+            </a:r>
+            <a:r>
+              <a:rPr kumimoji="0" lang="en-US" altLang="en-US" sz="3200" b="0" i="0" u="none" strike="noStrike" cap="none" normalizeH="0" baseline="0" dirty="0" err="1" smtClean="0">
+                <a:ln>
+                  <a:noFill/>
+                </a:ln>
+                <a:solidFill>
+                  <a:srgbClr val="333333"/>
+                </a:solidFill>
+                <a:effectLst/>
+                <a:latin typeface="Open Sans"/>
+              </a:rPr>
+              <a:t>để</a:t>
+            </a:r>
+            <a:r>
+              <a:rPr kumimoji="0" lang="en-US" altLang="en-US" sz="3200" b="0" i="0" u="none" strike="noStrike" cap="none" normalizeH="0" baseline="0" dirty="0" smtClean="0">
+                <a:ln>
+                  <a:noFill/>
+                </a:ln>
+                <a:solidFill>
+                  <a:srgbClr val="333333"/>
+                </a:solidFill>
+                <a:effectLst/>
+                <a:latin typeface="Open Sans"/>
+              </a:rPr>
+              <a:t> </a:t>
+            </a:r>
+            <a:r>
+              <a:rPr kumimoji="0" lang="en-US" altLang="en-US" sz="3200" b="0" i="0" u="none" strike="noStrike" cap="none" normalizeH="0" baseline="0" dirty="0" err="1" smtClean="0">
+                <a:ln>
+                  <a:noFill/>
+                </a:ln>
+                <a:solidFill>
+                  <a:srgbClr val="333333"/>
+                </a:solidFill>
+                <a:effectLst/>
+                <a:latin typeface="Open Sans"/>
+              </a:rPr>
+              <a:t>thực</a:t>
+            </a:r>
+            <a:r>
+              <a:rPr kumimoji="0" lang="en-US" altLang="en-US" sz="3200" b="0" i="0" u="none" strike="noStrike" cap="none" normalizeH="0" baseline="0" dirty="0" smtClean="0">
+                <a:ln>
+                  <a:noFill/>
+                </a:ln>
+                <a:solidFill>
+                  <a:srgbClr val="333333"/>
+                </a:solidFill>
+                <a:effectLst/>
+                <a:latin typeface="Open Sans"/>
+              </a:rPr>
+              <a:t> </a:t>
+            </a:r>
+            <a:r>
+              <a:rPr kumimoji="0" lang="en-US" altLang="en-US" sz="3200" b="0" i="0" u="none" strike="noStrike" cap="none" normalizeH="0" baseline="0" dirty="0" err="1" smtClean="0">
+                <a:ln>
+                  <a:noFill/>
+                </a:ln>
+                <a:solidFill>
+                  <a:srgbClr val="333333"/>
+                </a:solidFill>
+                <a:effectLst/>
+                <a:latin typeface="Open Sans"/>
+              </a:rPr>
+              <a:t>thi</a:t>
+            </a:r>
+            <a:r>
+              <a:rPr kumimoji="0" lang="en-US" altLang="en-US" sz="3200" b="0" i="0" u="none" strike="noStrike" cap="none" normalizeH="0" baseline="0" dirty="0" smtClean="0">
+                <a:ln>
+                  <a:noFill/>
+                </a:ln>
+                <a:solidFill>
+                  <a:srgbClr val="333333"/>
+                </a:solidFill>
+                <a:effectLst/>
+                <a:latin typeface="Open Sans"/>
+              </a:rPr>
+              <a:t> </a:t>
+            </a:r>
+            <a:r>
+              <a:rPr kumimoji="0" lang="en-US" altLang="en-US" sz="3200" b="0" i="0" u="none" strike="noStrike" cap="none" normalizeH="0" baseline="0" dirty="0" err="1" smtClean="0">
+                <a:ln>
+                  <a:noFill/>
+                </a:ln>
+                <a:solidFill>
+                  <a:srgbClr val="333333"/>
+                </a:solidFill>
+                <a:effectLst/>
+                <a:latin typeface="Open Sans"/>
+              </a:rPr>
+              <a:t>lệnh</a:t>
+            </a:r>
+            <a:r>
+              <a:rPr kumimoji="0" lang="en-US" altLang="en-US" sz="3200" b="0" i="0" u="none" strike="noStrike" cap="none" normalizeH="0" baseline="0" dirty="0" smtClean="0">
+                <a:ln>
+                  <a:noFill/>
+                </a:ln>
+                <a:solidFill>
+                  <a:srgbClr val="333333"/>
+                </a:solidFill>
+                <a:effectLst/>
+                <a:latin typeface="Open Sans"/>
+              </a:rPr>
+              <a:t>.</a:t>
+            </a:r>
+            <a:endParaRPr kumimoji="0" lang="en-US" altLang="en-US" sz="3200" b="0" i="0" u="none" strike="noStrike" cap="none" normalizeH="0" baseline="0" dirty="0" smtClean="0">
+              <a:ln>
+                <a:noFill/>
+              </a:ln>
+              <a:solidFill>
+                <a:schemeClr val="tx1"/>
+              </a:solidFill>
+              <a:effectLst/>
+            </a:endParaRPr>
           </a:p>
         </p:txBody>
       </p:sp>
@@ -5414,11 +11155,11 @@
           <a:p>
             <a:r>
               <a:rPr lang="en-US" b="1" dirty="0" smtClean="0"/>
-              <a:t>5. </a:t>
+              <a:t>4. </a:t>
             </a:r>
             <a:r>
               <a:rPr lang="en-US" b="1" dirty="0" err="1" smtClean="0"/>
-              <a:t>Phòng</a:t>
+              <a:t>Cơ</a:t>
             </a:r>
             <a:r>
               <a:rPr lang="en-US" b="1" dirty="0" smtClean="0"/>
@@ -5426,7 +11167,47 @@
             </a:r>
             <a:r>
               <a:rPr lang="en-US" b="1" dirty="0" err="1" smtClean="0"/>
-              <a:t>tránh</a:t>
+              <a:t>chế</a:t>
+            </a:r>
+            <a:r>
+              <a:rPr lang="en-US" b="1" dirty="0" smtClean="0"/>
+              <a:t> </a:t>
+            </a:r>
+            <a:r>
+              <a:rPr lang="en-US" b="1" dirty="0" err="1" smtClean="0"/>
+              <a:t>bảo</a:t>
+            </a:r>
+            <a:r>
+              <a:rPr lang="en-US" b="1" dirty="0" smtClean="0"/>
+              <a:t> </a:t>
+            </a:r>
+            <a:r>
+              <a:rPr lang="en-US" b="1" dirty="0" err="1" smtClean="0"/>
+              <a:t>mật</a:t>
+            </a:r>
+            <a:r>
+              <a:rPr lang="en-US" b="1" dirty="0"/>
+              <a:t> </a:t>
+            </a:r>
+            <a:r>
+              <a:rPr lang="en-US" b="1" dirty="0" smtClean="0"/>
+              <a:t>+ </a:t>
+            </a:r>
+            <a:r>
+              <a:rPr lang="en-US" b="1" dirty="0" err="1" smtClean="0"/>
+              <a:t>Kĩ</a:t>
+            </a:r>
+            <a:r>
+              <a:rPr lang="en-US" b="1" dirty="0" smtClean="0"/>
+              <a:t> </a:t>
+            </a:r>
+            <a:r>
+              <a:rPr lang="en-US" b="1" dirty="0" err="1" smtClean="0"/>
+              <a:t>thuật</a:t>
+            </a:r>
+            <a:r>
+              <a:rPr lang="en-US" b="1" dirty="0" smtClean="0"/>
+              <a:t> bypass</a:t>
             </a:r>
             <a:endParaRPr lang="en-US" b="1" dirty="0"/>
           </a:p>
@@ -5434,12 +11215,1340 @@
       </p:sp>
       <p:sp>
         <p:nvSpPr>
-          <p:cNvPr id="3" name="Content Placeholder 2"/>
+          <p:cNvPr id="4" name="Rectangle 2"/>
+          <p:cNvSpPr>
+            <a:spLocks noGrp="1" noChangeArrowheads="1"/>
+          </p:cNvSpPr>
+          <p:nvPr>
+            <p:ph idx="1"/>
+          </p:nvPr>
+        </p:nvSpPr>
+        <p:spPr bwMode="auto">
+          <a:xfrm>
+            <a:off x="1295401" y="2182227"/>
+            <a:ext cx="8828314" cy="2657057"/>
+          </a:xfrm>
+          <a:prstGeom prst="rect">
+            <a:avLst/>
+          </a:prstGeom>
+          <a:solidFill>
+            <a:srgbClr val="F3F4F4"/>
+          </a:solidFill>
+          <a:ln>
+            <a:noFill/>
+          </a:ln>
+          <a:effectLst/>
+          <a:extLst>
+            <a:ext uri="{91240B29-F687-4F45-9708-019B960494DF}">
+              <a14:hiddenLine xmlns:a14="http://schemas.microsoft.com/office/drawing/2010/main" w="9525">
+                <a:solidFill>
+                  <a:schemeClr val="tx1"/>
+                </a:solidFill>
+                <a:miter lim="800000"/>
+                <a:headEnd/>
+                <a:tailEnd/>
+              </a14:hiddenLine>
+            </a:ext>
+            <a:ext uri="{AF507438-7753-43E0-B8FC-AC1667EBCBE1}">
+              <a14:hiddenEffects xmlns:a14="http://schemas.microsoft.com/office/drawing/2010/main">
+                <a:effectLst>
+                  <a:outerShdw dist="35921" dir="2700000" algn="ctr" rotWithShape="0">
+                    <a:schemeClr val="bg2"/>
+                  </a:outerShdw>
+                </a:effectLst>
+              </a14:hiddenEffects>
+            </a:ext>
+          </a:extLst>
+        </p:spPr>
+        <p:txBody>
+          <a:bodyPr vert="horz" wrap="square" lIns="0" tIns="126960" rIns="0" bIns="126960" numCol="1" anchor="ctr" anchorCtr="0" compatLnSpc="1">
+            <a:prstTxWarp prst="textNoShape">
+              <a:avLst/>
+            </a:prstTxWarp>
+            <a:spAutoFit/>
+          </a:bodyPr>
+          <a:lstStyle>
+            <a:lvl1pPr eaLnBrk="0" fontAlgn="base" hangingPunct="0">
+              <a:spcBef>
+                <a:spcPct val="0"/>
+              </a:spcBef>
+              <a:spcAft>
+                <a:spcPct val="0"/>
+              </a:spcAft>
+              <a:defRPr>
+                <a:solidFill>
+                  <a:schemeClr val="tx1"/>
+                </a:solidFill>
+                <a:latin typeface="Arial" panose="020B0604020202020204" pitchFamily="34" charset="0"/>
+              </a:defRPr>
+            </a:lvl1pPr>
+            <a:lvl2pPr eaLnBrk="0" fontAlgn="base" hangingPunct="0">
+              <a:spcBef>
+                <a:spcPct val="0"/>
+              </a:spcBef>
+              <a:spcAft>
+                <a:spcPct val="0"/>
+              </a:spcAft>
+              <a:defRPr>
+                <a:solidFill>
+                  <a:schemeClr val="tx1"/>
+                </a:solidFill>
+                <a:latin typeface="Arial" panose="020B0604020202020204" pitchFamily="34" charset="0"/>
+              </a:defRPr>
+            </a:lvl2pPr>
+            <a:lvl3pPr eaLnBrk="0" fontAlgn="base" hangingPunct="0">
+              <a:spcBef>
+                <a:spcPct val="0"/>
+              </a:spcBef>
+              <a:spcAft>
+                <a:spcPct val="0"/>
+              </a:spcAft>
+              <a:defRPr>
+                <a:solidFill>
+                  <a:schemeClr val="tx1"/>
+                </a:solidFill>
+                <a:latin typeface="Arial" panose="020B0604020202020204" pitchFamily="34" charset="0"/>
+              </a:defRPr>
+            </a:lvl3pPr>
+            <a:lvl4pPr eaLnBrk="0" fontAlgn="base" hangingPunct="0">
+              <a:spcBef>
+                <a:spcPct val="0"/>
+              </a:spcBef>
+              <a:spcAft>
+                <a:spcPct val="0"/>
+              </a:spcAft>
+              <a:defRPr>
+                <a:solidFill>
+                  <a:schemeClr val="tx1"/>
+                </a:solidFill>
+                <a:latin typeface="Arial" panose="020B0604020202020204" pitchFamily="34" charset="0"/>
+              </a:defRPr>
+            </a:lvl4pPr>
+            <a:lvl5pPr eaLnBrk="0" fontAlgn="base" hangingPunct="0">
+              <a:spcBef>
+                <a:spcPct val="0"/>
+              </a:spcBef>
+              <a:spcAft>
+                <a:spcPct val="0"/>
+              </a:spcAft>
+              <a:defRPr>
+                <a:solidFill>
+                  <a:schemeClr val="tx1"/>
+                </a:solidFill>
+                <a:latin typeface="Arial" panose="020B0604020202020204" pitchFamily="34" charset="0"/>
+              </a:defRPr>
+            </a:lvl5pPr>
+            <a:lvl6pPr eaLnBrk="0" fontAlgn="base" hangingPunct="0">
+              <a:spcBef>
+                <a:spcPct val="0"/>
+              </a:spcBef>
+              <a:spcAft>
+                <a:spcPct val="0"/>
+              </a:spcAft>
+              <a:defRPr>
+                <a:solidFill>
+                  <a:schemeClr val="tx1"/>
+                </a:solidFill>
+                <a:latin typeface="Arial" panose="020B0604020202020204" pitchFamily="34" charset="0"/>
+              </a:defRPr>
+            </a:lvl6pPr>
+            <a:lvl7pPr eaLnBrk="0" fontAlgn="base" hangingPunct="0">
+              <a:spcBef>
+                <a:spcPct val="0"/>
+              </a:spcBef>
+              <a:spcAft>
+                <a:spcPct val="0"/>
+              </a:spcAft>
+              <a:defRPr>
+                <a:solidFill>
+                  <a:schemeClr val="tx1"/>
+                </a:solidFill>
+                <a:latin typeface="Arial" panose="020B0604020202020204" pitchFamily="34" charset="0"/>
+              </a:defRPr>
+            </a:lvl7pPr>
+            <a:lvl8pPr eaLnBrk="0" fontAlgn="base" hangingPunct="0">
+              <a:spcBef>
+                <a:spcPct val="0"/>
+              </a:spcBef>
+              <a:spcAft>
+                <a:spcPct val="0"/>
+              </a:spcAft>
+              <a:defRPr>
+                <a:solidFill>
+                  <a:schemeClr val="tx1"/>
+                </a:solidFill>
+                <a:latin typeface="Arial" panose="020B0604020202020204" pitchFamily="34" charset="0"/>
+              </a:defRPr>
+            </a:lvl8pPr>
+            <a:lvl9pPr eaLnBrk="0" fontAlgn="base" hangingPunct="0">
+              <a:spcBef>
+                <a:spcPct val="0"/>
+              </a:spcBef>
+              <a:spcAft>
+                <a:spcPct val="0"/>
+              </a:spcAft>
+              <a:defRPr>
+                <a:solidFill>
+                  <a:schemeClr val="tx1"/>
+                </a:solidFill>
+                <a:latin typeface="Arial" panose="020B0604020202020204" pitchFamily="34" charset="0"/>
+              </a:defRPr>
+            </a:lvl9pPr>
+          </a:lstStyle>
+          <a:p>
+            <a:pPr marL="0" marR="0" lvl="0" indent="0" algn="l" defTabSz="914400" rtl="0" eaLnBrk="0" fontAlgn="base" latinLnBrk="0" hangingPunct="0">
+              <a:lnSpc>
+                <a:spcPct val="200000"/>
+              </a:lnSpc>
+              <a:spcBef>
+                <a:spcPct val="0"/>
+              </a:spcBef>
+              <a:spcAft>
+                <a:spcPct val="0"/>
+              </a:spcAft>
+              <a:buClrTx/>
+              <a:buSzTx/>
+              <a:buNone/>
+              <a:tabLst/>
+            </a:pPr>
+            <a:r>
+              <a:rPr lang="en-US" altLang="en-US" sz="1800" dirty="0" smtClean="0"/>
+              <a:t>4.2. </a:t>
+            </a:r>
+            <a:r>
+              <a:rPr kumimoji="0" lang="en-US" altLang="en-US" sz="1800" b="1" i="0" u="none" strike="noStrike" cap="none" normalizeH="0" baseline="0" dirty="0" smtClean="0">
+                <a:ln>
+                  <a:noFill/>
+                </a:ln>
+                <a:solidFill>
+                  <a:srgbClr val="333333"/>
+                </a:solidFill>
+                <a:effectLst/>
+                <a:latin typeface="Open Sans"/>
+              </a:rPr>
+              <a:t>Extension blacklist bypass</a:t>
+            </a:r>
+            <a:endParaRPr kumimoji="0" lang="en-US" altLang="en-US" sz="1800" b="0" i="0" u="none" strike="noStrike" cap="none" normalizeH="0" baseline="0" dirty="0" smtClean="0">
+              <a:ln>
+                <a:noFill/>
+              </a:ln>
+              <a:solidFill>
+                <a:srgbClr val="333333"/>
+              </a:solidFill>
+              <a:effectLst/>
+              <a:latin typeface="Open Sans"/>
+            </a:endParaRPr>
+          </a:p>
+          <a:p>
+            <a:pPr marL="0" marR="0" lvl="0" indent="0" algn="l" defTabSz="914400" rtl="0" eaLnBrk="0" fontAlgn="base" latinLnBrk="0" hangingPunct="0">
+              <a:lnSpc>
+                <a:spcPct val="200000"/>
+              </a:lnSpc>
+              <a:spcBef>
+                <a:spcPct val="0"/>
+              </a:spcBef>
+              <a:spcAft>
+                <a:spcPct val="0"/>
+              </a:spcAft>
+              <a:buClrTx/>
+              <a:buSzTx/>
+              <a:buFontTx/>
+              <a:buNone/>
+              <a:tabLst/>
+            </a:pPr>
+            <a:r>
+              <a:rPr kumimoji="0" lang="en-US" altLang="en-US" sz="1800" b="0" i="0" u="none" strike="noStrike" cap="none" normalizeH="0" baseline="0" dirty="0" smtClean="0">
+                <a:ln>
+                  <a:noFill/>
+                </a:ln>
+                <a:solidFill>
+                  <a:srgbClr val="333333"/>
+                </a:solidFill>
+                <a:effectLst/>
+                <a:latin typeface="Open Sans"/>
+              </a:rPr>
+              <a:t>- </a:t>
+            </a:r>
+            <a:r>
+              <a:rPr kumimoji="0" lang="en-US" altLang="en-US" sz="1800" b="0" i="0" u="none" strike="noStrike" cap="none" normalizeH="0" baseline="0" dirty="0" err="1" smtClean="0">
+                <a:ln>
+                  <a:noFill/>
+                </a:ln>
+                <a:solidFill>
+                  <a:srgbClr val="333333"/>
+                </a:solidFill>
+                <a:effectLst/>
+                <a:latin typeface="Open Sans"/>
+              </a:rPr>
+              <a:t>Cơ</a:t>
+            </a:r>
+            <a:r>
+              <a:rPr kumimoji="0" lang="en-US" altLang="en-US" sz="1800" b="0" i="0" u="none" strike="noStrike" cap="none" normalizeH="0" dirty="0" smtClean="0">
+                <a:ln>
+                  <a:noFill/>
+                </a:ln>
+                <a:solidFill>
+                  <a:srgbClr val="333333"/>
+                </a:solidFill>
+                <a:effectLst/>
+                <a:latin typeface="Open Sans"/>
+              </a:rPr>
+              <a:t> </a:t>
+            </a:r>
+            <a:r>
+              <a:rPr kumimoji="0" lang="en-US" altLang="en-US" sz="1800" b="0" i="0" u="none" strike="noStrike" cap="none" normalizeH="0" dirty="0" err="1" smtClean="0">
+                <a:ln>
+                  <a:noFill/>
+                </a:ln>
+                <a:solidFill>
+                  <a:srgbClr val="333333"/>
+                </a:solidFill>
+                <a:effectLst/>
+                <a:latin typeface="Open Sans"/>
+              </a:rPr>
+              <a:t>chế</a:t>
+            </a:r>
+            <a:r>
+              <a:rPr kumimoji="0" lang="en-US" altLang="en-US" sz="1800" b="0" i="0" u="none" strike="noStrike" cap="none" normalizeH="0" dirty="0" smtClean="0">
+                <a:ln>
+                  <a:noFill/>
+                </a:ln>
+                <a:solidFill>
+                  <a:srgbClr val="333333"/>
+                </a:solidFill>
+                <a:effectLst/>
+                <a:latin typeface="Open Sans"/>
+              </a:rPr>
+              <a:t> </a:t>
+            </a:r>
+            <a:r>
+              <a:rPr kumimoji="0" lang="en-US" altLang="en-US" sz="1800" b="0" i="0" u="none" strike="noStrike" cap="none" normalizeH="0" dirty="0" err="1" smtClean="0">
+                <a:ln>
+                  <a:noFill/>
+                </a:ln>
+                <a:solidFill>
+                  <a:srgbClr val="333333"/>
+                </a:solidFill>
+                <a:effectLst/>
+                <a:latin typeface="Open Sans"/>
+              </a:rPr>
+              <a:t>bảo</a:t>
+            </a:r>
+            <a:r>
+              <a:rPr kumimoji="0" lang="en-US" altLang="en-US" sz="1800" b="0" i="0" u="none" strike="noStrike" cap="none" normalizeH="0" dirty="0" smtClean="0">
+                <a:ln>
+                  <a:noFill/>
+                </a:ln>
+                <a:solidFill>
+                  <a:srgbClr val="333333"/>
+                </a:solidFill>
+                <a:effectLst/>
+                <a:latin typeface="Open Sans"/>
+              </a:rPr>
+              <a:t> </a:t>
+            </a:r>
+            <a:r>
+              <a:rPr kumimoji="0" lang="en-US" altLang="en-US" sz="1800" b="0" i="0" u="none" strike="noStrike" cap="none" normalizeH="0" dirty="0" err="1" smtClean="0">
+                <a:ln>
+                  <a:noFill/>
+                </a:ln>
+                <a:solidFill>
+                  <a:srgbClr val="333333"/>
+                </a:solidFill>
+                <a:effectLst/>
+                <a:latin typeface="Open Sans"/>
+              </a:rPr>
+              <a:t>mật</a:t>
+            </a:r>
+            <a:r>
+              <a:rPr lang="en-US" altLang="en-US" sz="1800" dirty="0" smtClean="0">
+                <a:solidFill>
+                  <a:srgbClr val="333333"/>
+                </a:solidFill>
+                <a:latin typeface="Open Sans"/>
+              </a:rPr>
+              <a:t>: </a:t>
+            </a:r>
+            <a:r>
+              <a:rPr kumimoji="0" lang="en-US" altLang="en-US" sz="1800" b="0" i="0" u="none" strike="noStrike" cap="none" normalizeH="0" baseline="0" dirty="0" smtClean="0">
+                <a:ln>
+                  <a:noFill/>
+                </a:ln>
+                <a:solidFill>
+                  <a:srgbClr val="333333"/>
+                </a:solidFill>
+                <a:effectLst/>
+                <a:latin typeface="Open Sans"/>
+              </a:rPr>
+              <a:t>Server </a:t>
+            </a:r>
+            <a:r>
+              <a:rPr kumimoji="0" lang="en-US" altLang="en-US" sz="1800" b="0" i="0" u="none" strike="noStrike" cap="none" normalizeH="0" baseline="0" dirty="0" err="1" smtClean="0">
+                <a:ln>
+                  <a:noFill/>
+                </a:ln>
+                <a:solidFill>
+                  <a:srgbClr val="333333"/>
+                </a:solidFill>
+                <a:effectLst/>
+                <a:latin typeface="Open Sans"/>
+              </a:rPr>
+              <a:t>cấm</a:t>
+            </a:r>
+            <a:r>
+              <a:rPr kumimoji="0" lang="en-US" altLang="en-US" sz="1800" b="0" i="0" u="none" strike="noStrike" cap="none" normalizeH="0" baseline="0" dirty="0" smtClean="0">
+                <a:ln>
+                  <a:noFill/>
+                </a:ln>
+                <a:solidFill>
+                  <a:srgbClr val="333333"/>
+                </a:solidFill>
+                <a:effectLst/>
+                <a:latin typeface="Open Sans"/>
+              </a:rPr>
+              <a:t> </a:t>
+            </a:r>
+            <a:r>
+              <a:rPr kumimoji="0" lang="en-US" altLang="en-US" sz="2400" b="0" i="0" u="none" strike="noStrike" cap="none" normalizeH="0" baseline="0" dirty="0" smtClean="0">
+                <a:ln>
+                  <a:noFill/>
+                </a:ln>
+                <a:solidFill>
+                  <a:srgbClr val="333333"/>
+                </a:solidFill>
+                <a:effectLst/>
+                <a:latin typeface="var(--monospace)"/>
+              </a:rPr>
+              <a:t>.</a:t>
+            </a:r>
+            <a:r>
+              <a:rPr kumimoji="0" lang="en-US" altLang="en-US" sz="2400" b="0" i="0" u="none" strike="noStrike" cap="none" normalizeH="0" baseline="0" dirty="0" err="1" smtClean="0">
+                <a:ln>
+                  <a:noFill/>
+                </a:ln>
+                <a:solidFill>
+                  <a:srgbClr val="333333"/>
+                </a:solidFill>
+                <a:effectLst/>
+                <a:latin typeface="var(--monospace)"/>
+              </a:rPr>
+              <a:t>php</a:t>
+            </a:r>
+            <a:r>
+              <a:rPr kumimoji="0" lang="en-US" altLang="en-US" sz="1800" b="0" i="0" u="none" strike="noStrike" cap="none" normalizeH="0" baseline="0" dirty="0" smtClean="0">
+                <a:ln>
+                  <a:noFill/>
+                </a:ln>
+                <a:solidFill>
+                  <a:srgbClr val="333333"/>
+                </a:solidFill>
+                <a:effectLst/>
+                <a:latin typeface="Open Sans"/>
+              </a:rPr>
+              <a:t>, </a:t>
+            </a:r>
+            <a:r>
+              <a:rPr kumimoji="0" lang="en-US" altLang="en-US" sz="1800" b="0" i="0" u="none" strike="noStrike" cap="none" normalizeH="0" baseline="0" dirty="0" err="1" smtClean="0">
+                <a:ln>
+                  <a:noFill/>
+                </a:ln>
+                <a:solidFill>
+                  <a:srgbClr val="333333"/>
+                </a:solidFill>
+                <a:effectLst/>
+                <a:latin typeface="Open Sans"/>
+              </a:rPr>
+              <a:t>nhưng</a:t>
+            </a:r>
+            <a:r>
+              <a:rPr kumimoji="0" lang="en-US" altLang="en-US" sz="1800" b="0" i="0" u="none" strike="noStrike" cap="none" normalizeH="0" baseline="0" dirty="0" smtClean="0">
+                <a:ln>
+                  <a:noFill/>
+                </a:ln>
+                <a:solidFill>
+                  <a:srgbClr val="333333"/>
+                </a:solidFill>
+                <a:effectLst/>
+                <a:latin typeface="Open Sans"/>
+              </a:rPr>
+              <a:t> </a:t>
+            </a:r>
+            <a:r>
+              <a:rPr kumimoji="0" lang="en-US" altLang="en-US" sz="1800" b="0" i="0" u="none" strike="noStrike" cap="none" normalizeH="0" baseline="0" dirty="0" err="1" smtClean="0">
+                <a:ln>
+                  <a:noFill/>
+                </a:ln>
+                <a:solidFill>
+                  <a:srgbClr val="333333"/>
+                </a:solidFill>
+                <a:effectLst/>
+                <a:latin typeface="Open Sans"/>
+              </a:rPr>
+              <a:t>không</a:t>
+            </a:r>
+            <a:r>
+              <a:rPr kumimoji="0" lang="en-US" altLang="en-US" sz="1800" b="0" i="0" u="none" strike="noStrike" cap="none" normalizeH="0" baseline="0" dirty="0" smtClean="0">
+                <a:ln>
+                  <a:noFill/>
+                </a:ln>
+                <a:solidFill>
+                  <a:srgbClr val="333333"/>
+                </a:solidFill>
+                <a:effectLst/>
+                <a:latin typeface="Open Sans"/>
+              </a:rPr>
+              <a:t> </a:t>
+            </a:r>
+            <a:r>
+              <a:rPr kumimoji="0" lang="en-US" altLang="en-US" sz="1800" b="0" i="0" u="none" strike="noStrike" cap="none" normalizeH="0" baseline="0" dirty="0" err="1" smtClean="0">
+                <a:ln>
+                  <a:noFill/>
+                </a:ln>
+                <a:solidFill>
+                  <a:srgbClr val="333333"/>
+                </a:solidFill>
+                <a:effectLst/>
+                <a:latin typeface="Open Sans"/>
+              </a:rPr>
+              <a:t>cấm</a:t>
+            </a:r>
+            <a:r>
+              <a:rPr kumimoji="0" lang="en-US" altLang="en-US" sz="1800" b="0" i="0" u="none" strike="noStrike" cap="none" normalizeH="0" baseline="0" dirty="0" smtClean="0">
+                <a:ln>
+                  <a:noFill/>
+                </a:ln>
+                <a:solidFill>
+                  <a:srgbClr val="333333"/>
+                </a:solidFill>
+                <a:effectLst/>
+                <a:latin typeface="Open Sans"/>
+              </a:rPr>
+              <a:t> </a:t>
+            </a:r>
+            <a:r>
+              <a:rPr kumimoji="0" lang="en-US" altLang="en-US" sz="2000" b="0" i="0" u="none" strike="noStrike" cap="none" normalizeH="0" baseline="0" dirty="0" smtClean="0">
+                <a:ln>
+                  <a:noFill/>
+                </a:ln>
+                <a:solidFill>
+                  <a:srgbClr val="333333"/>
+                </a:solidFill>
+                <a:effectLst/>
+                <a:latin typeface="var(--monospace)"/>
+              </a:rPr>
+              <a:t>.</a:t>
+            </a:r>
+            <a:r>
+              <a:rPr kumimoji="0" lang="en-US" altLang="en-US" sz="2000" b="0" i="0" u="none" strike="noStrike" cap="none" normalizeH="0" baseline="0" dirty="0" err="1" smtClean="0">
+                <a:ln>
+                  <a:noFill/>
+                </a:ln>
+                <a:solidFill>
+                  <a:srgbClr val="333333"/>
+                </a:solidFill>
+                <a:effectLst/>
+                <a:latin typeface="var(--monospace)"/>
+              </a:rPr>
+              <a:t>php5</a:t>
+            </a:r>
+            <a:r>
+              <a:rPr kumimoji="0" lang="en-US" altLang="en-US" sz="100" b="0" i="0" u="none" strike="noStrike" cap="none" normalizeH="0" baseline="0" dirty="0" smtClean="0">
+                <a:ln>
+                  <a:noFill/>
+                </a:ln>
+                <a:solidFill>
+                  <a:srgbClr val="333333"/>
+                </a:solidFill>
+                <a:effectLst/>
+                <a:latin typeface="Open Sans"/>
+              </a:rPr>
+              <a:t>, </a:t>
+            </a:r>
+            <a:r>
+              <a:rPr kumimoji="0" lang="en-US" altLang="en-US" sz="2000" b="0" i="0" u="none" strike="noStrike" cap="none" normalizeH="0" baseline="0" dirty="0" smtClean="0">
+                <a:ln>
+                  <a:noFill/>
+                </a:ln>
+                <a:solidFill>
+                  <a:srgbClr val="333333"/>
+                </a:solidFill>
+                <a:effectLst/>
+                <a:latin typeface="var(--monospace)"/>
+              </a:rPr>
+              <a:t>.</a:t>
+            </a:r>
+            <a:r>
+              <a:rPr kumimoji="0" lang="en-US" altLang="en-US" sz="2000" b="0" i="0" u="none" strike="noStrike" cap="none" normalizeH="0" baseline="0" dirty="0" err="1" smtClean="0">
+                <a:ln>
+                  <a:noFill/>
+                </a:ln>
+                <a:solidFill>
+                  <a:srgbClr val="333333"/>
+                </a:solidFill>
+                <a:effectLst/>
+                <a:latin typeface="var(--monospace)"/>
+              </a:rPr>
+              <a:t>pHp</a:t>
+            </a:r>
+            <a:r>
+              <a:rPr kumimoji="0" lang="en-US" altLang="en-US" sz="100" b="0" i="0" u="none" strike="noStrike" cap="none" normalizeH="0" baseline="0" dirty="0" smtClean="0">
+                <a:ln>
+                  <a:noFill/>
+                </a:ln>
+                <a:solidFill>
+                  <a:srgbClr val="333333"/>
+                </a:solidFill>
+                <a:effectLst/>
+                <a:latin typeface="Open Sans"/>
+              </a:rPr>
+              <a:t>, </a:t>
+            </a:r>
+            <a:r>
+              <a:rPr kumimoji="0" lang="en-US" altLang="en-US" sz="2000" b="0" i="0" u="none" strike="noStrike" cap="none" normalizeH="0" baseline="0" dirty="0" smtClean="0">
+                <a:ln>
+                  <a:noFill/>
+                </a:ln>
+                <a:solidFill>
+                  <a:srgbClr val="333333"/>
+                </a:solidFill>
+                <a:effectLst/>
+                <a:latin typeface="var(--monospace)"/>
+              </a:rPr>
+              <a:t>.</a:t>
+            </a:r>
+            <a:r>
+              <a:rPr kumimoji="0" lang="en-US" altLang="en-US" sz="2000" b="0" i="0" u="none" strike="noStrike" cap="none" normalizeH="0" baseline="0" dirty="0" err="1" smtClean="0">
+                <a:ln>
+                  <a:noFill/>
+                </a:ln>
+                <a:solidFill>
+                  <a:srgbClr val="333333"/>
+                </a:solidFill>
+                <a:effectLst/>
+                <a:latin typeface="var(--monospace)"/>
+              </a:rPr>
+              <a:t>asp;.jpg</a:t>
+            </a:r>
+            <a:r>
+              <a:rPr kumimoji="0" lang="en-US" altLang="en-US" sz="1800" b="0" i="0" u="none" strike="noStrike" cap="none" normalizeH="0" baseline="0" dirty="0" smtClean="0">
+                <a:ln>
+                  <a:noFill/>
+                </a:ln>
+                <a:solidFill>
+                  <a:srgbClr val="333333"/>
+                </a:solidFill>
+                <a:effectLst/>
+                <a:latin typeface="Open Sans"/>
+              </a:rPr>
+              <a:t> </a:t>
+            </a:r>
+          </a:p>
+          <a:p>
+            <a:pPr marL="0" marR="0" lvl="0" indent="0" algn="l" defTabSz="914400" rtl="0" eaLnBrk="0" fontAlgn="base" latinLnBrk="0" hangingPunct="0">
+              <a:lnSpc>
+                <a:spcPct val="200000"/>
+              </a:lnSpc>
+              <a:spcBef>
+                <a:spcPct val="0"/>
+              </a:spcBef>
+              <a:spcAft>
+                <a:spcPct val="0"/>
+              </a:spcAft>
+              <a:buClrTx/>
+              <a:buSzTx/>
+              <a:buFontTx/>
+              <a:buNone/>
+              <a:tabLst/>
+            </a:pPr>
+            <a:r>
+              <a:rPr kumimoji="0" lang="en-US" altLang="en-US" sz="1800" b="0" i="0" u="none" strike="noStrike" cap="none" normalizeH="0" baseline="0" dirty="0" smtClean="0">
+                <a:ln>
+                  <a:noFill/>
+                </a:ln>
+                <a:solidFill>
+                  <a:srgbClr val="333333"/>
+                </a:solidFill>
+                <a:effectLst/>
+                <a:latin typeface="Open Sans"/>
+              </a:rPr>
+              <a:t>→ Upload file </a:t>
+            </a:r>
+            <a:r>
+              <a:rPr kumimoji="0" lang="en-US" altLang="en-US" sz="1800" b="0" i="0" u="none" strike="noStrike" cap="none" normalizeH="0" baseline="0" dirty="0" err="1" smtClean="0">
+                <a:ln>
+                  <a:noFill/>
+                </a:ln>
+                <a:solidFill>
+                  <a:srgbClr val="333333"/>
+                </a:solidFill>
+                <a:effectLst/>
+                <a:latin typeface="Open Sans"/>
+              </a:rPr>
+              <a:t>với</a:t>
+            </a:r>
+            <a:r>
+              <a:rPr kumimoji="0" lang="en-US" altLang="en-US" sz="1800" b="0" i="0" u="none" strike="noStrike" cap="none" normalizeH="0" baseline="0" dirty="0" smtClean="0">
+                <a:ln>
+                  <a:noFill/>
+                </a:ln>
+                <a:solidFill>
+                  <a:srgbClr val="333333"/>
+                </a:solidFill>
+                <a:effectLst/>
+                <a:latin typeface="Open Sans"/>
+              </a:rPr>
+              <a:t> </a:t>
+            </a:r>
+            <a:r>
+              <a:rPr kumimoji="0" lang="en-US" altLang="en-US" sz="1800" b="0" i="0" u="none" strike="noStrike" cap="none" normalizeH="0" baseline="0" dirty="0" err="1" smtClean="0">
+                <a:ln>
+                  <a:noFill/>
+                </a:ln>
+                <a:solidFill>
+                  <a:srgbClr val="333333"/>
+                </a:solidFill>
+                <a:effectLst/>
+                <a:latin typeface="Open Sans"/>
+              </a:rPr>
+              <a:t>đuôi</a:t>
+            </a:r>
+            <a:r>
+              <a:rPr kumimoji="0" lang="en-US" altLang="en-US" sz="1800" b="0" i="0" u="none" strike="noStrike" cap="none" normalizeH="0" baseline="0" dirty="0" smtClean="0">
+                <a:ln>
+                  <a:noFill/>
+                </a:ln>
+                <a:solidFill>
+                  <a:srgbClr val="333333"/>
+                </a:solidFill>
+                <a:effectLst/>
+                <a:latin typeface="Open Sans"/>
+              </a:rPr>
+              <a:t> </a:t>
+            </a:r>
+            <a:r>
+              <a:rPr kumimoji="0" lang="en-US" altLang="en-US" sz="1800" b="0" i="0" u="none" strike="noStrike" cap="none" normalizeH="0" baseline="0" dirty="0" err="1" smtClean="0">
+                <a:ln>
+                  <a:noFill/>
+                </a:ln>
+                <a:solidFill>
+                  <a:srgbClr val="333333"/>
+                </a:solidFill>
+                <a:effectLst/>
+                <a:latin typeface="Open Sans"/>
+              </a:rPr>
+              <a:t>lạ</a:t>
+            </a:r>
+            <a:r>
+              <a:rPr kumimoji="0" lang="en-US" altLang="en-US" sz="1800" b="0" i="0" u="none" strike="noStrike" cap="none" normalizeH="0" baseline="0" dirty="0" smtClean="0">
+                <a:ln>
+                  <a:noFill/>
+                </a:ln>
+                <a:solidFill>
+                  <a:srgbClr val="333333"/>
+                </a:solidFill>
+                <a:effectLst/>
+                <a:latin typeface="Open Sans"/>
+              </a:rPr>
+              <a:t> </a:t>
+            </a:r>
+            <a:r>
+              <a:rPr kumimoji="0" lang="en-US" altLang="en-US" sz="1800" b="0" i="0" u="none" strike="noStrike" cap="none" normalizeH="0" baseline="0" dirty="0" err="1" smtClean="0">
+                <a:ln>
+                  <a:noFill/>
+                </a:ln>
+                <a:solidFill>
+                  <a:srgbClr val="333333"/>
+                </a:solidFill>
+                <a:effectLst/>
+                <a:latin typeface="Open Sans"/>
+              </a:rPr>
+              <a:t>mà</a:t>
+            </a:r>
+            <a:r>
+              <a:rPr kumimoji="0" lang="en-US" altLang="en-US" sz="1800" b="0" i="0" u="none" strike="noStrike" cap="none" normalizeH="0" baseline="0" dirty="0" smtClean="0">
+                <a:ln>
+                  <a:noFill/>
+                </a:ln>
+                <a:solidFill>
+                  <a:srgbClr val="333333"/>
+                </a:solidFill>
+                <a:effectLst/>
+                <a:latin typeface="Open Sans"/>
+              </a:rPr>
+              <a:t> server </a:t>
+            </a:r>
+            <a:r>
+              <a:rPr kumimoji="0" lang="en-US" altLang="en-US" sz="1800" b="0" i="0" u="none" strike="noStrike" cap="none" normalizeH="0" baseline="0" dirty="0" err="1" smtClean="0">
+                <a:ln>
+                  <a:noFill/>
+                </a:ln>
+                <a:solidFill>
+                  <a:srgbClr val="333333"/>
+                </a:solidFill>
+                <a:effectLst/>
+                <a:latin typeface="Open Sans"/>
+              </a:rPr>
+              <a:t>vẫn</a:t>
+            </a:r>
+            <a:r>
+              <a:rPr kumimoji="0" lang="en-US" altLang="en-US" sz="1800" b="0" i="0" u="none" strike="noStrike" cap="none" normalizeH="0" baseline="0" dirty="0" smtClean="0">
+                <a:ln>
+                  <a:noFill/>
+                </a:ln>
+                <a:solidFill>
+                  <a:srgbClr val="333333"/>
+                </a:solidFill>
+                <a:effectLst/>
+                <a:latin typeface="Open Sans"/>
+              </a:rPr>
+              <a:t> </a:t>
+            </a:r>
+            <a:r>
+              <a:rPr kumimoji="0" lang="en-US" altLang="en-US" sz="1800" b="0" i="0" u="none" strike="noStrike" cap="none" normalizeH="0" baseline="0" dirty="0" err="1" smtClean="0">
+                <a:ln>
+                  <a:noFill/>
+                </a:ln>
+                <a:solidFill>
+                  <a:srgbClr val="333333"/>
+                </a:solidFill>
+                <a:effectLst/>
+                <a:latin typeface="Open Sans"/>
+              </a:rPr>
+              <a:t>thực</a:t>
+            </a:r>
+            <a:r>
+              <a:rPr kumimoji="0" lang="en-US" altLang="en-US" sz="1800" b="0" i="0" u="none" strike="noStrike" cap="none" normalizeH="0" baseline="0" dirty="0" smtClean="0">
+                <a:ln>
+                  <a:noFill/>
+                </a:ln>
+                <a:solidFill>
+                  <a:srgbClr val="333333"/>
+                </a:solidFill>
+                <a:effectLst/>
+                <a:latin typeface="Open Sans"/>
+              </a:rPr>
+              <a:t> </a:t>
+            </a:r>
+            <a:r>
+              <a:rPr kumimoji="0" lang="en-US" altLang="en-US" sz="1800" b="0" i="0" u="none" strike="noStrike" cap="none" normalizeH="0" baseline="0" dirty="0" err="1" smtClean="0">
+                <a:ln>
+                  <a:noFill/>
+                </a:ln>
+                <a:solidFill>
+                  <a:srgbClr val="333333"/>
+                </a:solidFill>
+                <a:effectLst/>
+                <a:latin typeface="Open Sans"/>
+              </a:rPr>
+              <a:t>thi</a:t>
+            </a:r>
+            <a:r>
+              <a:rPr kumimoji="0" lang="en-US" altLang="en-US" sz="1800" b="0" i="0" u="none" strike="noStrike" cap="none" normalizeH="0" baseline="0" dirty="0" smtClean="0">
+                <a:ln>
+                  <a:noFill/>
+                </a:ln>
+                <a:solidFill>
+                  <a:srgbClr val="333333"/>
+                </a:solidFill>
+                <a:effectLst/>
+                <a:latin typeface="Open Sans"/>
+              </a:rPr>
+              <a:t> </a:t>
+            </a:r>
+            <a:r>
+              <a:rPr kumimoji="0" lang="en-US" altLang="en-US" sz="1800" b="0" i="0" u="none" strike="noStrike" cap="none" normalizeH="0" baseline="0" dirty="0" err="1" smtClean="0">
+                <a:ln>
+                  <a:noFill/>
+                </a:ln>
+                <a:solidFill>
+                  <a:srgbClr val="333333"/>
+                </a:solidFill>
+                <a:effectLst/>
+                <a:latin typeface="Open Sans"/>
+              </a:rPr>
+              <a:t>được</a:t>
+            </a:r>
+            <a:r>
+              <a:rPr kumimoji="0" lang="en-US" altLang="en-US" sz="1800" b="0" i="0" u="none" strike="noStrike" cap="none" normalizeH="0" baseline="0" dirty="0" smtClean="0">
+                <a:ln>
+                  <a:noFill/>
+                </a:ln>
+                <a:solidFill>
+                  <a:srgbClr val="333333"/>
+                </a:solidFill>
+                <a:effectLst/>
+                <a:latin typeface="Open Sans"/>
+              </a:rPr>
+              <a:t>.</a:t>
+            </a:r>
+            <a:endParaRPr kumimoji="0" lang="en-US" altLang="en-US" sz="1400" b="0" i="0" u="none" strike="noStrike" cap="none" normalizeH="0" baseline="0" dirty="0" smtClean="0">
+              <a:ln>
+                <a:noFill/>
+              </a:ln>
+              <a:solidFill>
+                <a:schemeClr val="tx1"/>
+              </a:solidFill>
+              <a:effectLst/>
+            </a:endParaRPr>
+          </a:p>
+          <a:p>
+            <a:pPr marL="0" marR="0" lvl="0" indent="0" algn="l" defTabSz="914400" rtl="0" eaLnBrk="0" fontAlgn="base" latinLnBrk="0" hangingPunct="0">
+              <a:lnSpc>
+                <a:spcPct val="200000"/>
+              </a:lnSpc>
+              <a:spcBef>
+                <a:spcPct val="0"/>
+              </a:spcBef>
+              <a:spcAft>
+                <a:spcPct val="0"/>
+              </a:spcAft>
+              <a:buClrTx/>
+              <a:buSzTx/>
+              <a:buFontTx/>
+              <a:buNone/>
+              <a:tabLst/>
+            </a:pPr>
+            <a:r>
+              <a:rPr kumimoji="0" lang="en-US" altLang="en-US" sz="1800" b="0" i="0" u="none" strike="noStrike" cap="none" normalizeH="0" baseline="0" dirty="0" err="1" smtClean="0">
+                <a:ln>
+                  <a:noFill/>
+                </a:ln>
+                <a:solidFill>
+                  <a:srgbClr val="333333"/>
+                </a:solidFill>
+                <a:effectLst/>
+                <a:latin typeface="Open Sans"/>
+              </a:rPr>
+              <a:t>Vì</a:t>
+            </a:r>
+            <a:r>
+              <a:rPr kumimoji="0" lang="en-US" altLang="en-US" sz="1800" b="0" i="0" u="none" strike="noStrike" cap="none" normalizeH="0" baseline="0" dirty="0" smtClean="0">
+                <a:ln>
+                  <a:noFill/>
+                </a:ln>
+                <a:solidFill>
+                  <a:srgbClr val="333333"/>
+                </a:solidFill>
+                <a:effectLst/>
+                <a:latin typeface="Open Sans"/>
+              </a:rPr>
+              <a:t> Apache/</a:t>
+            </a:r>
+            <a:r>
+              <a:rPr kumimoji="0" lang="en-US" altLang="en-US" sz="1800" b="0" i="0" u="none" strike="noStrike" cap="none" normalizeH="0" baseline="0" dirty="0" err="1" smtClean="0">
+                <a:ln>
+                  <a:noFill/>
+                </a:ln>
+                <a:solidFill>
+                  <a:srgbClr val="333333"/>
+                </a:solidFill>
+                <a:effectLst/>
+                <a:latin typeface="Open Sans"/>
+              </a:rPr>
+              <a:t>nginx</a:t>
+            </a:r>
+            <a:r>
+              <a:rPr kumimoji="0" lang="en-US" altLang="en-US" sz="1800" b="0" i="0" u="none" strike="noStrike" cap="none" normalizeH="0" baseline="0" dirty="0" smtClean="0">
+                <a:ln>
+                  <a:noFill/>
+                </a:ln>
+                <a:solidFill>
+                  <a:srgbClr val="333333"/>
+                </a:solidFill>
+                <a:effectLst/>
+                <a:latin typeface="Open Sans"/>
+              </a:rPr>
+              <a:t> </a:t>
+            </a:r>
+            <a:r>
+              <a:rPr kumimoji="0" lang="en-US" altLang="en-US" sz="1800" b="0" i="0" u="none" strike="noStrike" cap="none" normalizeH="0" baseline="0" dirty="0" err="1" smtClean="0">
+                <a:ln>
+                  <a:noFill/>
+                </a:ln>
+                <a:solidFill>
+                  <a:srgbClr val="333333"/>
+                </a:solidFill>
+                <a:effectLst/>
+                <a:latin typeface="Open Sans"/>
+              </a:rPr>
+              <a:t>có</a:t>
+            </a:r>
+            <a:r>
+              <a:rPr kumimoji="0" lang="en-US" altLang="en-US" sz="1800" b="0" i="0" u="none" strike="noStrike" cap="none" normalizeH="0" baseline="0" dirty="0" smtClean="0">
+                <a:ln>
+                  <a:noFill/>
+                </a:ln>
+                <a:solidFill>
+                  <a:srgbClr val="333333"/>
+                </a:solidFill>
+                <a:effectLst/>
+                <a:latin typeface="Open Sans"/>
+              </a:rPr>
+              <a:t> </a:t>
+            </a:r>
+            <a:r>
+              <a:rPr kumimoji="0" lang="en-US" altLang="en-US" sz="1800" b="0" i="0" u="none" strike="noStrike" cap="none" normalizeH="0" baseline="0" dirty="0" err="1" smtClean="0">
+                <a:ln>
+                  <a:noFill/>
+                </a:ln>
+                <a:solidFill>
+                  <a:srgbClr val="333333"/>
+                </a:solidFill>
+                <a:effectLst/>
+                <a:latin typeface="Open Sans"/>
+              </a:rPr>
+              <a:t>thể</a:t>
+            </a:r>
+            <a:r>
+              <a:rPr kumimoji="0" lang="en-US" altLang="en-US" sz="1800" b="0" i="0" u="none" strike="noStrike" cap="none" normalizeH="0" baseline="0" dirty="0" smtClean="0">
+                <a:ln>
+                  <a:noFill/>
+                </a:ln>
+                <a:solidFill>
+                  <a:srgbClr val="333333"/>
+                </a:solidFill>
+                <a:effectLst/>
+                <a:latin typeface="Open Sans"/>
+              </a:rPr>
+              <a:t> </a:t>
+            </a:r>
+            <a:r>
+              <a:rPr kumimoji="0" lang="en-US" altLang="en-US" sz="1800" b="0" i="0" u="none" strike="noStrike" cap="none" normalizeH="0" baseline="0" dirty="0" err="1" smtClean="0">
+                <a:ln>
+                  <a:noFill/>
+                </a:ln>
+                <a:solidFill>
+                  <a:srgbClr val="333333"/>
+                </a:solidFill>
+                <a:effectLst/>
+                <a:latin typeface="Open Sans"/>
+              </a:rPr>
+              <a:t>cấu</a:t>
+            </a:r>
+            <a:r>
+              <a:rPr kumimoji="0" lang="en-US" altLang="en-US" sz="1800" b="0" i="0" u="none" strike="noStrike" cap="none" normalizeH="0" baseline="0" dirty="0" smtClean="0">
+                <a:ln>
+                  <a:noFill/>
+                </a:ln>
+                <a:solidFill>
+                  <a:srgbClr val="333333"/>
+                </a:solidFill>
+                <a:effectLst/>
+                <a:latin typeface="Open Sans"/>
+              </a:rPr>
+              <a:t> </a:t>
+            </a:r>
+            <a:r>
+              <a:rPr kumimoji="0" lang="en-US" altLang="en-US" sz="1800" b="0" i="0" u="none" strike="noStrike" cap="none" normalizeH="0" baseline="0" dirty="0" err="1" smtClean="0">
+                <a:ln>
+                  <a:noFill/>
+                </a:ln>
+                <a:solidFill>
+                  <a:srgbClr val="333333"/>
+                </a:solidFill>
+                <a:effectLst/>
+                <a:latin typeface="Open Sans"/>
+              </a:rPr>
+              <a:t>hình</a:t>
+            </a:r>
+            <a:r>
+              <a:rPr kumimoji="0" lang="en-US" altLang="en-US" sz="1800" b="0" i="0" u="none" strike="noStrike" cap="none" normalizeH="0" baseline="0" dirty="0" smtClean="0">
+                <a:ln>
+                  <a:noFill/>
+                </a:ln>
+                <a:solidFill>
+                  <a:srgbClr val="333333"/>
+                </a:solidFill>
+                <a:effectLst/>
+                <a:latin typeface="Open Sans"/>
+              </a:rPr>
+              <a:t> </a:t>
+            </a:r>
+            <a:r>
+              <a:rPr kumimoji="0" lang="en-US" altLang="en-US" sz="1800" b="0" i="0" u="none" strike="noStrike" cap="none" normalizeH="0" baseline="0" dirty="0" err="1" smtClean="0">
+                <a:ln>
+                  <a:noFill/>
+                </a:ln>
+                <a:solidFill>
+                  <a:srgbClr val="333333"/>
+                </a:solidFill>
+                <a:effectLst/>
+                <a:latin typeface="Open Sans"/>
+              </a:rPr>
+              <a:t>thực</a:t>
+            </a:r>
+            <a:r>
+              <a:rPr kumimoji="0" lang="en-US" altLang="en-US" sz="1800" b="0" i="0" u="none" strike="noStrike" cap="none" normalizeH="0" baseline="0" dirty="0" smtClean="0">
+                <a:ln>
+                  <a:noFill/>
+                </a:ln>
+                <a:solidFill>
+                  <a:srgbClr val="333333"/>
+                </a:solidFill>
+                <a:effectLst/>
+                <a:latin typeface="Open Sans"/>
+              </a:rPr>
+              <a:t> </a:t>
+            </a:r>
+            <a:r>
+              <a:rPr kumimoji="0" lang="en-US" altLang="en-US" sz="1800" b="0" i="0" u="none" strike="noStrike" cap="none" normalizeH="0" baseline="0" dirty="0" err="1" smtClean="0">
+                <a:ln>
+                  <a:noFill/>
+                </a:ln>
+                <a:solidFill>
+                  <a:srgbClr val="333333"/>
+                </a:solidFill>
+                <a:effectLst/>
+                <a:latin typeface="Open Sans"/>
+              </a:rPr>
+              <a:t>thi</a:t>
+            </a:r>
+            <a:r>
+              <a:rPr kumimoji="0" lang="en-US" altLang="en-US" sz="1800" b="0" i="0" u="none" strike="noStrike" cap="none" normalizeH="0" baseline="0" dirty="0" smtClean="0">
+                <a:ln>
+                  <a:noFill/>
+                </a:ln>
+                <a:solidFill>
+                  <a:srgbClr val="333333"/>
+                </a:solidFill>
+                <a:effectLst/>
+                <a:latin typeface="Open Sans"/>
+              </a:rPr>
+              <a:t> </a:t>
+            </a:r>
+            <a:r>
+              <a:rPr kumimoji="0" lang="en-US" altLang="en-US" sz="1800" b="0" i="0" u="none" strike="noStrike" cap="none" normalizeH="0" baseline="0" dirty="0" err="1" smtClean="0">
+                <a:ln>
+                  <a:noFill/>
+                </a:ln>
+                <a:solidFill>
+                  <a:srgbClr val="333333"/>
+                </a:solidFill>
+                <a:effectLst/>
+                <a:latin typeface="Open Sans"/>
+              </a:rPr>
+              <a:t>nhiều</a:t>
+            </a:r>
+            <a:r>
+              <a:rPr kumimoji="0" lang="en-US" altLang="en-US" sz="1800" b="0" i="0" u="none" strike="noStrike" cap="none" normalizeH="0" baseline="0" dirty="0" smtClean="0">
+                <a:ln>
+                  <a:noFill/>
+                </a:ln>
+                <a:solidFill>
+                  <a:srgbClr val="333333"/>
+                </a:solidFill>
+                <a:effectLst/>
+                <a:latin typeface="Open Sans"/>
+              </a:rPr>
+              <a:t> </a:t>
+            </a:r>
+            <a:r>
+              <a:rPr kumimoji="0" lang="en-US" altLang="en-US" sz="1800" b="0" i="0" u="none" strike="noStrike" cap="none" normalizeH="0" baseline="0" dirty="0" err="1" smtClean="0">
+                <a:ln>
+                  <a:noFill/>
+                </a:ln>
+                <a:solidFill>
+                  <a:srgbClr val="333333"/>
+                </a:solidFill>
+                <a:effectLst/>
+                <a:latin typeface="Open Sans"/>
+              </a:rPr>
+              <a:t>phần</a:t>
+            </a:r>
+            <a:r>
+              <a:rPr kumimoji="0" lang="en-US" altLang="en-US" sz="1800" b="0" i="0" u="none" strike="noStrike" cap="none" normalizeH="0" baseline="0" dirty="0" smtClean="0">
+                <a:ln>
+                  <a:noFill/>
+                </a:ln>
+                <a:solidFill>
+                  <a:srgbClr val="333333"/>
+                </a:solidFill>
+                <a:effectLst/>
+                <a:latin typeface="Open Sans"/>
+              </a:rPr>
+              <a:t> </a:t>
+            </a:r>
+            <a:r>
+              <a:rPr kumimoji="0" lang="en-US" altLang="en-US" sz="1800" b="0" i="0" u="none" strike="noStrike" cap="none" normalizeH="0" baseline="0" dirty="0" err="1" smtClean="0">
+                <a:ln>
+                  <a:noFill/>
+                </a:ln>
+                <a:solidFill>
+                  <a:srgbClr val="333333"/>
+                </a:solidFill>
+                <a:effectLst/>
+                <a:latin typeface="Open Sans"/>
+              </a:rPr>
+              <a:t>mở</a:t>
+            </a:r>
+            <a:r>
+              <a:rPr kumimoji="0" lang="en-US" altLang="en-US" sz="1800" b="0" i="0" u="none" strike="noStrike" cap="none" normalizeH="0" baseline="0" dirty="0" smtClean="0">
+                <a:ln>
+                  <a:noFill/>
+                </a:ln>
+                <a:solidFill>
+                  <a:srgbClr val="333333"/>
+                </a:solidFill>
+                <a:effectLst/>
+                <a:latin typeface="Open Sans"/>
+              </a:rPr>
+              <a:t> </a:t>
+            </a:r>
+            <a:r>
+              <a:rPr kumimoji="0" lang="en-US" altLang="en-US" sz="1800" b="0" i="0" u="none" strike="noStrike" cap="none" normalizeH="0" baseline="0" dirty="0" err="1" smtClean="0">
+                <a:ln>
+                  <a:noFill/>
+                </a:ln>
+                <a:solidFill>
+                  <a:srgbClr val="333333"/>
+                </a:solidFill>
+                <a:effectLst/>
+                <a:latin typeface="Open Sans"/>
+              </a:rPr>
+              <a:t>rộng</a:t>
+            </a:r>
+            <a:r>
+              <a:rPr kumimoji="0" lang="en-US" altLang="en-US" sz="1800" b="0" i="0" u="none" strike="noStrike" cap="none" normalizeH="0" baseline="0" dirty="0" smtClean="0">
+                <a:ln>
+                  <a:noFill/>
+                </a:ln>
+                <a:solidFill>
+                  <a:srgbClr val="333333"/>
+                </a:solidFill>
+                <a:effectLst/>
+                <a:latin typeface="Open Sans"/>
+              </a:rPr>
+              <a:t> </a:t>
+            </a:r>
+            <a:r>
+              <a:rPr kumimoji="0" lang="en-US" altLang="en-US" sz="1800" b="0" i="0" u="none" strike="noStrike" cap="none" normalizeH="0" baseline="0" dirty="0" err="1" smtClean="0">
+                <a:ln>
+                  <a:noFill/>
+                </a:ln>
+                <a:solidFill>
+                  <a:srgbClr val="333333"/>
+                </a:solidFill>
+                <a:effectLst/>
+                <a:latin typeface="Open Sans"/>
+              </a:rPr>
+              <a:t>liên</a:t>
+            </a:r>
+            <a:r>
+              <a:rPr kumimoji="0" lang="en-US" altLang="en-US" sz="1800" b="0" i="0" u="none" strike="noStrike" cap="none" normalizeH="0" baseline="0" dirty="0" smtClean="0">
+                <a:ln>
+                  <a:noFill/>
+                </a:ln>
+                <a:solidFill>
+                  <a:srgbClr val="333333"/>
+                </a:solidFill>
+                <a:effectLst/>
+                <a:latin typeface="Open Sans"/>
+              </a:rPr>
+              <a:t> </a:t>
+            </a:r>
+            <a:r>
+              <a:rPr kumimoji="0" lang="en-US" altLang="en-US" sz="1800" b="0" i="0" u="none" strike="noStrike" cap="none" normalizeH="0" baseline="0" dirty="0" err="1" smtClean="0">
+                <a:ln>
+                  <a:noFill/>
+                </a:ln>
+                <a:solidFill>
+                  <a:srgbClr val="333333"/>
+                </a:solidFill>
+                <a:effectLst/>
+                <a:latin typeface="Open Sans"/>
+              </a:rPr>
+              <a:t>quan</a:t>
+            </a:r>
+            <a:r>
+              <a:rPr kumimoji="0" lang="en-US" altLang="en-US" sz="1800" b="0" i="0" u="none" strike="noStrike" cap="none" normalizeH="0" baseline="0" dirty="0" smtClean="0">
+                <a:ln>
+                  <a:noFill/>
+                </a:ln>
+                <a:solidFill>
+                  <a:srgbClr val="333333"/>
+                </a:solidFill>
+                <a:effectLst/>
+                <a:latin typeface="Open Sans"/>
+              </a:rPr>
+              <a:t> </a:t>
+            </a:r>
+            <a:r>
+              <a:rPr kumimoji="0" lang="en-US" altLang="en-US" sz="1800" b="0" i="0" u="none" strike="noStrike" cap="none" normalizeH="0" baseline="0" dirty="0" err="1" smtClean="0">
+                <a:ln>
+                  <a:noFill/>
+                </a:ln>
+                <a:solidFill>
+                  <a:srgbClr val="333333"/>
+                </a:solidFill>
+                <a:effectLst/>
+                <a:latin typeface="Open Sans"/>
+              </a:rPr>
+              <a:t>đến</a:t>
+            </a:r>
+            <a:r>
+              <a:rPr kumimoji="0" lang="en-US" altLang="en-US" sz="1800" b="0" i="0" u="none" strike="noStrike" cap="none" normalizeH="0" baseline="0" dirty="0" smtClean="0">
+                <a:ln>
+                  <a:noFill/>
+                </a:ln>
+                <a:solidFill>
+                  <a:srgbClr val="333333"/>
+                </a:solidFill>
+                <a:effectLst/>
+                <a:latin typeface="Open Sans"/>
+              </a:rPr>
+              <a:t> PHP.</a:t>
+            </a:r>
+            <a:endParaRPr kumimoji="0" lang="en-US" altLang="en-US" b="0" i="0" u="none" strike="noStrike" cap="none" normalizeH="0" baseline="0" dirty="0" smtClean="0">
+              <a:ln>
+                <a:noFill/>
+              </a:ln>
+              <a:solidFill>
+                <a:schemeClr val="tx1"/>
+              </a:solidFill>
+              <a:effectLst/>
+              <a:latin typeface="Arial" panose="020B0604020202020204" pitchFamily="34" charset="0"/>
+            </a:endParaRPr>
+          </a:p>
+        </p:txBody>
+      </p:sp>
+    </p:spTree>
+    <p:extLst>
+      <p:ext uri="{BB962C8B-B14F-4D97-AF65-F5344CB8AC3E}">
+        <p14:creationId xmlns:p14="http://schemas.microsoft.com/office/powerpoint/2010/main" val="597440290"/>
+      </p:ext>
+    </p:extLst>
+  </p:cSld>
+  <p:clrMapOvr>
+    <a:masterClrMapping/>
+  </p:clrMapOvr>
+</p:sld>
+</file>
+
+<file path=ppt/slides/slide9.xml><?xml version="1.0" encoding="utf-8"?>
+<p:sld xmlns:a="http://schemas.openxmlformats.org/drawingml/2006/main" xmlns:r="http://schemas.openxmlformats.org/officeDocument/2006/relationships" xmlns:p="http://schemas.openxmlformats.org/presentationml/2006/main">
+  <p:cSld>
+    <p:spTree>
+      <p:nvGrpSpPr>
+        <p:cNvPr id="1" name=""/>
+        <p:cNvGrpSpPr/>
+        <p:nvPr/>
+      </p:nvGrpSpPr>
+      <p:grpSpPr>
+        <a:xfrm>
+          <a:off x="0" y="0"/>
+          <a:ext cx="0" cy="0"/>
+          <a:chOff x="0" y="0"/>
+          <a:chExt cx="0" cy="0"/>
+        </a:xfrm>
+      </p:grpSpPr>
+      <p:sp>
+        <p:nvSpPr>
+          <p:cNvPr id="2" name="Title 1"/>
           <p:cNvSpPr>
             <a:spLocks noGrp="1"/>
           </p:cNvSpPr>
           <p:nvPr>
-            <p:ph idx="1"/>
+            <p:ph type="title"/>
           </p:nvPr>
         </p:nvSpPr>
         <p:spPr/>
@@ -5447,14 +12556,415 @@
           <a:bodyPr/>
           <a:lstStyle/>
           <a:p>
-            <a:endParaRPr lang="en-US"/>
+            <a:r>
+              <a:rPr lang="en-US" b="1" dirty="0" smtClean="0"/>
+              <a:t>4. </a:t>
+            </a:r>
+            <a:r>
+              <a:rPr lang="en-US" b="1" dirty="0" err="1" smtClean="0"/>
+              <a:t>Cơ</a:t>
+            </a:r>
+            <a:r>
+              <a:rPr lang="en-US" b="1" dirty="0" smtClean="0"/>
+              <a:t> </a:t>
+            </a:r>
+            <a:r>
+              <a:rPr lang="en-US" b="1" dirty="0" err="1" smtClean="0"/>
+              <a:t>chế</a:t>
+            </a:r>
+            <a:r>
+              <a:rPr lang="en-US" b="1" dirty="0" smtClean="0"/>
+              <a:t> </a:t>
+            </a:r>
+            <a:r>
+              <a:rPr lang="en-US" b="1" dirty="0" err="1" smtClean="0"/>
+              <a:t>bảo</a:t>
+            </a:r>
+            <a:r>
+              <a:rPr lang="en-US" b="1" dirty="0" smtClean="0"/>
+              <a:t> </a:t>
+            </a:r>
+            <a:r>
+              <a:rPr lang="en-US" b="1" dirty="0" err="1" smtClean="0"/>
+              <a:t>mật</a:t>
+            </a:r>
+            <a:r>
+              <a:rPr lang="en-US" b="1" dirty="0"/>
+              <a:t> </a:t>
+            </a:r>
+            <a:r>
+              <a:rPr lang="en-US" b="1" dirty="0" smtClean="0"/>
+              <a:t>+ </a:t>
+            </a:r>
+            <a:r>
+              <a:rPr lang="en-US" b="1" dirty="0" err="1" smtClean="0"/>
+              <a:t>Kĩ</a:t>
+            </a:r>
+            <a:r>
+              <a:rPr lang="en-US" b="1" dirty="0" smtClean="0"/>
+              <a:t> </a:t>
+            </a:r>
+            <a:r>
+              <a:rPr lang="en-US" b="1" dirty="0" err="1" smtClean="0"/>
+              <a:t>thuật</a:t>
+            </a:r>
+            <a:r>
+              <a:rPr lang="en-US" b="1" dirty="0" smtClean="0"/>
+              <a:t> bypass</a:t>
+            </a:r>
+            <a:endParaRPr lang="en-US" b="1" dirty="0"/>
+          </a:p>
+        </p:txBody>
+      </p:sp>
+      <p:sp>
+        <p:nvSpPr>
+          <p:cNvPr id="4" name="Rectangle 2"/>
+          <p:cNvSpPr>
+            <a:spLocks noGrp="1" noChangeArrowheads="1"/>
+          </p:cNvSpPr>
+          <p:nvPr>
+            <p:ph idx="1"/>
+          </p:nvPr>
+        </p:nvSpPr>
+        <p:spPr bwMode="auto">
+          <a:xfrm>
+            <a:off x="1371600" y="1795923"/>
+            <a:ext cx="8708572" cy="3334165"/>
+          </a:xfrm>
+          <a:prstGeom prst="rect">
+            <a:avLst/>
+          </a:prstGeom>
+          <a:solidFill>
+            <a:srgbClr val="F3F4F4"/>
+          </a:solidFill>
+          <a:ln>
+            <a:noFill/>
+          </a:ln>
+          <a:effectLst/>
+          <a:extLst>
+            <a:ext uri="{91240B29-F687-4F45-9708-019B960494DF}">
+              <a14:hiddenLine xmlns:a14="http://schemas.microsoft.com/office/drawing/2010/main" w="9525">
+                <a:solidFill>
+                  <a:schemeClr val="tx1"/>
+                </a:solidFill>
+                <a:miter lim="800000"/>
+                <a:headEnd/>
+                <a:tailEnd/>
+              </a14:hiddenLine>
+            </a:ext>
+            <a:ext uri="{AF507438-7753-43E0-B8FC-AC1667EBCBE1}">
+              <a14:hiddenEffects xmlns:a14="http://schemas.microsoft.com/office/drawing/2010/main">
+                <a:effectLst>
+                  <a:outerShdw dist="35921" dir="2700000" algn="ctr" rotWithShape="0">
+                    <a:schemeClr val="bg2"/>
+                  </a:outerShdw>
+                </a:effectLst>
+              </a14:hiddenEffects>
+            </a:ext>
+          </a:extLst>
+        </p:spPr>
+        <p:txBody>
+          <a:bodyPr vert="horz" wrap="square" lIns="0" tIns="126960" rIns="0" bIns="126960" numCol="1" anchor="ctr" anchorCtr="0" compatLnSpc="1">
+            <a:prstTxWarp prst="textNoShape">
+              <a:avLst/>
+            </a:prstTxWarp>
+            <a:spAutoFit/>
+          </a:bodyPr>
+          <a:lstStyle>
+            <a:lvl1pPr eaLnBrk="0" fontAlgn="base" hangingPunct="0">
+              <a:spcBef>
+                <a:spcPct val="0"/>
+              </a:spcBef>
+              <a:spcAft>
+                <a:spcPct val="0"/>
+              </a:spcAft>
+              <a:defRPr>
+                <a:solidFill>
+                  <a:schemeClr val="tx1"/>
+                </a:solidFill>
+                <a:latin typeface="Arial" panose="020B0604020202020204" pitchFamily="34" charset="0"/>
+              </a:defRPr>
+            </a:lvl1pPr>
+            <a:lvl2pPr eaLnBrk="0" fontAlgn="base" hangingPunct="0">
+              <a:spcBef>
+                <a:spcPct val="0"/>
+              </a:spcBef>
+              <a:spcAft>
+                <a:spcPct val="0"/>
+              </a:spcAft>
+              <a:defRPr>
+                <a:solidFill>
+                  <a:schemeClr val="tx1"/>
+                </a:solidFill>
+                <a:latin typeface="Arial" panose="020B0604020202020204" pitchFamily="34" charset="0"/>
+              </a:defRPr>
+            </a:lvl2pPr>
+            <a:lvl3pPr eaLnBrk="0" fontAlgn="base" hangingPunct="0">
+              <a:spcBef>
+                <a:spcPct val="0"/>
+              </a:spcBef>
+              <a:spcAft>
+                <a:spcPct val="0"/>
+              </a:spcAft>
+              <a:defRPr>
+                <a:solidFill>
+                  <a:schemeClr val="tx1"/>
+                </a:solidFill>
+                <a:latin typeface="Arial" panose="020B0604020202020204" pitchFamily="34" charset="0"/>
+              </a:defRPr>
+            </a:lvl3pPr>
+            <a:lvl4pPr eaLnBrk="0" fontAlgn="base" hangingPunct="0">
+              <a:spcBef>
+                <a:spcPct val="0"/>
+              </a:spcBef>
+              <a:spcAft>
+                <a:spcPct val="0"/>
+              </a:spcAft>
+              <a:defRPr>
+                <a:solidFill>
+                  <a:schemeClr val="tx1"/>
+                </a:solidFill>
+                <a:latin typeface="Arial" panose="020B0604020202020204" pitchFamily="34" charset="0"/>
+              </a:defRPr>
+            </a:lvl4pPr>
+            <a:lvl5pPr eaLnBrk="0" fontAlgn="base" hangingPunct="0">
+              <a:spcBef>
+                <a:spcPct val="0"/>
+              </a:spcBef>
+              <a:spcAft>
+                <a:spcPct val="0"/>
+              </a:spcAft>
+              <a:defRPr>
+                <a:solidFill>
+                  <a:schemeClr val="tx1"/>
+                </a:solidFill>
+                <a:latin typeface="Arial" panose="020B0604020202020204" pitchFamily="34" charset="0"/>
+              </a:defRPr>
+            </a:lvl5pPr>
+            <a:lvl6pPr eaLnBrk="0" fontAlgn="base" hangingPunct="0">
+              <a:spcBef>
+                <a:spcPct val="0"/>
+              </a:spcBef>
+              <a:spcAft>
+                <a:spcPct val="0"/>
+              </a:spcAft>
+              <a:defRPr>
+                <a:solidFill>
+                  <a:schemeClr val="tx1"/>
+                </a:solidFill>
+                <a:latin typeface="Arial" panose="020B0604020202020204" pitchFamily="34" charset="0"/>
+              </a:defRPr>
+            </a:lvl6pPr>
+            <a:lvl7pPr eaLnBrk="0" fontAlgn="base" hangingPunct="0">
+              <a:spcBef>
+                <a:spcPct val="0"/>
+              </a:spcBef>
+              <a:spcAft>
+                <a:spcPct val="0"/>
+              </a:spcAft>
+              <a:defRPr>
+                <a:solidFill>
+                  <a:schemeClr val="tx1"/>
+                </a:solidFill>
+                <a:latin typeface="Arial" panose="020B0604020202020204" pitchFamily="34" charset="0"/>
+              </a:defRPr>
+            </a:lvl7pPr>
+            <a:lvl8pPr eaLnBrk="0" fontAlgn="base" hangingPunct="0">
+              <a:spcBef>
+                <a:spcPct val="0"/>
+              </a:spcBef>
+              <a:spcAft>
+                <a:spcPct val="0"/>
+              </a:spcAft>
+              <a:defRPr>
+                <a:solidFill>
+                  <a:schemeClr val="tx1"/>
+                </a:solidFill>
+                <a:latin typeface="Arial" panose="020B0604020202020204" pitchFamily="34" charset="0"/>
+              </a:defRPr>
+            </a:lvl8pPr>
+            <a:lvl9pPr eaLnBrk="0" fontAlgn="base" hangingPunct="0">
+              <a:spcBef>
+                <a:spcPct val="0"/>
+              </a:spcBef>
+              <a:spcAft>
+                <a:spcPct val="0"/>
+              </a:spcAft>
+              <a:defRPr>
+                <a:solidFill>
+                  <a:schemeClr val="tx1"/>
+                </a:solidFill>
+                <a:latin typeface="Arial" panose="020B0604020202020204" pitchFamily="34" charset="0"/>
+              </a:defRPr>
+            </a:lvl9pPr>
+          </a:lstStyle>
+          <a:p>
+            <a:pPr marL="0" lvl="0" indent="0">
+              <a:lnSpc>
+                <a:spcPct val="200000"/>
+              </a:lnSpc>
+              <a:buNone/>
+            </a:pPr>
+            <a:r>
+              <a:rPr lang="en-US" altLang="en-US" sz="2000" b="1" dirty="0" smtClean="0"/>
+              <a:t>4.3. </a:t>
+            </a:r>
+            <a:r>
+              <a:rPr lang="vi-VN" altLang="en-US" sz="2000" b="1" dirty="0" smtClean="0"/>
+              <a:t>Null byte injection</a:t>
+            </a:r>
+          </a:p>
+          <a:p>
+            <a:pPr marL="0" lvl="0" indent="0">
+              <a:lnSpc>
+                <a:spcPct val="200000"/>
+              </a:lnSpc>
+              <a:buNone/>
+            </a:pPr>
+            <a:r>
+              <a:rPr lang="en-US" altLang="en-US" sz="2000" dirty="0" smtClean="0"/>
+              <a:t>- </a:t>
+            </a:r>
+            <a:r>
+              <a:rPr lang="en-US" altLang="en-US" sz="2000" dirty="0" err="1" smtClean="0"/>
+              <a:t>Cơ</a:t>
+            </a:r>
+            <a:r>
+              <a:rPr lang="en-US" altLang="en-US" sz="2000" dirty="0" smtClean="0"/>
+              <a:t> </a:t>
+            </a:r>
+            <a:r>
+              <a:rPr lang="en-US" altLang="en-US" sz="2000" dirty="0" err="1" smtClean="0"/>
+              <a:t>chế</a:t>
+            </a:r>
+            <a:r>
+              <a:rPr lang="en-US" altLang="en-US" sz="2000" dirty="0" smtClean="0"/>
+              <a:t> </a:t>
+            </a:r>
+            <a:r>
+              <a:rPr lang="en-US" altLang="en-US" sz="2000" dirty="0" err="1" smtClean="0"/>
+              <a:t>bảo</a:t>
+            </a:r>
+            <a:r>
+              <a:rPr lang="en-US" altLang="en-US" sz="2000" dirty="0" smtClean="0"/>
+              <a:t> </a:t>
+            </a:r>
+            <a:r>
+              <a:rPr lang="en-US" altLang="en-US" sz="2000" dirty="0" err="1" smtClean="0"/>
+              <a:t>mật</a:t>
+            </a:r>
+            <a:r>
+              <a:rPr lang="en-US" altLang="en-US" sz="2000" dirty="0" smtClean="0"/>
+              <a:t>: server </a:t>
+            </a:r>
+            <a:r>
+              <a:rPr lang="en-US" altLang="en-US" sz="2000" dirty="0" err="1" smtClean="0"/>
+              <a:t>kiểm</a:t>
+            </a:r>
+            <a:r>
+              <a:rPr lang="en-US" altLang="en-US" sz="2000" dirty="0" smtClean="0"/>
+              <a:t> </a:t>
+            </a:r>
+            <a:r>
+              <a:rPr lang="en-US" altLang="en-US" sz="2000" dirty="0" err="1" smtClean="0"/>
+              <a:t>tra</a:t>
+            </a:r>
+            <a:r>
+              <a:rPr lang="en-US" altLang="en-US" sz="2000" dirty="0" smtClean="0"/>
+              <a:t> </a:t>
+            </a:r>
+            <a:r>
+              <a:rPr lang="en-US" altLang="en-US" sz="2000" dirty="0" err="1" smtClean="0"/>
+              <a:t>loại</a:t>
+            </a:r>
+            <a:r>
+              <a:rPr lang="en-US" altLang="en-US" sz="2000" dirty="0" smtClean="0"/>
+              <a:t> file </a:t>
+            </a:r>
+            <a:r>
+              <a:rPr lang="en-US" altLang="en-US" sz="2000" dirty="0" err="1" smtClean="0"/>
+              <a:t>bằng</a:t>
+            </a:r>
+            <a:r>
+              <a:rPr lang="en-US" altLang="en-US" sz="2000" dirty="0" smtClean="0"/>
+              <a:t> file extension.</a:t>
+            </a:r>
+          </a:p>
+          <a:p>
+            <a:pPr marL="0" lvl="0" indent="0">
+              <a:lnSpc>
+                <a:spcPct val="200000"/>
+              </a:lnSpc>
+              <a:buNone/>
+            </a:pPr>
+            <a:r>
+              <a:rPr lang="en-US" altLang="en-US" sz="2000" dirty="0" smtClean="0">
+                <a:sym typeface="Wingdings" panose="05000000000000000000" pitchFamily="2" charset="2"/>
+              </a:rPr>
+              <a:t> </a:t>
+            </a:r>
+            <a:r>
+              <a:rPr lang="vi-VN" altLang="en-US" sz="2000" dirty="0" smtClean="0"/>
+              <a:t>Đổi tên file:</a:t>
+            </a:r>
+            <a:r>
+              <a:rPr lang="en-US" altLang="en-US" sz="2000" dirty="0" smtClean="0"/>
+              <a:t> </a:t>
+            </a:r>
+            <a:r>
+              <a:rPr lang="vi-VN" altLang="en-US" sz="2000" b="1" i="1" dirty="0" smtClean="0"/>
+              <a:t>exploit.php%00.jpg</a:t>
+            </a:r>
+          </a:p>
+          <a:p>
+            <a:pPr marL="0" lvl="0" indent="0">
+              <a:lnSpc>
+                <a:spcPct val="200000"/>
+              </a:lnSpc>
+              <a:buNone/>
+            </a:pPr>
+            <a:r>
+              <a:rPr lang="vi-VN" altLang="en-US" sz="2000" dirty="0" smtClean="0"/>
+              <a:t>→ </a:t>
+            </a:r>
+            <a:r>
+              <a:rPr lang="vi-VN" altLang="en-US" sz="2000" dirty="0"/>
+              <a:t>`%00` là ký tự kết thúc chuỗi trong C, khiến hệ thống chỉ thấy `.php</a:t>
+            </a:r>
+            <a:r>
+              <a:rPr lang="vi-VN" altLang="en-US" sz="2000" dirty="0" smtClean="0"/>
+              <a:t>`</a:t>
+            </a:r>
+            <a:endParaRPr lang="vi-VN" altLang="en-US" sz="2000" dirty="0"/>
+          </a:p>
+          <a:p>
+            <a:pPr marL="0" lvl="0" indent="0">
+              <a:lnSpc>
+                <a:spcPct val="200000"/>
+              </a:lnSpc>
+              <a:buNone/>
+            </a:pPr>
+            <a:r>
+              <a:rPr lang="vi-VN" altLang="en-US" sz="2000" dirty="0"/>
+              <a:t>Một số ngôn ngữ back-end bị ảnh hưởng nếu dùng C-style string handling.</a:t>
+            </a:r>
+            <a:endParaRPr kumimoji="0" lang="en-US" altLang="en-US" sz="3200" b="0" i="0" u="none" strike="noStrike" cap="none" normalizeH="0" baseline="0" dirty="0" smtClean="0">
+              <a:ln>
+                <a:noFill/>
+              </a:ln>
+              <a:solidFill>
+                <a:schemeClr val="tx1"/>
+              </a:solidFill>
+              <a:effectLst/>
+              <a:latin typeface="Arial" panose="020B0604020202020204" pitchFamily="34" charset="0"/>
+            </a:endParaRPr>
           </a:p>
         </p:txBody>
       </p:sp>
     </p:spTree>
     <p:extLst>
       <p:ext uri="{BB962C8B-B14F-4D97-AF65-F5344CB8AC3E}">
-        <p14:creationId xmlns:p14="http://schemas.microsoft.com/office/powerpoint/2010/main" val="1675279065"/>
+        <p14:creationId xmlns:p14="http://schemas.microsoft.com/office/powerpoint/2010/main" val="3590006322"/>
       </p:ext>
     </p:extLst>
   </p:cSld>

--- a/week3.2.file_upload/file_upload.pptx
+++ b/week3.2.file_upload/file_upload.pptx
@@ -264,7 +264,7 @@
           <a:p>
             <a:fld id="{B2ACCAD5-56B7-4C78-BE2A-F101EAB16DBD}" type="datetimeFigureOut">
               <a:rPr lang="en-US" smtClean="0"/>
-              <a:t>15/06/2025</a:t>
+              <a:t>19/06/2025</a:t>
             </a:fld>
             <a:endParaRPr lang="en-US"/>
           </a:p>
@@ -434,7 +434,7 @@
           <a:p>
             <a:fld id="{B2ACCAD5-56B7-4C78-BE2A-F101EAB16DBD}" type="datetimeFigureOut">
               <a:rPr lang="en-US" smtClean="0"/>
-              <a:t>15/06/2025</a:t>
+              <a:t>19/06/2025</a:t>
             </a:fld>
             <a:endParaRPr lang="en-US"/>
           </a:p>
@@ -614,7 +614,7 @@
           <a:p>
             <a:fld id="{B2ACCAD5-56B7-4C78-BE2A-F101EAB16DBD}" type="datetimeFigureOut">
               <a:rPr lang="en-US" smtClean="0"/>
-              <a:t>15/06/2025</a:t>
+              <a:t>19/06/2025</a:t>
             </a:fld>
             <a:endParaRPr lang="en-US"/>
           </a:p>
@@ -784,7 +784,7 @@
           <a:p>
             <a:fld id="{B2ACCAD5-56B7-4C78-BE2A-F101EAB16DBD}" type="datetimeFigureOut">
               <a:rPr lang="en-US" smtClean="0"/>
-              <a:t>15/06/2025</a:t>
+              <a:t>19/06/2025</a:t>
             </a:fld>
             <a:endParaRPr lang="en-US"/>
           </a:p>
@@ -1030,7 +1030,7 @@
           <a:p>
             <a:fld id="{B2ACCAD5-56B7-4C78-BE2A-F101EAB16DBD}" type="datetimeFigureOut">
               <a:rPr lang="en-US" smtClean="0"/>
-              <a:t>15/06/2025</a:t>
+              <a:t>19/06/2025</a:t>
             </a:fld>
             <a:endParaRPr lang="en-US"/>
           </a:p>
@@ -1262,7 +1262,7 @@
           <a:p>
             <a:fld id="{B2ACCAD5-56B7-4C78-BE2A-F101EAB16DBD}" type="datetimeFigureOut">
               <a:rPr lang="en-US" smtClean="0"/>
-              <a:t>15/06/2025</a:t>
+              <a:t>19/06/2025</a:t>
             </a:fld>
             <a:endParaRPr lang="en-US"/>
           </a:p>
@@ -1629,7 +1629,7 @@
           <a:p>
             <a:fld id="{B2ACCAD5-56B7-4C78-BE2A-F101EAB16DBD}" type="datetimeFigureOut">
               <a:rPr lang="en-US" smtClean="0"/>
-              <a:t>15/06/2025</a:t>
+              <a:t>19/06/2025</a:t>
             </a:fld>
             <a:endParaRPr lang="en-US"/>
           </a:p>
@@ -1747,7 +1747,7 @@
           <a:p>
             <a:fld id="{B2ACCAD5-56B7-4C78-BE2A-F101EAB16DBD}" type="datetimeFigureOut">
               <a:rPr lang="en-US" smtClean="0"/>
-              <a:t>15/06/2025</a:t>
+              <a:t>19/06/2025</a:t>
             </a:fld>
             <a:endParaRPr lang="en-US"/>
           </a:p>
@@ -1842,7 +1842,7 @@
           <a:p>
             <a:fld id="{B2ACCAD5-56B7-4C78-BE2A-F101EAB16DBD}" type="datetimeFigureOut">
               <a:rPr lang="en-US" smtClean="0"/>
-              <a:t>15/06/2025</a:t>
+              <a:t>19/06/2025</a:t>
             </a:fld>
             <a:endParaRPr lang="en-US"/>
           </a:p>
@@ -2119,7 +2119,7 @@
           <a:p>
             <a:fld id="{B2ACCAD5-56B7-4C78-BE2A-F101EAB16DBD}" type="datetimeFigureOut">
               <a:rPr lang="en-US" smtClean="0"/>
-              <a:t>15/06/2025</a:t>
+              <a:t>19/06/2025</a:t>
             </a:fld>
             <a:endParaRPr lang="en-US"/>
           </a:p>
@@ -2372,7 +2372,7 @@
           <a:p>
             <a:fld id="{B2ACCAD5-56B7-4C78-BE2A-F101EAB16DBD}" type="datetimeFigureOut">
               <a:rPr lang="en-US" smtClean="0"/>
-              <a:t>15/06/2025</a:t>
+              <a:t>19/06/2025</a:t>
             </a:fld>
             <a:endParaRPr lang="en-US"/>
           </a:p>
@@ -2585,7 +2585,7 @@
           <a:p>
             <a:fld id="{B2ACCAD5-56B7-4C78-BE2A-F101EAB16DBD}" type="datetimeFigureOut">
               <a:rPr lang="en-US" smtClean="0"/>
-              <a:t>15/06/2025</a:t>
+              <a:t>19/06/2025</a:t>
             </a:fld>
             <a:endParaRPr lang="en-US"/>
           </a:p>
@@ -6153,12 +6153,12 @@
               <a:t> </a:t>
             </a:r>
             <a:r>
-              <a:rPr lang="en-US" sz="2800" dirty="0" err="1" smtClean="0"/>
-              <a:t>Commnet</a:t>
-            </a:r>
-            <a:r>
               <a:rPr lang="en-US" sz="2800" dirty="0" smtClean="0"/>
-              <a:t> field, </a:t>
+              <a:t>Comment </a:t>
+            </a:r>
+            <a:r>
+              <a:rPr lang="en-US" sz="2800" dirty="0" smtClean="0"/>
+              <a:t>field, </a:t>
             </a:r>
             <a:r>
               <a:rPr lang="en-US" sz="2800" dirty="0" err="1" smtClean="0"/>
@@ -9022,7 +9022,6 @@
               <a:rPr lang="en-US" dirty="0" smtClean="0"/>
               <a:t>,… </a:t>
             </a:r>
-            <a:endParaRPr lang="en-US" dirty="0" smtClean="0"/>
           </a:p>
           <a:p>
             <a:pPr>
@@ -9169,7 +9168,6 @@
               <a:rPr lang="en-US" dirty="0" smtClean="0"/>
               <a:t> upload file</a:t>
             </a:r>
-            <a:endParaRPr lang="en-US" dirty="0" smtClean="0"/>
           </a:p>
         </p:txBody>
       </p:sp>
